--- a/opentokvideofix/OpenTok Issues and Solutions.pptx
+++ b/opentokvideofix/OpenTok Issues and Solutions.pptx
@@ -13,12 +13,14 @@
     <p:sldId id="261" r:id="rId7"/>
     <p:sldId id="269" r:id="rId8"/>
     <p:sldId id="262" r:id="rId9"/>
-    <p:sldId id="263" r:id="rId10"/>
-    <p:sldId id="264" r:id="rId11"/>
-    <p:sldId id="265" r:id="rId12"/>
-    <p:sldId id="266" r:id="rId13"/>
-    <p:sldId id="267" r:id="rId14"/>
-    <p:sldId id="268" r:id="rId15"/>
+    <p:sldId id="270" r:id="rId10"/>
+    <p:sldId id="271" r:id="rId11"/>
+    <p:sldId id="263" r:id="rId12"/>
+    <p:sldId id="264" r:id="rId13"/>
+    <p:sldId id="265" r:id="rId14"/>
+    <p:sldId id="266" r:id="rId15"/>
+    <p:sldId id="267" r:id="rId16"/>
+    <p:sldId id="268" r:id="rId17"/>
   </p:sldIdLst>
   <p:sldSz cx="9144000" cy="6858000" type="screen4x3"/>
   <p:notesSz cx="6858000" cy="9144000"/>
@@ -117,6 +119,22 @@
       </a:defRPr>
     </a:lvl9pPr>
   </p:defaultTextStyle>
+  <p:extLst>
+    <p:ext uri="{EFAFB233-063F-42B5-8137-9DF3F51BA10A}">
+      <p15:sldGuideLst xmlns:p15="http://schemas.microsoft.com/office/powerpoint/2012/main">
+        <p15:guide id="1" orient="horz" pos="2160">
+          <p15:clr>
+            <a:srgbClr val="A4A3A4"/>
+          </p15:clr>
+        </p15:guide>
+        <p15:guide id="2" pos="2880">
+          <p15:clr>
+            <a:srgbClr val="A4A3A4"/>
+          </p15:clr>
+        </p15:guide>
+      </p15:sldGuideLst>
+    </p:ext>
+  </p:extLst>
 </p:presentation>
 </file>
 
@@ -158,10 +176,9 @@
           <a:lstStyle/>
           <a:p>
             <a:r>
-              <a:rPr lang="en-US" smtClean="0"/>
+              <a:rPr lang="en-US"/>
               <a:t>Click to edit Master title style</a:t>
             </a:r>
-            <a:endParaRPr lang="en-US"/>
           </a:p>
         </p:txBody>
       </p:sp>
@@ -277,10 +294,9 @@
           </a:lstStyle>
           <a:p>
             <a:r>
-              <a:rPr lang="en-US" smtClean="0"/>
+              <a:rPr lang="en-US"/>
               <a:t>Click to edit Master subtitle style</a:t>
             </a:r>
-            <a:endParaRPr lang="en-US"/>
           </a:p>
         </p:txBody>
       </p:sp>
@@ -395,10 +411,9 @@
           <a:lstStyle/>
           <a:p>
             <a:r>
-              <a:rPr lang="en-US" smtClean="0"/>
+              <a:rPr lang="en-US"/>
               <a:t>Click to edit Master title style</a:t>
             </a:r>
-            <a:endParaRPr lang="en-US"/>
           </a:p>
         </p:txBody>
       </p:sp>
@@ -419,38 +434,37 @@
           <a:p>
             <a:pPr lvl="0"/>
             <a:r>
-              <a:rPr lang="en-US" smtClean="0"/>
+              <a:rPr lang="en-US"/>
               <a:t>Click to edit Master text styles</a:t>
             </a:r>
           </a:p>
           <a:p>
             <a:pPr lvl="1"/>
             <a:r>
-              <a:rPr lang="en-US" smtClean="0"/>
+              <a:rPr lang="en-US"/>
               <a:t>Second level</a:t>
             </a:r>
           </a:p>
           <a:p>
             <a:pPr lvl="2"/>
             <a:r>
-              <a:rPr lang="en-US" smtClean="0"/>
+              <a:rPr lang="en-US"/>
               <a:t>Third level</a:t>
             </a:r>
           </a:p>
           <a:p>
             <a:pPr lvl="3"/>
             <a:r>
-              <a:rPr lang="en-US" smtClean="0"/>
+              <a:rPr lang="en-US"/>
               <a:t>Fourth level</a:t>
             </a:r>
           </a:p>
           <a:p>
             <a:pPr lvl="4"/>
             <a:r>
-              <a:rPr lang="en-US" smtClean="0"/>
+              <a:rPr lang="en-US"/>
               <a:t>Fifth level</a:t>
             </a:r>
-            <a:endParaRPr lang="en-US"/>
           </a:p>
         </p:txBody>
       </p:sp>
@@ -570,10 +584,9 @@
           <a:lstStyle/>
           <a:p>
             <a:r>
-              <a:rPr lang="en-US" smtClean="0"/>
+              <a:rPr lang="en-US"/>
               <a:t>Click to edit Master title style</a:t>
             </a:r>
-            <a:endParaRPr lang="en-US"/>
           </a:p>
         </p:txBody>
       </p:sp>
@@ -599,38 +612,37 @@
           <a:p>
             <a:pPr lvl="0"/>
             <a:r>
-              <a:rPr lang="en-US" smtClean="0"/>
+              <a:rPr lang="en-US"/>
               <a:t>Click to edit Master text styles</a:t>
             </a:r>
           </a:p>
           <a:p>
             <a:pPr lvl="1"/>
             <a:r>
-              <a:rPr lang="en-US" smtClean="0"/>
+              <a:rPr lang="en-US"/>
               <a:t>Second level</a:t>
             </a:r>
           </a:p>
           <a:p>
             <a:pPr lvl="2"/>
             <a:r>
-              <a:rPr lang="en-US" smtClean="0"/>
+              <a:rPr lang="en-US"/>
               <a:t>Third level</a:t>
             </a:r>
           </a:p>
           <a:p>
             <a:pPr lvl="3"/>
             <a:r>
-              <a:rPr lang="en-US" smtClean="0"/>
+              <a:rPr lang="en-US"/>
               <a:t>Fourth level</a:t>
             </a:r>
           </a:p>
           <a:p>
             <a:pPr lvl="4"/>
             <a:r>
-              <a:rPr lang="en-US" smtClean="0"/>
+              <a:rPr lang="en-US"/>
               <a:t>Fifth level</a:t>
             </a:r>
-            <a:endParaRPr lang="en-US"/>
           </a:p>
         </p:txBody>
       </p:sp>
@@ -745,10 +757,9 @@
           <a:lstStyle/>
           <a:p>
             <a:r>
-              <a:rPr lang="en-US" smtClean="0"/>
+              <a:rPr lang="en-US"/>
               <a:t>Click to edit Master title style</a:t>
             </a:r>
-            <a:endParaRPr lang="en-US"/>
           </a:p>
         </p:txBody>
       </p:sp>
@@ -769,38 +780,37 @@
           <a:p>
             <a:pPr lvl="0"/>
             <a:r>
-              <a:rPr lang="en-US" smtClean="0"/>
+              <a:rPr lang="en-US"/>
               <a:t>Click to edit Master text styles</a:t>
             </a:r>
           </a:p>
           <a:p>
             <a:pPr lvl="1"/>
             <a:r>
-              <a:rPr lang="en-US" smtClean="0"/>
+              <a:rPr lang="en-US"/>
               <a:t>Second level</a:t>
             </a:r>
           </a:p>
           <a:p>
             <a:pPr lvl="2"/>
             <a:r>
-              <a:rPr lang="en-US" smtClean="0"/>
+              <a:rPr lang="en-US"/>
               <a:t>Third level</a:t>
             </a:r>
           </a:p>
           <a:p>
             <a:pPr lvl="3"/>
             <a:r>
-              <a:rPr lang="en-US" smtClean="0"/>
+              <a:rPr lang="en-US"/>
               <a:t>Fourth level</a:t>
             </a:r>
           </a:p>
           <a:p>
             <a:pPr lvl="4"/>
             <a:r>
-              <a:rPr lang="en-US" smtClean="0"/>
+              <a:rPr lang="en-US"/>
               <a:t>Fifth level</a:t>
             </a:r>
-            <a:endParaRPr lang="en-US"/>
           </a:p>
         </p:txBody>
       </p:sp>
@@ -924,10 +934,9 @@
           </a:lstStyle>
           <a:p>
             <a:r>
-              <a:rPr lang="en-US" smtClean="0"/>
+              <a:rPr lang="en-US"/>
               <a:t>Click to edit Master title style</a:t>
             </a:r>
-            <a:endParaRPr lang="en-US"/>
           </a:p>
         </p:txBody>
       </p:sp>
@@ -1044,7 +1053,7 @@
           <a:p>
             <a:pPr lvl="0"/>
             <a:r>
-              <a:rPr lang="en-US" smtClean="0"/>
+              <a:rPr lang="en-US"/>
               <a:t>Click to edit Master text styles</a:t>
             </a:r>
           </a:p>
@@ -1161,10 +1170,9 @@
           <a:lstStyle/>
           <a:p>
             <a:r>
-              <a:rPr lang="en-US" smtClean="0"/>
+              <a:rPr lang="en-US"/>
               <a:t>Click to edit Master title style</a:t>
             </a:r>
-            <a:endParaRPr lang="en-US"/>
           </a:p>
         </p:txBody>
       </p:sp>
@@ -1218,38 +1226,37 @@
           <a:p>
             <a:pPr lvl="0"/>
             <a:r>
-              <a:rPr lang="en-US" smtClean="0"/>
+              <a:rPr lang="en-US"/>
               <a:t>Click to edit Master text styles</a:t>
             </a:r>
           </a:p>
           <a:p>
             <a:pPr lvl="1"/>
             <a:r>
-              <a:rPr lang="en-US" smtClean="0"/>
+              <a:rPr lang="en-US"/>
               <a:t>Second level</a:t>
             </a:r>
           </a:p>
           <a:p>
             <a:pPr lvl="2"/>
             <a:r>
-              <a:rPr lang="en-US" smtClean="0"/>
+              <a:rPr lang="en-US"/>
               <a:t>Third level</a:t>
             </a:r>
           </a:p>
           <a:p>
             <a:pPr lvl="3"/>
             <a:r>
-              <a:rPr lang="en-US" smtClean="0"/>
+              <a:rPr lang="en-US"/>
               <a:t>Fourth level</a:t>
             </a:r>
           </a:p>
           <a:p>
             <a:pPr lvl="4"/>
             <a:r>
-              <a:rPr lang="en-US" smtClean="0"/>
+              <a:rPr lang="en-US"/>
               <a:t>Fifth level</a:t>
             </a:r>
-            <a:endParaRPr lang="en-US"/>
           </a:p>
         </p:txBody>
       </p:sp>
@@ -1303,38 +1310,37 @@
           <a:p>
             <a:pPr lvl="0"/>
             <a:r>
-              <a:rPr lang="en-US" smtClean="0"/>
+              <a:rPr lang="en-US"/>
               <a:t>Click to edit Master text styles</a:t>
             </a:r>
           </a:p>
           <a:p>
             <a:pPr lvl="1"/>
             <a:r>
-              <a:rPr lang="en-US" smtClean="0"/>
+              <a:rPr lang="en-US"/>
               <a:t>Second level</a:t>
             </a:r>
           </a:p>
           <a:p>
             <a:pPr lvl="2"/>
             <a:r>
-              <a:rPr lang="en-US" smtClean="0"/>
+              <a:rPr lang="en-US"/>
               <a:t>Third level</a:t>
             </a:r>
           </a:p>
           <a:p>
             <a:pPr lvl="3"/>
             <a:r>
-              <a:rPr lang="en-US" smtClean="0"/>
+              <a:rPr lang="en-US"/>
               <a:t>Fourth level</a:t>
             </a:r>
           </a:p>
           <a:p>
             <a:pPr lvl="4"/>
             <a:r>
-              <a:rPr lang="en-US" smtClean="0"/>
+              <a:rPr lang="en-US"/>
               <a:t>Fifth level</a:t>
             </a:r>
-            <a:endParaRPr lang="en-US"/>
           </a:p>
         </p:txBody>
       </p:sp>
@@ -1453,10 +1459,9 @@
           </a:lstStyle>
           <a:p>
             <a:r>
-              <a:rPr lang="en-US" smtClean="0"/>
+              <a:rPr lang="en-US"/>
               <a:t>Click to edit Master title style</a:t>
             </a:r>
-            <a:endParaRPr lang="en-US"/>
           </a:p>
         </p:txBody>
       </p:sp>
@@ -1519,7 +1524,7 @@
           <a:p>
             <a:pPr lvl="0"/>
             <a:r>
-              <a:rPr lang="en-US" smtClean="0"/>
+              <a:rPr lang="en-US"/>
               <a:t>Click to edit Master text styles</a:t>
             </a:r>
           </a:p>
@@ -1575,38 +1580,37 @@
           <a:p>
             <a:pPr lvl="0"/>
             <a:r>
-              <a:rPr lang="en-US" smtClean="0"/>
+              <a:rPr lang="en-US"/>
               <a:t>Click to edit Master text styles</a:t>
             </a:r>
           </a:p>
           <a:p>
             <a:pPr lvl="1"/>
             <a:r>
-              <a:rPr lang="en-US" smtClean="0"/>
+              <a:rPr lang="en-US"/>
               <a:t>Second level</a:t>
             </a:r>
           </a:p>
           <a:p>
             <a:pPr lvl="2"/>
             <a:r>
-              <a:rPr lang="en-US" smtClean="0"/>
+              <a:rPr lang="en-US"/>
               <a:t>Third level</a:t>
             </a:r>
           </a:p>
           <a:p>
             <a:pPr lvl="3"/>
             <a:r>
-              <a:rPr lang="en-US" smtClean="0"/>
+              <a:rPr lang="en-US"/>
               <a:t>Fourth level</a:t>
             </a:r>
           </a:p>
           <a:p>
             <a:pPr lvl="4"/>
             <a:r>
-              <a:rPr lang="en-US" smtClean="0"/>
+              <a:rPr lang="en-US"/>
               <a:t>Fifth level</a:t>
             </a:r>
-            <a:endParaRPr lang="en-US"/>
           </a:p>
         </p:txBody>
       </p:sp>
@@ -1669,7 +1673,7 @@
           <a:p>
             <a:pPr lvl="0"/>
             <a:r>
-              <a:rPr lang="en-US" smtClean="0"/>
+              <a:rPr lang="en-US"/>
               <a:t>Click to edit Master text styles</a:t>
             </a:r>
           </a:p>
@@ -1725,38 +1729,37 @@
           <a:p>
             <a:pPr lvl="0"/>
             <a:r>
-              <a:rPr lang="en-US" smtClean="0"/>
+              <a:rPr lang="en-US"/>
               <a:t>Click to edit Master text styles</a:t>
             </a:r>
           </a:p>
           <a:p>
             <a:pPr lvl="1"/>
             <a:r>
-              <a:rPr lang="en-US" smtClean="0"/>
+              <a:rPr lang="en-US"/>
               <a:t>Second level</a:t>
             </a:r>
           </a:p>
           <a:p>
             <a:pPr lvl="2"/>
             <a:r>
-              <a:rPr lang="en-US" smtClean="0"/>
+              <a:rPr lang="en-US"/>
               <a:t>Third level</a:t>
             </a:r>
           </a:p>
           <a:p>
             <a:pPr lvl="3"/>
             <a:r>
-              <a:rPr lang="en-US" smtClean="0"/>
+              <a:rPr lang="en-US"/>
               <a:t>Fourth level</a:t>
             </a:r>
           </a:p>
           <a:p>
             <a:pPr lvl="4"/>
             <a:r>
-              <a:rPr lang="en-US" smtClean="0"/>
+              <a:rPr lang="en-US"/>
               <a:t>Fifth level</a:t>
             </a:r>
-            <a:endParaRPr lang="en-US"/>
           </a:p>
         </p:txBody>
       </p:sp>
@@ -1871,10 +1874,9 @@
           <a:lstStyle/>
           <a:p>
             <a:r>
-              <a:rPr lang="en-US" smtClean="0"/>
+              <a:rPr lang="en-US"/>
               <a:t>Click to edit Master title style</a:t>
             </a:r>
-            <a:endParaRPr lang="en-US"/>
           </a:p>
         </p:txBody>
       </p:sp>
@@ -2093,10 +2095,9 @@
           </a:lstStyle>
           <a:p>
             <a:r>
-              <a:rPr lang="en-US" smtClean="0"/>
+              <a:rPr lang="en-US"/>
               <a:t>Click to edit Master title style</a:t>
             </a:r>
-            <a:endParaRPr lang="en-US"/>
           </a:p>
         </p:txBody>
       </p:sp>
@@ -2150,38 +2151,37 @@
           <a:p>
             <a:pPr lvl="0"/>
             <a:r>
-              <a:rPr lang="en-US" smtClean="0"/>
+              <a:rPr lang="en-US"/>
               <a:t>Click to edit Master text styles</a:t>
             </a:r>
           </a:p>
           <a:p>
             <a:pPr lvl="1"/>
             <a:r>
-              <a:rPr lang="en-US" smtClean="0"/>
+              <a:rPr lang="en-US"/>
               <a:t>Second level</a:t>
             </a:r>
           </a:p>
           <a:p>
             <a:pPr lvl="2"/>
             <a:r>
-              <a:rPr lang="en-US" smtClean="0"/>
+              <a:rPr lang="en-US"/>
               <a:t>Third level</a:t>
             </a:r>
           </a:p>
           <a:p>
             <a:pPr lvl="3"/>
             <a:r>
-              <a:rPr lang="en-US" smtClean="0"/>
+              <a:rPr lang="en-US"/>
               <a:t>Fourth level</a:t>
             </a:r>
           </a:p>
           <a:p>
             <a:pPr lvl="4"/>
             <a:r>
-              <a:rPr lang="en-US" smtClean="0"/>
+              <a:rPr lang="en-US"/>
               <a:t>Fifth level</a:t>
             </a:r>
-            <a:endParaRPr lang="en-US"/>
           </a:p>
         </p:txBody>
       </p:sp>
@@ -2244,7 +2244,7 @@
           <a:p>
             <a:pPr lvl="0"/>
             <a:r>
-              <a:rPr lang="en-US" smtClean="0"/>
+              <a:rPr lang="en-US"/>
               <a:t>Click to edit Master text styles</a:t>
             </a:r>
           </a:p>
@@ -2370,10 +2370,9 @@
           </a:lstStyle>
           <a:p>
             <a:r>
-              <a:rPr lang="en-US" smtClean="0"/>
+              <a:rPr lang="en-US"/>
               <a:t>Click to edit Master title style</a:t>
             </a:r>
-            <a:endParaRPr lang="en-US"/>
           </a:p>
         </p:txBody>
       </p:sp>
@@ -2497,7 +2496,7 @@
           <a:p>
             <a:pPr lvl="0"/>
             <a:r>
-              <a:rPr lang="en-US" smtClean="0"/>
+              <a:rPr lang="en-US"/>
               <a:t>Click to edit Master text styles</a:t>
             </a:r>
           </a:p>
@@ -2629,10 +2628,9 @@
           <a:lstStyle/>
           <a:p>
             <a:r>
-              <a:rPr lang="en-US" smtClean="0"/>
+              <a:rPr lang="en-US"/>
               <a:t>Click to edit Master title style</a:t>
             </a:r>
-            <a:endParaRPr lang="en-US"/>
           </a:p>
         </p:txBody>
       </p:sp>
@@ -2663,38 +2661,37 @@
           <a:p>
             <a:pPr lvl="0"/>
             <a:r>
-              <a:rPr lang="en-US" smtClean="0"/>
+              <a:rPr lang="en-US"/>
               <a:t>Click to edit Master text styles</a:t>
             </a:r>
           </a:p>
           <a:p>
             <a:pPr lvl="1"/>
             <a:r>
-              <a:rPr lang="en-US" smtClean="0"/>
+              <a:rPr lang="en-US"/>
               <a:t>Second level</a:t>
             </a:r>
           </a:p>
           <a:p>
             <a:pPr lvl="2"/>
             <a:r>
-              <a:rPr lang="en-US" smtClean="0"/>
+              <a:rPr lang="en-US"/>
               <a:t>Third level</a:t>
             </a:r>
           </a:p>
           <a:p>
             <a:pPr lvl="3"/>
             <a:r>
-              <a:rPr lang="en-US" smtClean="0"/>
+              <a:rPr lang="en-US"/>
               <a:t>Fourth level</a:t>
             </a:r>
           </a:p>
           <a:p>
             <a:pPr lvl="4"/>
             <a:r>
-              <a:rPr lang="en-US" smtClean="0"/>
+              <a:rPr lang="en-US"/>
               <a:t>Fifth level</a:t>
             </a:r>
-            <a:endParaRPr lang="en-US"/>
           </a:p>
         </p:txBody>
       </p:sp>
@@ -3120,18 +3117,19 @@
         </p:nvSpPr>
         <p:spPr/>
         <p:txBody>
-          <a:bodyPr/>
-          <a:lstStyle/>
-          <a:p>
-            <a:r>
-              <a:rPr lang="en-US" dirty="0" err="1" smtClean="0"/>
+          <a:bodyPr>
+            <a:normAutofit/>
+          </a:bodyPr>
+          <a:lstStyle/>
+          <a:p>
+            <a:r>
+              <a:rPr lang="en-US" sz="4000" dirty="0" err="1"/>
               <a:t>OpenTok</a:t>
             </a:r>
             <a:r>
-              <a:rPr lang="en-US" dirty="0" smtClean="0"/>
-              <a:t> Issues and Solutions</a:t>
-            </a:r>
-            <a:endParaRPr lang="en-US" dirty="0"/>
+              <a:rPr lang="en-US" sz="4000" dirty="0"/>
+              <a:t> Video Issues and Solutions</a:t>
+            </a:r>
           </a:p>
         </p:txBody>
       </p:sp>
@@ -3151,10 +3149,9 @@
           <a:lstStyle/>
           <a:p>
             <a:r>
-              <a:rPr lang="en-US" dirty="0" smtClean="0"/>
+              <a:rPr lang="en-US" dirty="0"/>
               <a:t>Prototype implementation</a:t>
             </a:r>
-            <a:endParaRPr lang="en-US" dirty="0"/>
           </a:p>
         </p:txBody>
       </p:sp>
@@ -3204,81 +3201,45 @@
           <a:lstStyle/>
           <a:p>
             <a:r>
-              <a:rPr lang="en-US" dirty="0" smtClean="0"/>
-              <a:t>Connectivity Solution</a:t>
-            </a:r>
-            <a:endParaRPr lang="en-US" dirty="0"/>
-          </a:p>
-        </p:txBody>
-      </p:sp>
-      <p:sp>
-        <p:nvSpPr>
-          <p:cNvPr id="3" name="Content Placeholder 2"/>
-          <p:cNvSpPr>
-            <a:spLocks noGrp="1"/>
-          </p:cNvSpPr>
+              <a:rPr lang="en-US" dirty="0"/>
+              <a:t>After Session is Disconnected</a:t>
+            </a:r>
+          </a:p>
+        </p:txBody>
+      </p:sp>
+      <p:pic>
+        <p:nvPicPr>
+          <p:cNvPr id="4" name="Content Placeholder 3"/>
+          <p:cNvPicPr>
+            <a:picLocks noGrp="1" noChangeAspect="1"/>
+          </p:cNvPicPr>
           <p:nvPr>
             <p:ph idx="1"/>
           </p:nvPr>
-        </p:nvSpPr>
-        <p:spPr/>
-        <p:txBody>
-          <a:bodyPr>
-            <a:normAutofit fontScale="85000" lnSpcReduction="10000"/>
-          </a:bodyPr>
-          <a:lstStyle/>
-          <a:p>
-            <a:r>
-              <a:rPr lang="en-US" dirty="0" smtClean="0"/>
-              <a:t>Initially we’ve tried to rely on the events to recover from interruption. The strategy proves to be unreliable (may work 70% of the time) because: </a:t>
-            </a:r>
-            <a:endParaRPr lang="en-US" dirty="0"/>
-          </a:p>
-          <a:p>
-            <a:pPr lvl="1"/>
-            <a:r>
-              <a:rPr lang="en-US" dirty="0" smtClean="0"/>
-              <a:t>the un-reliability of the events (sometimes not fired, sometimes got more than one).</a:t>
-            </a:r>
-          </a:p>
-          <a:p>
-            <a:pPr lvl="1"/>
-            <a:r>
-              <a:rPr lang="en-US" dirty="0" smtClean="0"/>
-              <a:t>slowness and possible timing issues </a:t>
-            </a:r>
-            <a:r>
-              <a:rPr lang="en-US" dirty="0" smtClean="0"/>
-              <a:t>of events.</a:t>
-            </a:r>
-          </a:p>
-          <a:p>
-            <a:r>
-              <a:rPr lang="en-US" dirty="0" smtClean="0"/>
-              <a:t>A monitoring strategy is implemented. After thorough testing, it is proven to be faster and more effective.</a:t>
-            </a:r>
-          </a:p>
-          <a:p>
-            <a:r>
-              <a:rPr lang="en-US" dirty="0" smtClean="0"/>
-              <a:t>Take advantage of the signaling support from </a:t>
-            </a:r>
-            <a:r>
-              <a:rPr lang="en-US" dirty="0" err="1" smtClean="0"/>
-              <a:t>opentok</a:t>
-            </a:r>
-            <a:r>
-              <a:rPr lang="en-US" dirty="0" smtClean="0"/>
-              <a:t> for effective monitoring of network connection.</a:t>
-            </a:r>
-            <a:endParaRPr lang="en-US" dirty="0"/>
-          </a:p>
-        </p:txBody>
-      </p:sp>
+        </p:nvPicPr>
+        <p:blipFill>
+          <a:blip r:embed="rId2">
+            <a:extLst>
+              <a:ext uri="{28A0092B-C50C-407E-A947-70E740481C1C}">
+                <a14:useLocalDpi xmlns:a14="http://schemas.microsoft.com/office/drawing/2010/main" val="0"/>
+              </a:ext>
+            </a:extLst>
+          </a:blip>
+          <a:stretch>
+            <a:fillRect/>
+          </a:stretch>
+        </p:blipFill>
+        <p:spPr>
+          <a:xfrm>
+            <a:off x="1269270" y="1600200"/>
+            <a:ext cx="6605459" cy="4525963"/>
+          </a:xfrm>
+        </p:spPr>
+      </p:pic>
     </p:spTree>
     <p:extLst>
       <p:ext uri="{BB962C8B-B14F-4D97-AF65-F5344CB8AC3E}">
-        <p14:creationId xmlns:p14="http://schemas.microsoft.com/office/powerpoint/2010/main" val="1979382977"/>
+        <p14:creationId xmlns:p14="http://schemas.microsoft.com/office/powerpoint/2010/main" val="3182534282"/>
       </p:ext>
     </p:extLst>
   </p:cSld>
@@ -3317,469 +3278,80 @@
         </p:nvSpPr>
         <p:spPr/>
         <p:txBody>
+          <a:bodyPr/>
+          <a:lstStyle/>
+          <a:p>
+            <a:r>
+              <a:rPr lang="en-US" dirty="0"/>
+              <a:t>Connectivity Issues</a:t>
+            </a:r>
+          </a:p>
+        </p:txBody>
+      </p:sp>
+      <p:sp>
+        <p:nvSpPr>
+          <p:cNvPr id="3" name="Content Placeholder 2"/>
+          <p:cNvSpPr>
+            <a:spLocks noGrp="1"/>
+          </p:cNvSpPr>
+          <p:nvPr>
+            <p:ph idx="1"/>
+          </p:nvPr>
+        </p:nvSpPr>
+        <p:spPr/>
+        <p:txBody>
           <a:bodyPr>
-            <a:normAutofit/>
+            <a:normAutofit lnSpcReduction="10000"/>
           </a:bodyPr>
           <a:lstStyle/>
           <a:p>
             <a:r>
-              <a:rPr lang="en-US" dirty="0" smtClean="0"/>
-              <a:t>Connectivity Solution – </a:t>
-            </a:r>
-            <a:r>
-              <a:rPr lang="en-US" sz="3100" dirty="0" smtClean="0"/>
-              <a:t>code snippet</a:t>
-            </a:r>
-            <a:endParaRPr lang="en-US" sz="3100" dirty="0"/>
-          </a:p>
-        </p:txBody>
-      </p:sp>
-      <p:sp>
-        <p:nvSpPr>
-          <p:cNvPr id="3" name="Content Placeholder 2"/>
-          <p:cNvSpPr>
-            <a:spLocks noGrp="1"/>
-          </p:cNvSpPr>
-          <p:nvPr>
-            <p:ph idx="1"/>
-          </p:nvPr>
-        </p:nvSpPr>
-        <p:spPr/>
-        <p:txBody>
-          <a:bodyPr>
-            <a:noAutofit/>
-          </a:bodyPr>
-          <a:lstStyle/>
-          <a:p>
-            <a:pPr marL="0" indent="0">
-              <a:buNone/>
-            </a:pPr>
-            <a:r>
-              <a:rPr lang="en-US" sz="800" dirty="0"/>
-              <a:t> </a:t>
-            </a:r>
-            <a:r>
-              <a:rPr lang="en-US" sz="800" dirty="0" err="1"/>
-              <a:t>var</a:t>
-            </a:r>
-            <a:r>
-              <a:rPr lang="en-US" sz="800" dirty="0"/>
-              <a:t> </a:t>
-            </a:r>
-            <a:r>
-              <a:rPr lang="en-US" sz="800" dirty="0" err="1"/>
-              <a:t>prevStats</a:t>
-            </a:r>
-            <a:r>
-              <a:rPr lang="en-US" sz="800" dirty="0"/>
-              <a:t>;</a:t>
-            </a:r>
-          </a:p>
-          <a:p>
-            <a:pPr marL="0" indent="0">
-              <a:buNone/>
-            </a:pPr>
-            <a:r>
-              <a:rPr lang="en-US" sz="800" dirty="0"/>
-              <a:t>        </a:t>
-            </a:r>
-            <a:r>
-              <a:rPr lang="en-US" sz="800" dirty="0" err="1"/>
-              <a:t>var</a:t>
-            </a:r>
-            <a:r>
-              <a:rPr lang="en-US" sz="800" dirty="0"/>
-              <a:t> </a:t>
-            </a:r>
-            <a:r>
-              <a:rPr lang="en-US" sz="800" dirty="0" err="1"/>
-              <a:t>intervalId</a:t>
-            </a:r>
-            <a:r>
-              <a:rPr lang="en-US" sz="800" dirty="0"/>
-              <a:t> = </a:t>
-            </a:r>
-            <a:r>
-              <a:rPr lang="en-US" sz="800" dirty="0" err="1"/>
-              <a:t>window.setInterval</a:t>
-            </a:r>
-            <a:r>
-              <a:rPr lang="en-US" sz="800" dirty="0"/>
-              <a:t>(function () {</a:t>
-            </a:r>
-          </a:p>
-          <a:p>
-            <a:pPr marL="0" indent="0">
-              <a:buNone/>
-            </a:pPr>
-            <a:r>
-              <a:rPr lang="en-US" sz="800" dirty="0"/>
-              <a:t>            </a:t>
-            </a:r>
-            <a:r>
-              <a:rPr lang="en-US" sz="800" dirty="0" err="1"/>
-              <a:t>var</a:t>
-            </a:r>
-            <a:r>
-              <a:rPr lang="en-US" sz="800" dirty="0"/>
-              <a:t> cur = new Date();</a:t>
-            </a:r>
-          </a:p>
-          <a:p>
-            <a:pPr marL="0" indent="0">
-              <a:buNone/>
-            </a:pPr>
-            <a:r>
-              <a:rPr lang="en-US" sz="800" dirty="0"/>
-              <a:t>            </a:t>
-            </a:r>
-            <a:r>
-              <a:rPr lang="en-US" sz="800" dirty="0" err="1"/>
-              <a:t>var</a:t>
-            </a:r>
-            <a:r>
-              <a:rPr lang="en-US" sz="800" dirty="0"/>
-              <a:t> connected = true;</a:t>
-            </a:r>
-          </a:p>
-          <a:p>
-            <a:pPr marL="0" indent="0">
-              <a:buNone/>
-            </a:pPr>
-            <a:r>
-              <a:rPr lang="en-US" sz="800" dirty="0"/>
-              <a:t>            if (cur - </a:t>
-            </a:r>
-            <a:r>
-              <a:rPr lang="en-US" sz="800" dirty="0" err="1"/>
-              <a:t>lastSignal</a:t>
-            </a:r>
-            <a:r>
-              <a:rPr lang="en-US" sz="800" dirty="0"/>
-              <a:t> &gt; 5000)</a:t>
-            </a:r>
-          </a:p>
-          <a:p>
-            <a:pPr marL="0" indent="0">
-              <a:buNone/>
-            </a:pPr>
-            <a:r>
-              <a:rPr lang="en-US" sz="800" dirty="0"/>
-              <a:t>            {</a:t>
-            </a:r>
-          </a:p>
-          <a:p>
-            <a:pPr marL="0" indent="0">
-              <a:buNone/>
-            </a:pPr>
-            <a:r>
-              <a:rPr lang="en-US" sz="800" dirty="0"/>
-              <a:t>                </a:t>
-            </a:r>
-            <a:r>
-              <a:rPr lang="en-US" sz="800" dirty="0" err="1"/>
-              <a:t>document.getElementById</a:t>
-            </a:r>
-            <a:r>
-              <a:rPr lang="en-US" sz="800" dirty="0"/>
-              <a:t>("</a:t>
-            </a:r>
-            <a:r>
-              <a:rPr lang="en-US" sz="800" dirty="0" err="1"/>
-              <a:t>id_network</a:t>
-            </a:r>
-            <a:r>
-              <a:rPr lang="en-US" sz="800" dirty="0"/>
-              <a:t>").</a:t>
-            </a:r>
-            <a:r>
-              <a:rPr lang="en-US" sz="800" dirty="0" err="1"/>
-              <a:t>innerHTML</a:t>
-            </a:r>
-            <a:r>
-              <a:rPr lang="en-US" sz="800" dirty="0"/>
-              <a:t> = "&lt;</a:t>
-            </a:r>
-            <a:r>
-              <a:rPr lang="en-US" sz="800" dirty="0" smtClean="0"/>
-              <a:t>P&gt;Network is  lost with the other party.&lt;/</a:t>
-            </a:r>
-            <a:r>
-              <a:rPr lang="en-US" sz="800" dirty="0"/>
-              <a:t>P&gt;";</a:t>
-            </a:r>
-          </a:p>
-          <a:p>
-            <a:pPr marL="0" indent="0">
-              <a:buNone/>
-            </a:pPr>
-            <a:r>
-              <a:rPr lang="en-US" sz="800" dirty="0"/>
-              <a:t>                connected = false;</a:t>
-            </a:r>
-          </a:p>
-          <a:p>
-            <a:pPr marL="0" indent="0">
-              <a:buNone/>
-            </a:pPr>
-            <a:r>
-              <a:rPr lang="en-US" sz="800" dirty="0"/>
-              <a:t>            }</a:t>
-            </a:r>
-          </a:p>
-          <a:p>
-            <a:pPr marL="0" indent="0">
-              <a:buNone/>
-            </a:pPr>
-            <a:r>
-              <a:rPr lang="en-US" sz="800" dirty="0"/>
-              <a:t>            else</a:t>
-            </a:r>
-          </a:p>
-          <a:p>
-            <a:pPr marL="0" indent="0">
-              <a:buNone/>
-            </a:pPr>
-            <a:r>
-              <a:rPr lang="en-US" sz="800" dirty="0"/>
-              <a:t>                </a:t>
-            </a:r>
-            <a:r>
-              <a:rPr lang="en-US" sz="800" dirty="0" err="1"/>
-              <a:t>document.getElementById</a:t>
-            </a:r>
-            <a:r>
-              <a:rPr lang="en-US" sz="800" dirty="0"/>
-              <a:t>("</a:t>
-            </a:r>
-            <a:r>
-              <a:rPr lang="en-US" sz="800" dirty="0" err="1"/>
-              <a:t>id_network</a:t>
-            </a:r>
-            <a:r>
-              <a:rPr lang="en-US" sz="800" dirty="0"/>
-              <a:t>").</a:t>
-            </a:r>
-            <a:r>
-              <a:rPr lang="en-US" sz="800" dirty="0" err="1"/>
-              <a:t>innerHTML</a:t>
-            </a:r>
-            <a:r>
-              <a:rPr lang="en-US" sz="800" dirty="0"/>
-              <a:t> = "&lt;P&gt;Network is  </a:t>
-            </a:r>
-            <a:r>
-              <a:rPr lang="en-US" sz="800" dirty="0" smtClean="0"/>
-              <a:t>up&lt;/</a:t>
-            </a:r>
-            <a:r>
-              <a:rPr lang="en-US" sz="800" dirty="0"/>
-              <a:t>P&gt;";</a:t>
-            </a:r>
-          </a:p>
-          <a:p>
-            <a:pPr marL="0" indent="0">
-              <a:buNone/>
-            </a:pPr>
-            <a:endParaRPr lang="en-US" sz="800" dirty="0"/>
-          </a:p>
-          <a:p>
-            <a:pPr marL="0" indent="0">
-              <a:buNone/>
-            </a:pPr>
-            <a:r>
-              <a:rPr lang="en-US" sz="800" dirty="0"/>
-              <a:t>            if (</a:t>
-            </a:r>
-            <a:r>
-              <a:rPr lang="en-US" sz="800" dirty="0" err="1"/>
-              <a:t>endSession</a:t>
-            </a:r>
-            <a:r>
-              <a:rPr lang="en-US" sz="800" dirty="0"/>
-              <a:t>) {</a:t>
-            </a:r>
-          </a:p>
-          <a:p>
-            <a:pPr marL="0" indent="0">
-              <a:buNone/>
-            </a:pPr>
-            <a:r>
-              <a:rPr lang="en-US" sz="800" dirty="0"/>
-              <a:t>                </a:t>
-            </a:r>
-            <a:r>
-              <a:rPr lang="en-US" sz="800" dirty="0" err="1"/>
-              <a:t>window.clearInterval</a:t>
-            </a:r>
-            <a:r>
-              <a:rPr lang="en-US" sz="800" dirty="0"/>
-              <a:t>(</a:t>
-            </a:r>
-            <a:r>
-              <a:rPr lang="en-US" sz="800" dirty="0" err="1"/>
-              <a:t>intervalId</a:t>
-            </a:r>
-            <a:r>
-              <a:rPr lang="en-US" sz="800" dirty="0"/>
-              <a:t>);</a:t>
-            </a:r>
-          </a:p>
-          <a:p>
-            <a:pPr marL="0" indent="0">
-              <a:buNone/>
-            </a:pPr>
-            <a:r>
-              <a:rPr lang="en-US" sz="800" dirty="0"/>
-              <a:t>                return;</a:t>
-            </a:r>
-          </a:p>
-          <a:p>
-            <a:pPr marL="0" indent="0">
-              <a:buNone/>
-            </a:pPr>
-            <a:r>
-              <a:rPr lang="en-US" sz="800" dirty="0"/>
-              <a:t>            }</a:t>
-            </a:r>
-          </a:p>
-          <a:p>
-            <a:pPr marL="0" indent="0">
-              <a:buNone/>
-            </a:pPr>
-            <a:endParaRPr lang="en-US" sz="800" dirty="0"/>
-          </a:p>
-          <a:p>
-            <a:pPr marL="0" indent="0">
-              <a:buNone/>
-            </a:pPr>
-            <a:r>
-              <a:rPr lang="en-US" sz="800" dirty="0"/>
-              <a:t>            if (session != null &amp;&amp; </a:t>
-            </a:r>
-            <a:r>
-              <a:rPr lang="en-US" sz="800" dirty="0" err="1"/>
-              <a:t>session.currentState</a:t>
-            </a:r>
-            <a:r>
-              <a:rPr lang="en-US" sz="800" dirty="0"/>
-              <a:t> == "connecting")</a:t>
-            </a:r>
-          </a:p>
-          <a:p>
-            <a:pPr marL="0" indent="0">
-              <a:buNone/>
-            </a:pPr>
-            <a:r>
-              <a:rPr lang="en-US" sz="800" dirty="0"/>
-              <a:t>            {</a:t>
-            </a:r>
-          </a:p>
-          <a:p>
-            <a:pPr marL="0" indent="0">
-              <a:buNone/>
-            </a:pPr>
-            <a:r>
-              <a:rPr lang="en-US" sz="800" dirty="0"/>
-              <a:t>                console.log("Interval - session is connecting", (new Date()).</a:t>
-            </a:r>
-            <a:r>
-              <a:rPr lang="en-US" sz="800" dirty="0" err="1"/>
-              <a:t>toTimeString</a:t>
-            </a:r>
-            <a:r>
-              <a:rPr lang="en-US" sz="800" dirty="0"/>
-              <a:t>());</a:t>
-            </a:r>
-          </a:p>
-          <a:p>
-            <a:pPr marL="0" indent="0">
-              <a:buNone/>
-            </a:pPr>
-            <a:r>
-              <a:rPr lang="en-US" sz="800" dirty="0"/>
-              <a:t>                return;</a:t>
-            </a:r>
-          </a:p>
-          <a:p>
-            <a:pPr marL="0" indent="0">
-              <a:buNone/>
-            </a:pPr>
-            <a:r>
-              <a:rPr lang="en-US" sz="800" dirty="0"/>
-              <a:t>            }</a:t>
-            </a:r>
-          </a:p>
-          <a:p>
-            <a:pPr marL="0" indent="0">
-              <a:buNone/>
-            </a:pPr>
-            <a:endParaRPr lang="en-US" sz="800" dirty="0"/>
-          </a:p>
-          <a:p>
-            <a:pPr marL="0" indent="0">
-              <a:buNone/>
-            </a:pPr>
-            <a:r>
-              <a:rPr lang="en-US" sz="800" dirty="0"/>
-              <a:t>            if (session == null || </a:t>
-            </a:r>
-            <a:r>
-              <a:rPr lang="en-US" sz="800" dirty="0" err="1"/>
-              <a:t>session.currentState</a:t>
-            </a:r>
-            <a:r>
-              <a:rPr lang="en-US" sz="800" dirty="0"/>
-              <a:t> == "disconnected") {</a:t>
-            </a:r>
-          </a:p>
-          <a:p>
-            <a:pPr marL="0" indent="0">
-              <a:buNone/>
-            </a:pPr>
-            <a:r>
-              <a:rPr lang="en-US" sz="800" dirty="0"/>
-              <a:t>                </a:t>
-            </a:r>
-            <a:r>
-              <a:rPr lang="en-US" sz="800" dirty="0" err="1"/>
-              <a:t>connect_session</a:t>
-            </a:r>
-            <a:r>
-              <a:rPr lang="en-US" sz="800" dirty="0"/>
-              <a:t>();</a:t>
-            </a:r>
-          </a:p>
-          <a:p>
-            <a:pPr marL="0" indent="0">
-              <a:buNone/>
-            </a:pPr>
-            <a:r>
-              <a:rPr lang="en-US" sz="800" dirty="0"/>
-              <a:t>                return;</a:t>
-            </a:r>
-          </a:p>
-          <a:p>
-            <a:pPr marL="0" indent="0">
-              <a:buNone/>
-            </a:pPr>
-            <a:r>
-              <a:rPr lang="en-US" sz="800" dirty="0"/>
-              <a:t>            }</a:t>
-            </a:r>
-          </a:p>
-          <a:p>
-            <a:pPr marL="0" indent="0">
-              <a:buNone/>
-            </a:pPr>
-            <a:endParaRPr lang="en-US" sz="800" dirty="0"/>
+              <a:rPr lang="en-US" dirty="0"/>
+              <a:t>With short interruptions, </a:t>
+            </a:r>
+            <a:r>
+              <a:rPr lang="en-US" dirty="0" err="1"/>
+              <a:t>opentok</a:t>
+            </a:r>
+            <a:r>
+              <a:rPr lang="en-US" dirty="0"/>
+              <a:t> might or might not be able to recovery (depending on the network – same or different).</a:t>
+            </a:r>
+          </a:p>
+          <a:p>
+            <a:r>
+              <a:rPr lang="en-US" dirty="0"/>
+              <a:t>With longer interruptions (&gt;1m) </a:t>
+            </a:r>
+            <a:r>
+              <a:rPr lang="en-US" dirty="0" err="1"/>
+              <a:t>opentok</a:t>
+            </a:r>
+            <a:r>
+              <a:rPr lang="en-US" dirty="0"/>
+              <a:t> will not recovery.</a:t>
+            </a:r>
+          </a:p>
+          <a:p>
+            <a:r>
+              <a:rPr lang="en-US" dirty="0"/>
+              <a:t>Currently we do not handle recovery beyond what </a:t>
+            </a:r>
+            <a:r>
+              <a:rPr lang="en-US" dirty="0" err="1"/>
+              <a:t>opentok</a:t>
+            </a:r>
+            <a:r>
+              <a:rPr lang="en-US" dirty="0"/>
+              <a:t> does. Which means with any network interruption, customer will most likely lose video/audio stream.</a:t>
+            </a:r>
           </a:p>
         </p:txBody>
       </p:sp>
     </p:spTree>
     <p:extLst>
       <p:ext uri="{BB962C8B-B14F-4D97-AF65-F5344CB8AC3E}">
-        <p14:creationId xmlns:p14="http://schemas.microsoft.com/office/powerpoint/2010/main" val="4193371431"/>
+        <p14:creationId xmlns:p14="http://schemas.microsoft.com/office/powerpoint/2010/main" val="1099422992"/>
       </p:ext>
     </p:extLst>
   </p:cSld>
@@ -3818,624 +3390,90 @@
         </p:nvSpPr>
         <p:spPr/>
         <p:txBody>
+          <a:bodyPr/>
+          <a:lstStyle/>
+          <a:p>
+            <a:r>
+              <a:rPr lang="en-US" dirty="0"/>
+              <a:t>Connectivity Solution</a:t>
+            </a:r>
+          </a:p>
+        </p:txBody>
+      </p:sp>
+      <p:sp>
+        <p:nvSpPr>
+          <p:cNvPr id="3" name="Content Placeholder 2"/>
+          <p:cNvSpPr>
+            <a:spLocks noGrp="1"/>
+          </p:cNvSpPr>
+          <p:nvPr>
+            <p:ph idx="1"/>
+          </p:nvPr>
+        </p:nvSpPr>
+        <p:spPr/>
+        <p:txBody>
           <a:bodyPr>
-            <a:normAutofit fontScale="90000"/>
+            <a:normAutofit fontScale="85000" lnSpcReduction="10000"/>
           </a:bodyPr>
           <a:lstStyle/>
           <a:p>
             <a:r>
-              <a:rPr lang="en-US" dirty="0" smtClean="0"/>
-              <a:t>Connectivity Solution – </a:t>
-            </a:r>
-            <a:r>
-              <a:rPr lang="en-US" sz="3600" dirty="0" smtClean="0"/>
-              <a:t>code snippet </a:t>
-            </a:r>
-            <a:r>
-              <a:rPr lang="en-US" sz="3600" dirty="0" err="1" smtClean="0"/>
-              <a:t>cont</a:t>
-            </a:r>
-            <a:endParaRPr lang="en-US" sz="3600" dirty="0"/>
-          </a:p>
-        </p:txBody>
-      </p:sp>
-      <p:sp>
-        <p:nvSpPr>
-          <p:cNvPr id="3" name="Content Placeholder 2"/>
-          <p:cNvSpPr>
-            <a:spLocks noGrp="1"/>
-          </p:cNvSpPr>
-          <p:nvPr>
-            <p:ph idx="1"/>
-          </p:nvPr>
-        </p:nvSpPr>
-        <p:spPr/>
-        <p:txBody>
-          <a:bodyPr>
-            <a:normAutofit fontScale="25000" lnSpcReduction="20000"/>
-          </a:bodyPr>
-          <a:lstStyle/>
-          <a:p>
-            <a:pPr marL="0" indent="0">
-              <a:buNone/>
-            </a:pPr>
-            <a:r>
-              <a:rPr lang="en-US" dirty="0" smtClean="0"/>
-              <a:t> </a:t>
-            </a:r>
-            <a:r>
-              <a:rPr lang="en-US" dirty="0" err="1" smtClean="0"/>
-              <a:t>session.signal</a:t>
-            </a:r>
-            <a:r>
-              <a:rPr lang="en-US" dirty="0" smtClean="0"/>
-              <a:t>(</a:t>
-            </a:r>
-          </a:p>
-          <a:p>
-            <a:pPr marL="0" indent="0">
-              <a:buNone/>
-            </a:pPr>
-            <a:r>
-              <a:rPr lang="en-US" dirty="0" smtClean="0"/>
-              <a:t>                {</a:t>
-            </a:r>
-          </a:p>
-          <a:p>
-            <a:pPr marL="0" indent="0">
-              <a:buNone/>
-            </a:pPr>
-            <a:r>
-              <a:rPr lang="en-US" dirty="0" smtClean="0"/>
-              <a:t>                    data: "hello",</a:t>
-            </a:r>
-          </a:p>
-          <a:p>
-            <a:pPr marL="0" indent="0">
-              <a:buNone/>
-            </a:pPr>
-            <a:r>
-              <a:rPr lang="en-US" dirty="0" smtClean="0"/>
-              <a:t>                    type: “ping"</a:t>
-            </a:r>
-          </a:p>
-          <a:p>
-            <a:pPr marL="0" indent="0">
-              <a:buNone/>
-            </a:pPr>
-            <a:r>
-              <a:rPr lang="en-US" dirty="0" smtClean="0"/>
-              <a:t>                },</a:t>
-            </a:r>
-          </a:p>
-          <a:p>
-            <a:pPr marL="0" indent="0">
-              <a:buNone/>
-            </a:pPr>
-            <a:r>
-              <a:rPr lang="en-US" dirty="0" smtClean="0"/>
-              <a:t>                function (error) { });</a:t>
-            </a:r>
-          </a:p>
-          <a:p>
-            <a:pPr marL="0" indent="0">
-              <a:buNone/>
-            </a:pPr>
-            <a:endParaRPr lang="en-US" dirty="0" smtClean="0"/>
-          </a:p>
-          <a:p>
-            <a:pPr marL="0" indent="0">
-              <a:buNone/>
-            </a:pPr>
-            <a:r>
-              <a:rPr lang="en-US" dirty="0" smtClean="0"/>
-              <a:t>            </a:t>
-            </a:r>
-            <a:r>
-              <a:rPr lang="en-US" dirty="0" err="1" smtClean="0"/>
-              <a:t>var</a:t>
-            </a:r>
-            <a:r>
-              <a:rPr lang="en-US" dirty="0" smtClean="0"/>
-              <a:t> a = </a:t>
-            </a:r>
-            <a:r>
-              <a:rPr lang="en-US" dirty="0" err="1" smtClean="0"/>
-              <a:t>document.getElementsByClassName</a:t>
-            </a:r>
-            <a:r>
-              <a:rPr lang="en-US" dirty="0" smtClean="0"/>
-              <a:t>("</a:t>
-            </a:r>
-            <a:r>
-              <a:rPr lang="en-US" dirty="0" err="1" smtClean="0"/>
-              <a:t>OT_mirrored</a:t>
-            </a:r>
-            <a:r>
-              <a:rPr lang="en-US" dirty="0" smtClean="0"/>
-              <a:t> </a:t>
-            </a:r>
-            <a:r>
-              <a:rPr lang="en-US" dirty="0" err="1" smtClean="0"/>
-              <a:t>OT_root</a:t>
-            </a:r>
-            <a:r>
-              <a:rPr lang="en-US" dirty="0" smtClean="0"/>
-              <a:t> </a:t>
-            </a:r>
-            <a:r>
-              <a:rPr lang="en-US" dirty="0" err="1" smtClean="0"/>
-              <a:t>OT_publisher</a:t>
-            </a:r>
-            <a:r>
-              <a:rPr lang="en-US" dirty="0" smtClean="0"/>
-              <a:t> </a:t>
-            </a:r>
-            <a:r>
-              <a:rPr lang="en-US" dirty="0" err="1" smtClean="0"/>
-              <a:t>OT_fit</a:t>
-            </a:r>
-            <a:r>
-              <a:rPr lang="en-US" dirty="0" smtClean="0"/>
-              <a:t>-mode-cover");</a:t>
-            </a:r>
-          </a:p>
-          <a:p>
-            <a:pPr marL="0" indent="0">
-              <a:buNone/>
-            </a:pPr>
-            <a:r>
-              <a:rPr lang="en-US" dirty="0" smtClean="0"/>
-              <a:t>            if (</a:t>
-            </a:r>
-            <a:r>
-              <a:rPr lang="en-US" dirty="0" err="1" smtClean="0"/>
-              <a:t>a.length</a:t>
-            </a:r>
-            <a:r>
-              <a:rPr lang="en-US" dirty="0" smtClean="0"/>
-              <a:t> == 0 || publisher == null || </a:t>
-            </a:r>
-            <a:r>
-              <a:rPr lang="en-US" dirty="0" err="1" smtClean="0"/>
-              <a:t>publisher.session</a:t>
-            </a:r>
-            <a:r>
-              <a:rPr lang="en-US" dirty="0" smtClean="0"/>
-              <a:t> == null) {</a:t>
-            </a:r>
-          </a:p>
-          <a:p>
-            <a:pPr marL="0" indent="0">
-              <a:buNone/>
-            </a:pPr>
-            <a:r>
-              <a:rPr lang="en-US" dirty="0" smtClean="0"/>
-              <a:t>                </a:t>
-            </a:r>
-            <a:r>
-              <a:rPr lang="en-US" dirty="0" err="1" smtClean="0"/>
-              <a:t>doPub</a:t>
-            </a:r>
-            <a:r>
-              <a:rPr lang="en-US" dirty="0" smtClean="0"/>
-              <a:t>();</a:t>
-            </a:r>
-          </a:p>
-          <a:p>
-            <a:pPr marL="0" indent="0">
-              <a:buNone/>
-            </a:pPr>
-            <a:r>
-              <a:rPr lang="en-US" dirty="0" smtClean="0"/>
-              <a:t>                return;</a:t>
-            </a:r>
-          </a:p>
-          <a:p>
-            <a:pPr marL="0" indent="0">
-              <a:buNone/>
-            </a:pPr>
-            <a:r>
-              <a:rPr lang="en-US" dirty="0" smtClean="0"/>
-              <a:t>            }</a:t>
-            </a:r>
-          </a:p>
-          <a:p>
-            <a:pPr marL="0" indent="0">
-              <a:buNone/>
-            </a:pPr>
-            <a:endParaRPr lang="en-US" dirty="0" smtClean="0"/>
-          </a:p>
-          <a:p>
-            <a:pPr marL="0" indent="0">
-              <a:buNone/>
-            </a:pPr>
-            <a:r>
-              <a:rPr lang="en-US" dirty="0" smtClean="0"/>
-              <a:t>            x = </a:t>
-            </a:r>
-            <a:r>
-              <a:rPr lang="en-US" dirty="0" err="1" smtClean="0"/>
-              <a:t>document.getElementsByClassName</a:t>
-            </a:r>
-            <a:r>
-              <a:rPr lang="en-US" dirty="0" smtClean="0"/>
-              <a:t>("</a:t>
-            </a:r>
-            <a:r>
-              <a:rPr lang="en-US" dirty="0" err="1" smtClean="0"/>
-              <a:t>OT_root</a:t>
-            </a:r>
-            <a:r>
-              <a:rPr lang="en-US" dirty="0" smtClean="0"/>
-              <a:t> </a:t>
-            </a:r>
-            <a:r>
-              <a:rPr lang="en-US" dirty="0" err="1" smtClean="0"/>
-              <a:t>OT_subscriber</a:t>
-            </a:r>
-            <a:r>
-              <a:rPr lang="en-US" dirty="0" smtClean="0"/>
-              <a:t> </a:t>
-            </a:r>
-            <a:r>
-              <a:rPr lang="en-US" dirty="0" err="1" smtClean="0"/>
-              <a:t>OT_fit</a:t>
-            </a:r>
-            <a:r>
-              <a:rPr lang="en-US" dirty="0" smtClean="0"/>
-              <a:t>-mode-cover");</a:t>
-            </a:r>
-          </a:p>
-          <a:p>
-            <a:pPr marL="0" indent="0">
-              <a:buNone/>
-            </a:pPr>
-            <a:r>
-              <a:rPr lang="en-US" dirty="0" smtClean="0"/>
-              <a:t>            if (</a:t>
-            </a:r>
-            <a:r>
-              <a:rPr lang="en-US" dirty="0" err="1" smtClean="0"/>
-              <a:t>x.length</a:t>
-            </a:r>
-            <a:r>
-              <a:rPr lang="en-US" dirty="0" smtClean="0"/>
-              <a:t> == 0 || subscriber == null || </a:t>
-            </a:r>
-            <a:r>
-              <a:rPr lang="en-US" dirty="0" err="1" smtClean="0"/>
-              <a:t>subscriber.stream</a:t>
-            </a:r>
-            <a:r>
-              <a:rPr lang="en-US" dirty="0" smtClean="0"/>
-              <a:t> == null) {</a:t>
-            </a:r>
-          </a:p>
-          <a:p>
-            <a:pPr marL="0" indent="0">
-              <a:buNone/>
-            </a:pPr>
-            <a:r>
-              <a:rPr lang="en-US" dirty="0" smtClean="0"/>
-              <a:t>                if (connected)</a:t>
-            </a:r>
-          </a:p>
-          <a:p>
-            <a:pPr marL="0" indent="0">
-              <a:buNone/>
-            </a:pPr>
-            <a:r>
-              <a:rPr lang="en-US" dirty="0" smtClean="0"/>
-              <a:t>                    </a:t>
-            </a:r>
-            <a:r>
-              <a:rPr lang="en-US" dirty="0" err="1" smtClean="0"/>
-              <a:t>doSub</a:t>
-            </a:r>
-            <a:r>
-              <a:rPr lang="en-US" dirty="0" smtClean="0"/>
-              <a:t>();</a:t>
-            </a:r>
-          </a:p>
-          <a:p>
-            <a:pPr marL="0" indent="0">
-              <a:buNone/>
-            </a:pPr>
-            <a:r>
-              <a:rPr lang="en-US" dirty="0" smtClean="0"/>
-              <a:t>                return;</a:t>
-            </a:r>
-          </a:p>
-          <a:p>
-            <a:pPr marL="0" indent="0">
-              <a:buNone/>
-            </a:pPr>
-            <a:r>
-              <a:rPr lang="en-US" dirty="0" smtClean="0"/>
-              <a:t>            }</a:t>
-            </a:r>
-          </a:p>
-          <a:p>
-            <a:pPr marL="0" indent="0">
-              <a:buNone/>
-            </a:pPr>
-            <a:endParaRPr lang="en-US" dirty="0" smtClean="0"/>
-          </a:p>
-          <a:p>
-            <a:pPr marL="0" indent="0">
-              <a:buNone/>
-            </a:pPr>
-            <a:r>
-              <a:rPr lang="en-US" dirty="0" smtClean="0"/>
-              <a:t>            </a:t>
-            </a:r>
-            <a:r>
-              <a:rPr lang="en-US" dirty="0" err="1" smtClean="0"/>
-              <a:t>subscriber.getStats</a:t>
-            </a:r>
-            <a:r>
-              <a:rPr lang="en-US" dirty="0" smtClean="0"/>
-              <a:t>(function (error, stats) {</a:t>
-            </a:r>
-          </a:p>
-          <a:p>
-            <a:pPr marL="0" indent="0">
-              <a:buNone/>
-            </a:pPr>
-            <a:r>
-              <a:rPr lang="en-US" dirty="0" smtClean="0"/>
-              <a:t>                if (error)</a:t>
-            </a:r>
-          </a:p>
-          <a:p>
-            <a:pPr marL="0" indent="0">
-              <a:buNone/>
-            </a:pPr>
-            <a:r>
-              <a:rPr lang="en-US" dirty="0" smtClean="0"/>
-              <a:t>                    </a:t>
-            </a:r>
-            <a:r>
-              <a:rPr lang="en-US" dirty="0" err="1" smtClean="0"/>
-              <a:t>doSub</a:t>
-            </a:r>
-            <a:r>
-              <a:rPr lang="en-US" dirty="0" smtClean="0"/>
-              <a:t>();</a:t>
-            </a:r>
-          </a:p>
-          <a:p>
-            <a:pPr marL="0" indent="0">
-              <a:buNone/>
-            </a:pPr>
-            <a:r>
-              <a:rPr lang="en-US" dirty="0" smtClean="0"/>
-              <a:t>                else if (</a:t>
-            </a:r>
-            <a:r>
-              <a:rPr lang="en-US" dirty="0" err="1" smtClean="0"/>
-              <a:t>prevStats</a:t>
-            </a:r>
-            <a:r>
-              <a:rPr lang="en-US" dirty="0" smtClean="0"/>
-              <a:t> &amp;&amp; (</a:t>
-            </a:r>
-            <a:r>
-              <a:rPr lang="en-US" dirty="0" err="1" smtClean="0"/>
-              <a:t>typeof</a:t>
-            </a:r>
-            <a:r>
-              <a:rPr lang="en-US" dirty="0" smtClean="0"/>
-              <a:t> </a:t>
-            </a:r>
-            <a:r>
-              <a:rPr lang="en-US" dirty="0" err="1" smtClean="0"/>
-              <a:t>stats.video</a:t>
-            </a:r>
-            <a:r>
-              <a:rPr lang="en-US" dirty="0" smtClean="0"/>
-              <a:t> !== 'undefined')) {</a:t>
-            </a:r>
-          </a:p>
-          <a:p>
-            <a:pPr marL="0" indent="0">
-              <a:buNone/>
-            </a:pPr>
-            <a:r>
-              <a:rPr lang="en-US" dirty="0" smtClean="0"/>
-              <a:t>                    </a:t>
-            </a:r>
-            <a:r>
-              <a:rPr lang="en-US" dirty="0" err="1" smtClean="0"/>
-              <a:t>var</a:t>
-            </a:r>
-            <a:r>
-              <a:rPr lang="en-US" dirty="0" smtClean="0"/>
-              <a:t> </a:t>
-            </a:r>
-            <a:r>
-              <a:rPr lang="en-US" dirty="0" err="1" smtClean="0"/>
-              <a:t>videoBitRate</a:t>
-            </a:r>
-            <a:r>
-              <a:rPr lang="en-US" dirty="0" smtClean="0"/>
-              <a:t> = 2 * (</a:t>
-            </a:r>
-            <a:r>
-              <a:rPr lang="en-US" dirty="0" err="1" smtClean="0"/>
-              <a:t>stats.video.bytesReceived</a:t>
-            </a:r>
-            <a:r>
-              <a:rPr lang="en-US" dirty="0" smtClean="0"/>
-              <a:t> - </a:t>
-            </a:r>
-            <a:r>
-              <a:rPr lang="en-US" dirty="0" err="1" smtClean="0"/>
-              <a:t>prevStats.video.bytesReceived</a:t>
-            </a:r>
-            <a:r>
-              <a:rPr lang="en-US" dirty="0" smtClean="0"/>
-              <a:t>);</a:t>
-            </a:r>
-          </a:p>
-          <a:p>
-            <a:pPr marL="0" indent="0">
-              <a:buNone/>
-            </a:pPr>
-            <a:r>
-              <a:rPr lang="en-US" dirty="0" smtClean="0"/>
-              <a:t>                    </a:t>
-            </a:r>
-            <a:r>
-              <a:rPr lang="en-US" dirty="0" err="1" smtClean="0"/>
-              <a:t>var</a:t>
-            </a:r>
-            <a:r>
-              <a:rPr lang="en-US" dirty="0" smtClean="0"/>
-              <a:t> </a:t>
-            </a:r>
-            <a:r>
-              <a:rPr lang="en-US" dirty="0" err="1" smtClean="0"/>
-              <a:t>audioBitRate</a:t>
-            </a:r>
-            <a:r>
-              <a:rPr lang="en-US" dirty="0" smtClean="0"/>
-              <a:t> = 2 * (</a:t>
-            </a:r>
-            <a:r>
-              <a:rPr lang="en-US" dirty="0" err="1" smtClean="0"/>
-              <a:t>stats.audio.bytesReceived</a:t>
-            </a:r>
-            <a:r>
-              <a:rPr lang="en-US" dirty="0" smtClean="0"/>
-              <a:t> - </a:t>
-            </a:r>
-            <a:r>
-              <a:rPr lang="en-US" dirty="0" err="1" smtClean="0"/>
-              <a:t>prevStats.audio.bytesReceived</a:t>
-            </a:r>
-            <a:r>
-              <a:rPr lang="en-US" dirty="0" smtClean="0"/>
-              <a:t>);</a:t>
-            </a:r>
-          </a:p>
-          <a:p>
-            <a:pPr marL="0" indent="0">
-              <a:buNone/>
-            </a:pPr>
-            <a:r>
-              <a:rPr lang="en-US" dirty="0" smtClean="0"/>
-              <a:t>                    </a:t>
-            </a:r>
-            <a:r>
-              <a:rPr lang="en-US" dirty="0" err="1" smtClean="0"/>
-              <a:t>document.getElementById</a:t>
-            </a:r>
-            <a:r>
-              <a:rPr lang="en-US" dirty="0" smtClean="0"/>
-              <a:t>("</a:t>
-            </a:r>
-            <a:r>
-              <a:rPr lang="en-US" dirty="0" err="1" smtClean="0"/>
-              <a:t>id_status</a:t>
-            </a:r>
-            <a:r>
-              <a:rPr lang="en-US" dirty="0" smtClean="0"/>
-              <a:t>").</a:t>
-            </a:r>
-            <a:r>
-              <a:rPr lang="en-US" dirty="0" err="1" smtClean="0"/>
-              <a:t>innerHTML</a:t>
-            </a:r>
-            <a:r>
-              <a:rPr lang="en-US" dirty="0" smtClean="0"/>
-              <a:t> = "&lt;P&gt;Video: ".</a:t>
-            </a:r>
-            <a:r>
-              <a:rPr lang="en-US" dirty="0" err="1" smtClean="0"/>
-              <a:t>concat</a:t>
-            </a:r>
-            <a:r>
-              <a:rPr lang="en-US" dirty="0" smtClean="0"/>
-              <a:t>(</a:t>
-            </a:r>
-            <a:r>
-              <a:rPr lang="en-US" dirty="0" err="1" smtClean="0"/>
-              <a:t>videoBitRate.toString</a:t>
-            </a:r>
-            <a:r>
-              <a:rPr lang="en-US" dirty="0" smtClean="0"/>
-              <a:t>(), ", Audio: ", </a:t>
-            </a:r>
-            <a:r>
-              <a:rPr lang="en-US" dirty="0" err="1" smtClean="0"/>
-              <a:t>audioBitRate.toString</a:t>
-            </a:r>
-            <a:r>
-              <a:rPr lang="en-US" dirty="0" smtClean="0"/>
-              <a:t>(), ", Frame/s: ", </a:t>
-            </a:r>
-            <a:r>
-              <a:rPr lang="en-US" dirty="0" err="1" smtClean="0"/>
-              <a:t>stats.video.frameRate</a:t>
-            </a:r>
-            <a:r>
-              <a:rPr lang="en-US" dirty="0" smtClean="0"/>
-              <a:t>, "&lt;/P&gt;");</a:t>
-            </a:r>
-          </a:p>
-          <a:p>
-            <a:pPr marL="0" indent="0">
-              <a:buNone/>
-            </a:pPr>
-            <a:r>
-              <a:rPr lang="en-US" dirty="0" smtClean="0"/>
-              <a:t>                }</a:t>
-            </a:r>
-          </a:p>
-          <a:p>
-            <a:pPr marL="0" indent="0">
-              <a:buNone/>
-            </a:pPr>
-            <a:r>
-              <a:rPr lang="en-US" dirty="0" smtClean="0"/>
-              <a:t>                </a:t>
-            </a:r>
-            <a:r>
-              <a:rPr lang="en-US" dirty="0" err="1" smtClean="0"/>
-              <a:t>prevStats</a:t>
-            </a:r>
-            <a:r>
-              <a:rPr lang="en-US" dirty="0" smtClean="0"/>
-              <a:t> = stats;</a:t>
-            </a:r>
-          </a:p>
-          <a:p>
-            <a:pPr marL="0" indent="0">
-              <a:buNone/>
-            </a:pPr>
-            <a:r>
-              <a:rPr lang="en-US" dirty="0" smtClean="0"/>
-              <a:t>            });</a:t>
-            </a:r>
-          </a:p>
-          <a:p>
-            <a:pPr marL="0" indent="0">
-              <a:buNone/>
-            </a:pPr>
-            <a:r>
-              <a:rPr lang="en-US" dirty="0" smtClean="0"/>
-              <a:t>        }, 2000);</a:t>
+              <a:rPr lang="en-US" dirty="0"/>
+              <a:t>Initially we’ve tried to rely on the events to recover from interruption. The strategy proves to be unreliable (may work 70% of the time) because: </a:t>
+            </a:r>
+          </a:p>
+          <a:p>
+            <a:pPr lvl="1"/>
+            <a:r>
+              <a:rPr lang="en-US" dirty="0"/>
+              <a:t>the un-reliability of the events (sometimes not fired, sometimes got more than one).</a:t>
+            </a:r>
+          </a:p>
+          <a:p>
+            <a:pPr lvl="1"/>
+            <a:r>
+              <a:rPr lang="en-US" dirty="0"/>
+              <a:t>Might create multiple publishers and/</a:t>
+            </a:r>
+            <a:r>
+              <a:rPr lang="en-US"/>
+              <a:t>or subscribers.</a:t>
             </a:r>
             <a:endParaRPr lang="en-US" dirty="0"/>
+          </a:p>
+          <a:p>
+            <a:pPr lvl="1"/>
+            <a:r>
+              <a:rPr lang="en-US" dirty="0"/>
+              <a:t>slowness and possible timing issues of events.</a:t>
+            </a:r>
+          </a:p>
+          <a:p>
+            <a:r>
+              <a:rPr lang="en-US" dirty="0"/>
+              <a:t>A monitoring strategy is implemented. After thorough testing, it is proven to be faster and more effective.</a:t>
+            </a:r>
+          </a:p>
+          <a:p>
+            <a:r>
+              <a:rPr lang="en-US" dirty="0"/>
+              <a:t>Take advantage of the signaling support from </a:t>
+            </a:r>
+            <a:r>
+              <a:rPr lang="en-US" dirty="0" err="1"/>
+              <a:t>opentok</a:t>
+            </a:r>
+            <a:r>
+              <a:rPr lang="en-US" dirty="0"/>
+              <a:t> for effective monitoring of network connection.</a:t>
+            </a:r>
           </a:p>
         </p:txBody>
       </p:sp>
     </p:spTree>
     <p:extLst>
       <p:ext uri="{BB962C8B-B14F-4D97-AF65-F5344CB8AC3E}">
-        <p14:creationId xmlns:p14="http://schemas.microsoft.com/office/powerpoint/2010/main" val="3580184565"/>
+        <p14:creationId xmlns:p14="http://schemas.microsoft.com/office/powerpoint/2010/main" val="1979382977"/>
       </p:ext>
     </p:extLst>
   </p:cSld>
@@ -4474,14 +3512,19 @@
         </p:nvSpPr>
         <p:spPr/>
         <p:txBody>
-          <a:bodyPr/>
-          <a:lstStyle/>
-          <a:p>
-            <a:r>
-              <a:rPr lang="en-US" dirty="0" smtClean="0"/>
-              <a:t>Video Quality Improvement</a:t>
-            </a:r>
-            <a:endParaRPr lang="en-US" dirty="0"/>
+          <a:bodyPr>
+            <a:normAutofit/>
+          </a:bodyPr>
+          <a:lstStyle/>
+          <a:p>
+            <a:r>
+              <a:rPr lang="en-US" dirty="0"/>
+              <a:t>Connectivity Solution – </a:t>
+            </a:r>
+            <a:r>
+              <a:rPr lang="en-US" sz="3100" dirty="0"/>
+              <a:t>code snippet</a:t>
+            </a:r>
           </a:p>
         </p:txBody>
       </p:sp>
@@ -4497,53 +3540,424 @@
         </p:nvSpPr>
         <p:spPr/>
         <p:txBody>
-          <a:bodyPr/>
-          <a:lstStyle/>
-          <a:p>
-            <a:pPr marL="0" indent="0">
-              <a:buNone/>
-            </a:pPr>
-            <a:r>
-              <a:rPr lang="en-US" dirty="0" smtClean="0"/>
-              <a:t>By capturing </a:t>
-            </a:r>
-            <a:r>
-              <a:rPr lang="en-US" dirty="0" err="1" smtClean="0"/>
-              <a:t>videoDisabled</a:t>
-            </a:r>
-            <a:r>
-              <a:rPr lang="en-US" dirty="0" smtClean="0"/>
-              <a:t> event on subscriber, we can quickly re-</a:t>
-            </a:r>
-            <a:r>
-              <a:rPr lang="en-US" dirty="0" err="1" smtClean="0"/>
-              <a:t>eanble</a:t>
-            </a:r>
-            <a:r>
-              <a:rPr lang="en-US" dirty="0" smtClean="0"/>
-              <a:t> the video. </a:t>
-            </a:r>
-          </a:p>
-          <a:p>
-            <a:pPr marL="0" indent="0">
-              <a:buNone/>
-            </a:pPr>
-            <a:r>
-              <a:rPr lang="en-US" dirty="0" err="1" smtClean="0"/>
-              <a:t>Opentok</a:t>
-            </a:r>
-            <a:r>
-              <a:rPr lang="en-US" dirty="0" smtClean="0"/>
-              <a:t> disables video when serious package loss is detected. But in reality, this happens mostly during short network interruption. When the network is back, video should be resumed.</a:t>
-            </a:r>
-            <a:endParaRPr lang="en-US" dirty="0"/>
+          <a:bodyPr>
+            <a:noAutofit/>
+          </a:bodyPr>
+          <a:lstStyle/>
+          <a:p>
+            <a:pPr marL="0" indent="0">
+              <a:buNone/>
+            </a:pPr>
+            <a:r>
+              <a:rPr lang="en-US" sz="800" dirty="0"/>
+              <a:t> </a:t>
+            </a:r>
+            <a:r>
+              <a:rPr lang="en-US" sz="800" dirty="0" err="1"/>
+              <a:t>var</a:t>
+            </a:r>
+            <a:r>
+              <a:rPr lang="en-US" sz="800" dirty="0"/>
+              <a:t> </a:t>
+            </a:r>
+            <a:r>
+              <a:rPr lang="en-US" sz="800" dirty="0" err="1"/>
+              <a:t>prevStats</a:t>
+            </a:r>
+            <a:r>
+              <a:rPr lang="en-US" sz="800" dirty="0"/>
+              <a:t>;</a:t>
+            </a:r>
+          </a:p>
+          <a:p>
+            <a:pPr marL="0" indent="0">
+              <a:buNone/>
+            </a:pPr>
+            <a:r>
+              <a:rPr lang="en-US" sz="800" dirty="0"/>
+              <a:t>        </a:t>
+            </a:r>
+            <a:r>
+              <a:rPr lang="en-US" sz="800" dirty="0" err="1"/>
+              <a:t>var</a:t>
+            </a:r>
+            <a:r>
+              <a:rPr lang="en-US" sz="800" dirty="0"/>
+              <a:t> </a:t>
+            </a:r>
+            <a:r>
+              <a:rPr lang="en-US" sz="800" dirty="0" err="1"/>
+              <a:t>intervalId</a:t>
+            </a:r>
+            <a:r>
+              <a:rPr lang="en-US" sz="800" dirty="0"/>
+              <a:t> = </a:t>
+            </a:r>
+            <a:r>
+              <a:rPr lang="en-US" sz="800" dirty="0" err="1"/>
+              <a:t>window.setInterval</a:t>
+            </a:r>
+            <a:r>
+              <a:rPr lang="en-US" sz="800" dirty="0"/>
+              <a:t>(function () {</a:t>
+            </a:r>
+          </a:p>
+          <a:p>
+            <a:pPr marL="0" indent="0">
+              <a:buNone/>
+            </a:pPr>
+            <a:r>
+              <a:rPr lang="en-US" sz="800" dirty="0"/>
+              <a:t>            </a:t>
+            </a:r>
+            <a:r>
+              <a:rPr lang="en-US" sz="800" dirty="0" err="1"/>
+              <a:t>var</a:t>
+            </a:r>
+            <a:r>
+              <a:rPr lang="en-US" sz="800" dirty="0"/>
+              <a:t> cur = new Date();</a:t>
+            </a:r>
+          </a:p>
+          <a:p>
+            <a:pPr marL="0" indent="0">
+              <a:buNone/>
+            </a:pPr>
+            <a:r>
+              <a:rPr lang="en-US" sz="800" dirty="0"/>
+              <a:t>            </a:t>
+            </a:r>
+            <a:r>
+              <a:rPr lang="en-US" sz="800" dirty="0" err="1"/>
+              <a:t>var</a:t>
+            </a:r>
+            <a:r>
+              <a:rPr lang="en-US" sz="800" dirty="0"/>
+              <a:t> connected = true;</a:t>
+            </a:r>
+          </a:p>
+          <a:p>
+            <a:pPr marL="0" indent="0">
+              <a:buNone/>
+            </a:pPr>
+            <a:r>
+              <a:rPr lang="en-US" sz="800" dirty="0"/>
+              <a:t>            if (cur - </a:t>
+            </a:r>
+            <a:r>
+              <a:rPr lang="en-US" sz="800" dirty="0" err="1"/>
+              <a:t>lastSignal</a:t>
+            </a:r>
+            <a:r>
+              <a:rPr lang="en-US" sz="800" dirty="0"/>
+              <a:t> &gt; 5000)</a:t>
+            </a:r>
+          </a:p>
+          <a:p>
+            <a:pPr marL="0" indent="0">
+              <a:buNone/>
+            </a:pPr>
+            <a:r>
+              <a:rPr lang="en-US" sz="800" dirty="0"/>
+              <a:t>            {</a:t>
+            </a:r>
+          </a:p>
+          <a:p>
+            <a:pPr marL="0" indent="0">
+              <a:buNone/>
+            </a:pPr>
+            <a:r>
+              <a:rPr lang="en-US" sz="800" dirty="0"/>
+              <a:t>                </a:t>
+            </a:r>
+            <a:r>
+              <a:rPr lang="en-US" sz="800" dirty="0" err="1"/>
+              <a:t>document.getElementById</a:t>
+            </a:r>
+            <a:r>
+              <a:rPr lang="en-US" sz="800" dirty="0"/>
+              <a:t>("</a:t>
+            </a:r>
+            <a:r>
+              <a:rPr lang="en-US" sz="800" dirty="0" err="1"/>
+              <a:t>id_network</a:t>
+            </a:r>
+            <a:r>
+              <a:rPr lang="en-US" sz="800" dirty="0"/>
+              <a:t>").</a:t>
+            </a:r>
+            <a:r>
+              <a:rPr lang="en-US" sz="800" dirty="0" err="1"/>
+              <a:t>innerHTML</a:t>
+            </a:r>
+            <a:r>
+              <a:rPr lang="en-US" sz="800" dirty="0"/>
+              <a:t> = "&lt;P&gt;Network is  lost with the other party.&lt;/P&gt;";</a:t>
+            </a:r>
+          </a:p>
+          <a:p>
+            <a:pPr marL="0" indent="0">
+              <a:buNone/>
+            </a:pPr>
+            <a:r>
+              <a:rPr lang="en-US" sz="800" dirty="0"/>
+              <a:t>                connected = false;</a:t>
+            </a:r>
+          </a:p>
+          <a:p>
+            <a:pPr marL="0" indent="0">
+              <a:buNone/>
+            </a:pPr>
+            <a:r>
+              <a:rPr lang="en-US" sz="800" dirty="0"/>
+              <a:t>            }</a:t>
+            </a:r>
+          </a:p>
+          <a:p>
+            <a:pPr marL="0" indent="0">
+              <a:buNone/>
+            </a:pPr>
+            <a:r>
+              <a:rPr lang="en-US" sz="800" dirty="0"/>
+              <a:t>            else</a:t>
+            </a:r>
+          </a:p>
+          <a:p>
+            <a:pPr marL="0" indent="0">
+              <a:buNone/>
+            </a:pPr>
+            <a:r>
+              <a:rPr lang="en-US" sz="800" dirty="0"/>
+              <a:t>                </a:t>
+            </a:r>
+            <a:r>
+              <a:rPr lang="en-US" sz="800" dirty="0" err="1"/>
+              <a:t>document.getElementById</a:t>
+            </a:r>
+            <a:r>
+              <a:rPr lang="en-US" sz="800" dirty="0"/>
+              <a:t>("</a:t>
+            </a:r>
+            <a:r>
+              <a:rPr lang="en-US" sz="800" dirty="0" err="1"/>
+              <a:t>id_network</a:t>
+            </a:r>
+            <a:r>
+              <a:rPr lang="en-US" sz="800" dirty="0"/>
+              <a:t>").</a:t>
+            </a:r>
+            <a:r>
+              <a:rPr lang="en-US" sz="800" dirty="0" err="1"/>
+              <a:t>innerHTML</a:t>
+            </a:r>
+            <a:r>
+              <a:rPr lang="en-US" sz="800" dirty="0"/>
+              <a:t> = "&lt;P&gt;Network is  up&lt;/P&gt;";</a:t>
+            </a:r>
+          </a:p>
+          <a:p>
+            <a:pPr marL="0" indent="0">
+              <a:buNone/>
+            </a:pPr>
+            <a:endParaRPr lang="en-US" sz="800" dirty="0"/>
+          </a:p>
+          <a:p>
+            <a:pPr marL="0" indent="0">
+              <a:buNone/>
+            </a:pPr>
+            <a:r>
+              <a:rPr lang="en-US" sz="800" dirty="0"/>
+              <a:t>            if (</a:t>
+            </a:r>
+            <a:r>
+              <a:rPr lang="en-US" sz="800" dirty="0" err="1"/>
+              <a:t>endSession</a:t>
+            </a:r>
+            <a:r>
+              <a:rPr lang="en-US" sz="800" dirty="0"/>
+              <a:t>) {</a:t>
+            </a:r>
+          </a:p>
+          <a:p>
+            <a:pPr marL="0" indent="0">
+              <a:buNone/>
+            </a:pPr>
+            <a:r>
+              <a:rPr lang="en-US" sz="800" dirty="0"/>
+              <a:t>                </a:t>
+            </a:r>
+            <a:r>
+              <a:rPr lang="en-US" sz="800" dirty="0" err="1"/>
+              <a:t>window.clearInterval</a:t>
+            </a:r>
+            <a:r>
+              <a:rPr lang="en-US" sz="800" dirty="0"/>
+              <a:t>(</a:t>
+            </a:r>
+            <a:r>
+              <a:rPr lang="en-US" sz="800" dirty="0" err="1"/>
+              <a:t>intervalId</a:t>
+            </a:r>
+            <a:r>
+              <a:rPr lang="en-US" sz="800" dirty="0"/>
+              <a:t>);</a:t>
+            </a:r>
+          </a:p>
+          <a:p>
+            <a:pPr marL="0" indent="0">
+              <a:buNone/>
+            </a:pPr>
+            <a:r>
+              <a:rPr lang="en-US" sz="800" dirty="0"/>
+              <a:t>                return;</a:t>
+            </a:r>
+          </a:p>
+          <a:p>
+            <a:pPr marL="0" indent="0">
+              <a:buNone/>
+            </a:pPr>
+            <a:r>
+              <a:rPr lang="en-US" sz="800" dirty="0"/>
+              <a:t>            }</a:t>
+            </a:r>
+          </a:p>
+          <a:p>
+            <a:pPr marL="0" indent="0">
+              <a:buNone/>
+            </a:pPr>
+            <a:endParaRPr lang="en-US" sz="800" dirty="0"/>
+          </a:p>
+          <a:p>
+            <a:pPr marL="0" indent="0">
+              <a:buNone/>
+            </a:pPr>
+            <a:r>
+              <a:rPr lang="en-US" sz="800" dirty="0"/>
+              <a:t>            if (session != null &amp;&amp; </a:t>
+            </a:r>
+            <a:r>
+              <a:rPr lang="en-US" sz="800" dirty="0" err="1"/>
+              <a:t>session.currentState</a:t>
+            </a:r>
+            <a:r>
+              <a:rPr lang="en-US" sz="800" dirty="0"/>
+              <a:t> == "connecting")</a:t>
+            </a:r>
+          </a:p>
+          <a:p>
+            <a:pPr marL="0" indent="0">
+              <a:buNone/>
+            </a:pPr>
+            <a:r>
+              <a:rPr lang="en-US" sz="800" dirty="0"/>
+              <a:t>            {</a:t>
+            </a:r>
+          </a:p>
+          <a:p>
+            <a:pPr marL="0" indent="0">
+              <a:buNone/>
+            </a:pPr>
+            <a:r>
+              <a:rPr lang="en-US" sz="800" dirty="0"/>
+              <a:t>                console.log("Interval - session is connecting", (new Date()).</a:t>
+            </a:r>
+            <a:r>
+              <a:rPr lang="en-US" sz="800" dirty="0" err="1"/>
+              <a:t>toTimeString</a:t>
+            </a:r>
+            <a:r>
+              <a:rPr lang="en-US" sz="800" dirty="0"/>
+              <a:t>());</a:t>
+            </a:r>
+          </a:p>
+          <a:p>
+            <a:pPr marL="0" indent="0">
+              <a:buNone/>
+            </a:pPr>
+            <a:r>
+              <a:rPr lang="en-US" sz="800" dirty="0"/>
+              <a:t>                return;</a:t>
+            </a:r>
+          </a:p>
+          <a:p>
+            <a:pPr marL="0" indent="0">
+              <a:buNone/>
+            </a:pPr>
+            <a:r>
+              <a:rPr lang="en-US" sz="800" dirty="0"/>
+              <a:t>            }</a:t>
+            </a:r>
+          </a:p>
+          <a:p>
+            <a:pPr marL="0" indent="0">
+              <a:buNone/>
+            </a:pPr>
+            <a:endParaRPr lang="en-US" sz="800" dirty="0"/>
+          </a:p>
+          <a:p>
+            <a:pPr marL="0" indent="0">
+              <a:buNone/>
+            </a:pPr>
+            <a:r>
+              <a:rPr lang="en-US" sz="800" dirty="0"/>
+              <a:t>            if (session == null || </a:t>
+            </a:r>
+            <a:r>
+              <a:rPr lang="en-US" sz="800" dirty="0" err="1"/>
+              <a:t>session.currentState</a:t>
+            </a:r>
+            <a:r>
+              <a:rPr lang="en-US" sz="800" dirty="0"/>
+              <a:t> == "disconnected") {</a:t>
+            </a:r>
+          </a:p>
+          <a:p>
+            <a:pPr marL="0" indent="0">
+              <a:buNone/>
+            </a:pPr>
+            <a:r>
+              <a:rPr lang="en-US" sz="800" dirty="0"/>
+              <a:t>                </a:t>
+            </a:r>
+            <a:r>
+              <a:rPr lang="en-US" sz="800" dirty="0" err="1"/>
+              <a:t>connect_session</a:t>
+            </a:r>
+            <a:r>
+              <a:rPr lang="en-US" sz="800" dirty="0"/>
+              <a:t>();</a:t>
+            </a:r>
+          </a:p>
+          <a:p>
+            <a:pPr marL="0" indent="0">
+              <a:buNone/>
+            </a:pPr>
+            <a:r>
+              <a:rPr lang="en-US" sz="800" dirty="0"/>
+              <a:t>                return;</a:t>
+            </a:r>
+          </a:p>
+          <a:p>
+            <a:pPr marL="0" indent="0">
+              <a:buNone/>
+            </a:pPr>
+            <a:r>
+              <a:rPr lang="en-US" sz="800" dirty="0"/>
+              <a:t>            }</a:t>
+            </a:r>
+          </a:p>
+          <a:p>
+            <a:pPr marL="0" indent="0">
+              <a:buNone/>
+            </a:pPr>
+            <a:endParaRPr lang="en-US" sz="800" dirty="0"/>
           </a:p>
         </p:txBody>
       </p:sp>
     </p:spTree>
     <p:extLst>
       <p:ext uri="{BB962C8B-B14F-4D97-AF65-F5344CB8AC3E}">
-        <p14:creationId xmlns:p14="http://schemas.microsoft.com/office/powerpoint/2010/main" val="618299902"/>
+        <p14:creationId xmlns:p14="http://schemas.microsoft.com/office/powerpoint/2010/main" val="4193371431"/>
       </p:ext>
     </p:extLst>
   </p:cSld>
@@ -4588,10 +4002,770 @@
           <a:lstStyle/>
           <a:p>
             <a:r>
-              <a:rPr lang="en-US" dirty="0" smtClean="0"/>
+              <a:rPr lang="en-US" dirty="0"/>
+              <a:t>Connectivity Solution – </a:t>
+            </a:r>
+            <a:r>
+              <a:rPr lang="en-US" sz="3600" dirty="0"/>
+              <a:t>code snippet </a:t>
+            </a:r>
+            <a:r>
+              <a:rPr lang="en-US" sz="3600" dirty="0" err="1"/>
+              <a:t>cont</a:t>
+            </a:r>
+            <a:endParaRPr lang="en-US" sz="3600" dirty="0"/>
+          </a:p>
+        </p:txBody>
+      </p:sp>
+      <p:sp>
+        <p:nvSpPr>
+          <p:cNvPr id="3" name="Content Placeholder 2"/>
+          <p:cNvSpPr>
+            <a:spLocks noGrp="1"/>
+          </p:cNvSpPr>
+          <p:nvPr>
+            <p:ph idx="1"/>
+          </p:nvPr>
+        </p:nvSpPr>
+        <p:spPr/>
+        <p:txBody>
+          <a:bodyPr>
+            <a:normAutofit fontScale="25000" lnSpcReduction="20000"/>
+          </a:bodyPr>
+          <a:lstStyle/>
+          <a:p>
+            <a:pPr marL="0" indent="0">
+              <a:buNone/>
+            </a:pPr>
+            <a:r>
+              <a:rPr lang="en-US" dirty="0"/>
+              <a:t> </a:t>
+            </a:r>
+            <a:r>
+              <a:rPr lang="en-US" dirty="0" err="1"/>
+              <a:t>session.signal</a:t>
+            </a:r>
+            <a:r>
+              <a:rPr lang="en-US" dirty="0"/>
+              <a:t>(</a:t>
+            </a:r>
+          </a:p>
+          <a:p>
+            <a:pPr marL="0" indent="0">
+              <a:buNone/>
+            </a:pPr>
+            <a:r>
+              <a:rPr lang="en-US" dirty="0"/>
+              <a:t>                {</a:t>
+            </a:r>
+          </a:p>
+          <a:p>
+            <a:pPr marL="0" indent="0">
+              <a:buNone/>
+            </a:pPr>
+            <a:r>
+              <a:rPr lang="en-US" dirty="0"/>
+              <a:t>                    data: "hello",</a:t>
+            </a:r>
+          </a:p>
+          <a:p>
+            <a:pPr marL="0" indent="0">
+              <a:buNone/>
+            </a:pPr>
+            <a:r>
+              <a:rPr lang="en-US" dirty="0"/>
+              <a:t>                    type: “ping"</a:t>
+            </a:r>
+          </a:p>
+          <a:p>
+            <a:pPr marL="0" indent="0">
+              <a:buNone/>
+            </a:pPr>
+            <a:r>
+              <a:rPr lang="en-US" dirty="0"/>
+              <a:t>                },</a:t>
+            </a:r>
+          </a:p>
+          <a:p>
+            <a:pPr marL="0" indent="0">
+              <a:buNone/>
+            </a:pPr>
+            <a:r>
+              <a:rPr lang="en-US" dirty="0"/>
+              <a:t>                function (error) { });</a:t>
+            </a:r>
+          </a:p>
+          <a:p>
+            <a:pPr marL="0" indent="0">
+              <a:buNone/>
+            </a:pPr>
+            <a:endParaRPr lang="en-US" dirty="0"/>
+          </a:p>
+          <a:p>
+            <a:pPr marL="0" indent="0">
+              <a:buNone/>
+            </a:pPr>
+            <a:r>
+              <a:rPr lang="en-US" dirty="0"/>
+              <a:t>            </a:t>
+            </a:r>
+            <a:r>
+              <a:rPr lang="en-US" dirty="0" err="1"/>
+              <a:t>var</a:t>
+            </a:r>
+            <a:r>
+              <a:rPr lang="en-US" dirty="0"/>
+              <a:t> a = </a:t>
+            </a:r>
+            <a:r>
+              <a:rPr lang="en-US" dirty="0" err="1"/>
+              <a:t>document.getElementsByClassName</a:t>
+            </a:r>
+            <a:r>
+              <a:rPr lang="en-US" dirty="0"/>
+              <a:t>("</a:t>
+            </a:r>
+            <a:r>
+              <a:rPr lang="en-US" dirty="0" err="1"/>
+              <a:t>OT_mirrored</a:t>
+            </a:r>
+            <a:r>
+              <a:rPr lang="en-US" dirty="0"/>
+              <a:t> </a:t>
+            </a:r>
+            <a:r>
+              <a:rPr lang="en-US" dirty="0" err="1"/>
+              <a:t>OT_root</a:t>
+            </a:r>
+            <a:r>
+              <a:rPr lang="en-US" dirty="0"/>
+              <a:t> </a:t>
+            </a:r>
+            <a:r>
+              <a:rPr lang="en-US" dirty="0" err="1"/>
+              <a:t>OT_publisher</a:t>
+            </a:r>
+            <a:r>
+              <a:rPr lang="en-US" dirty="0"/>
+              <a:t> </a:t>
+            </a:r>
+            <a:r>
+              <a:rPr lang="en-US" dirty="0" err="1"/>
+              <a:t>OT_fit</a:t>
+            </a:r>
+            <a:r>
+              <a:rPr lang="en-US" dirty="0"/>
+              <a:t>-mode-cover");</a:t>
+            </a:r>
+          </a:p>
+          <a:p>
+            <a:pPr marL="0" indent="0">
+              <a:buNone/>
+            </a:pPr>
+            <a:r>
+              <a:rPr lang="en-US" dirty="0"/>
+              <a:t>            if (</a:t>
+            </a:r>
+            <a:r>
+              <a:rPr lang="en-US" dirty="0" err="1"/>
+              <a:t>a.length</a:t>
+            </a:r>
+            <a:r>
+              <a:rPr lang="en-US" dirty="0"/>
+              <a:t> == 0 || publisher == null || </a:t>
+            </a:r>
+            <a:r>
+              <a:rPr lang="en-US" dirty="0" err="1"/>
+              <a:t>publisher.session</a:t>
+            </a:r>
+            <a:r>
+              <a:rPr lang="en-US" dirty="0"/>
+              <a:t> == null) {</a:t>
+            </a:r>
+          </a:p>
+          <a:p>
+            <a:pPr marL="0" indent="0">
+              <a:buNone/>
+            </a:pPr>
+            <a:r>
+              <a:rPr lang="en-US" dirty="0"/>
+              <a:t>                </a:t>
+            </a:r>
+            <a:r>
+              <a:rPr lang="en-US" dirty="0" err="1"/>
+              <a:t>doPub</a:t>
+            </a:r>
+            <a:r>
+              <a:rPr lang="en-US" dirty="0"/>
+              <a:t>();</a:t>
+            </a:r>
+          </a:p>
+          <a:p>
+            <a:pPr marL="0" indent="0">
+              <a:buNone/>
+            </a:pPr>
+            <a:r>
+              <a:rPr lang="en-US" dirty="0"/>
+              <a:t>                return;</a:t>
+            </a:r>
+          </a:p>
+          <a:p>
+            <a:pPr marL="0" indent="0">
+              <a:buNone/>
+            </a:pPr>
+            <a:r>
+              <a:rPr lang="en-US" dirty="0"/>
+              <a:t>            }</a:t>
+            </a:r>
+          </a:p>
+          <a:p>
+            <a:pPr marL="0" indent="0">
+              <a:buNone/>
+            </a:pPr>
+            <a:endParaRPr lang="en-US" dirty="0"/>
+          </a:p>
+          <a:p>
+            <a:pPr marL="0" indent="0">
+              <a:buNone/>
+            </a:pPr>
+            <a:r>
+              <a:rPr lang="en-US" dirty="0"/>
+              <a:t>            x = </a:t>
+            </a:r>
+            <a:r>
+              <a:rPr lang="en-US" dirty="0" err="1"/>
+              <a:t>document.getElementsByClassName</a:t>
+            </a:r>
+            <a:r>
+              <a:rPr lang="en-US" dirty="0"/>
+              <a:t>("</a:t>
+            </a:r>
+            <a:r>
+              <a:rPr lang="en-US" dirty="0" err="1"/>
+              <a:t>OT_root</a:t>
+            </a:r>
+            <a:r>
+              <a:rPr lang="en-US" dirty="0"/>
+              <a:t> </a:t>
+            </a:r>
+            <a:r>
+              <a:rPr lang="en-US" dirty="0" err="1"/>
+              <a:t>OT_subscriber</a:t>
+            </a:r>
+            <a:r>
+              <a:rPr lang="en-US" dirty="0"/>
+              <a:t> </a:t>
+            </a:r>
+            <a:r>
+              <a:rPr lang="en-US" dirty="0" err="1"/>
+              <a:t>OT_fit</a:t>
+            </a:r>
+            <a:r>
+              <a:rPr lang="en-US" dirty="0"/>
+              <a:t>-mode-cover");</a:t>
+            </a:r>
+          </a:p>
+          <a:p>
+            <a:pPr marL="0" indent="0">
+              <a:buNone/>
+            </a:pPr>
+            <a:r>
+              <a:rPr lang="en-US" dirty="0"/>
+              <a:t>            if (</a:t>
+            </a:r>
+            <a:r>
+              <a:rPr lang="en-US" dirty="0" err="1"/>
+              <a:t>x.length</a:t>
+            </a:r>
+            <a:r>
+              <a:rPr lang="en-US" dirty="0"/>
+              <a:t> == 0 || subscriber == null || </a:t>
+            </a:r>
+            <a:r>
+              <a:rPr lang="en-US" dirty="0" err="1"/>
+              <a:t>subscriber.stream</a:t>
+            </a:r>
+            <a:r>
+              <a:rPr lang="en-US" dirty="0"/>
+              <a:t> == null) {</a:t>
+            </a:r>
+          </a:p>
+          <a:p>
+            <a:pPr marL="0" indent="0">
+              <a:buNone/>
+            </a:pPr>
+            <a:r>
+              <a:rPr lang="en-US" dirty="0"/>
+              <a:t>                if (connected)</a:t>
+            </a:r>
+          </a:p>
+          <a:p>
+            <a:pPr marL="0" indent="0">
+              <a:buNone/>
+            </a:pPr>
+            <a:r>
+              <a:rPr lang="en-US" dirty="0"/>
+              <a:t>                    </a:t>
+            </a:r>
+            <a:r>
+              <a:rPr lang="en-US" dirty="0" err="1"/>
+              <a:t>doSub</a:t>
+            </a:r>
+            <a:r>
+              <a:rPr lang="en-US" dirty="0"/>
+              <a:t>();</a:t>
+            </a:r>
+          </a:p>
+          <a:p>
+            <a:pPr marL="0" indent="0">
+              <a:buNone/>
+            </a:pPr>
+            <a:r>
+              <a:rPr lang="en-US" dirty="0"/>
+              <a:t>                return;</a:t>
+            </a:r>
+          </a:p>
+          <a:p>
+            <a:pPr marL="0" indent="0">
+              <a:buNone/>
+            </a:pPr>
+            <a:r>
+              <a:rPr lang="en-US" dirty="0"/>
+              <a:t>            }</a:t>
+            </a:r>
+          </a:p>
+          <a:p>
+            <a:pPr marL="0" indent="0">
+              <a:buNone/>
+            </a:pPr>
+            <a:endParaRPr lang="en-US" dirty="0"/>
+          </a:p>
+          <a:p>
+            <a:pPr marL="0" indent="0">
+              <a:buNone/>
+            </a:pPr>
+            <a:r>
+              <a:rPr lang="en-US" dirty="0"/>
+              <a:t>            </a:t>
+            </a:r>
+            <a:r>
+              <a:rPr lang="en-US" dirty="0" err="1"/>
+              <a:t>subscriber.getStats</a:t>
+            </a:r>
+            <a:r>
+              <a:rPr lang="en-US" dirty="0"/>
+              <a:t>(function (error, stats) {</a:t>
+            </a:r>
+          </a:p>
+          <a:p>
+            <a:pPr marL="0" indent="0">
+              <a:buNone/>
+            </a:pPr>
+            <a:r>
+              <a:rPr lang="en-US" dirty="0"/>
+              <a:t>                if (error)</a:t>
+            </a:r>
+          </a:p>
+          <a:p>
+            <a:pPr marL="0" indent="0">
+              <a:buNone/>
+            </a:pPr>
+            <a:r>
+              <a:rPr lang="en-US" dirty="0"/>
+              <a:t>                    </a:t>
+            </a:r>
+            <a:r>
+              <a:rPr lang="en-US" dirty="0" err="1"/>
+              <a:t>doSub</a:t>
+            </a:r>
+            <a:r>
+              <a:rPr lang="en-US" dirty="0"/>
+              <a:t>();</a:t>
+            </a:r>
+          </a:p>
+          <a:p>
+            <a:pPr marL="0" indent="0">
+              <a:buNone/>
+            </a:pPr>
+            <a:r>
+              <a:rPr lang="en-US" dirty="0"/>
+              <a:t>                else if (</a:t>
+            </a:r>
+            <a:r>
+              <a:rPr lang="en-US" dirty="0" err="1"/>
+              <a:t>prevStats</a:t>
+            </a:r>
+            <a:r>
+              <a:rPr lang="en-US" dirty="0"/>
+              <a:t> &amp;&amp; (</a:t>
+            </a:r>
+            <a:r>
+              <a:rPr lang="en-US" dirty="0" err="1"/>
+              <a:t>typeof</a:t>
+            </a:r>
+            <a:r>
+              <a:rPr lang="en-US" dirty="0"/>
+              <a:t> </a:t>
+            </a:r>
+            <a:r>
+              <a:rPr lang="en-US" dirty="0" err="1"/>
+              <a:t>stats.video</a:t>
+            </a:r>
+            <a:r>
+              <a:rPr lang="en-US" dirty="0"/>
+              <a:t> !== 'undefined')) {</a:t>
+            </a:r>
+          </a:p>
+          <a:p>
+            <a:pPr marL="0" indent="0">
+              <a:buNone/>
+            </a:pPr>
+            <a:r>
+              <a:rPr lang="en-US" dirty="0"/>
+              <a:t>                    </a:t>
+            </a:r>
+            <a:r>
+              <a:rPr lang="en-US" dirty="0" err="1"/>
+              <a:t>var</a:t>
+            </a:r>
+            <a:r>
+              <a:rPr lang="en-US" dirty="0"/>
+              <a:t> </a:t>
+            </a:r>
+            <a:r>
+              <a:rPr lang="en-US" dirty="0" err="1"/>
+              <a:t>videoBitRate</a:t>
+            </a:r>
+            <a:r>
+              <a:rPr lang="en-US" dirty="0"/>
+              <a:t> = 2 * (</a:t>
+            </a:r>
+            <a:r>
+              <a:rPr lang="en-US" dirty="0" err="1"/>
+              <a:t>stats.video.bytesReceived</a:t>
+            </a:r>
+            <a:r>
+              <a:rPr lang="en-US" dirty="0"/>
+              <a:t> - </a:t>
+            </a:r>
+            <a:r>
+              <a:rPr lang="en-US" dirty="0" err="1"/>
+              <a:t>prevStats.video.bytesReceived</a:t>
+            </a:r>
+            <a:r>
+              <a:rPr lang="en-US" dirty="0"/>
+              <a:t>);</a:t>
+            </a:r>
+          </a:p>
+          <a:p>
+            <a:pPr marL="0" indent="0">
+              <a:buNone/>
+            </a:pPr>
+            <a:r>
+              <a:rPr lang="en-US" dirty="0"/>
+              <a:t>                    </a:t>
+            </a:r>
+            <a:r>
+              <a:rPr lang="en-US" dirty="0" err="1"/>
+              <a:t>var</a:t>
+            </a:r>
+            <a:r>
+              <a:rPr lang="en-US" dirty="0"/>
+              <a:t> </a:t>
+            </a:r>
+            <a:r>
+              <a:rPr lang="en-US" dirty="0" err="1"/>
+              <a:t>audioBitRate</a:t>
+            </a:r>
+            <a:r>
+              <a:rPr lang="en-US" dirty="0"/>
+              <a:t> = 2 * (</a:t>
+            </a:r>
+            <a:r>
+              <a:rPr lang="en-US" dirty="0" err="1"/>
+              <a:t>stats.audio.bytesReceived</a:t>
+            </a:r>
+            <a:r>
+              <a:rPr lang="en-US" dirty="0"/>
+              <a:t> - </a:t>
+            </a:r>
+            <a:r>
+              <a:rPr lang="en-US" dirty="0" err="1"/>
+              <a:t>prevStats.audio.bytesReceived</a:t>
+            </a:r>
+            <a:r>
+              <a:rPr lang="en-US" dirty="0"/>
+              <a:t>);</a:t>
+            </a:r>
+          </a:p>
+          <a:p>
+            <a:pPr marL="0" indent="0">
+              <a:buNone/>
+            </a:pPr>
+            <a:r>
+              <a:rPr lang="en-US" dirty="0"/>
+              <a:t>                    </a:t>
+            </a:r>
+            <a:r>
+              <a:rPr lang="en-US" dirty="0" err="1"/>
+              <a:t>document.getElementById</a:t>
+            </a:r>
+            <a:r>
+              <a:rPr lang="en-US" dirty="0"/>
+              <a:t>("</a:t>
+            </a:r>
+            <a:r>
+              <a:rPr lang="en-US" dirty="0" err="1"/>
+              <a:t>id_status</a:t>
+            </a:r>
+            <a:r>
+              <a:rPr lang="en-US" dirty="0"/>
+              <a:t>").</a:t>
+            </a:r>
+            <a:r>
+              <a:rPr lang="en-US" dirty="0" err="1"/>
+              <a:t>innerHTML</a:t>
+            </a:r>
+            <a:r>
+              <a:rPr lang="en-US" dirty="0"/>
+              <a:t> = "&lt;P&gt;Video: ".</a:t>
+            </a:r>
+            <a:r>
+              <a:rPr lang="en-US" dirty="0" err="1"/>
+              <a:t>concat</a:t>
+            </a:r>
+            <a:r>
+              <a:rPr lang="en-US" dirty="0"/>
+              <a:t>(</a:t>
+            </a:r>
+            <a:r>
+              <a:rPr lang="en-US" dirty="0" err="1"/>
+              <a:t>videoBitRate.toString</a:t>
+            </a:r>
+            <a:r>
+              <a:rPr lang="en-US" dirty="0"/>
+              <a:t>(), ", Audio: ", </a:t>
+            </a:r>
+            <a:r>
+              <a:rPr lang="en-US" dirty="0" err="1"/>
+              <a:t>audioBitRate.toString</a:t>
+            </a:r>
+            <a:r>
+              <a:rPr lang="en-US" dirty="0"/>
+              <a:t>(), ", Frame/s: ", </a:t>
+            </a:r>
+            <a:r>
+              <a:rPr lang="en-US" dirty="0" err="1"/>
+              <a:t>stats.video.frameRate</a:t>
+            </a:r>
+            <a:r>
+              <a:rPr lang="en-US" dirty="0"/>
+              <a:t>, "&lt;/P&gt;");</a:t>
+            </a:r>
+          </a:p>
+          <a:p>
+            <a:pPr marL="0" indent="0">
+              <a:buNone/>
+            </a:pPr>
+            <a:r>
+              <a:rPr lang="en-US" dirty="0"/>
+              <a:t>                }</a:t>
+            </a:r>
+          </a:p>
+          <a:p>
+            <a:pPr marL="0" indent="0">
+              <a:buNone/>
+            </a:pPr>
+            <a:r>
+              <a:rPr lang="en-US" dirty="0"/>
+              <a:t>                </a:t>
+            </a:r>
+            <a:r>
+              <a:rPr lang="en-US" dirty="0" err="1"/>
+              <a:t>prevStats</a:t>
+            </a:r>
+            <a:r>
+              <a:rPr lang="en-US" dirty="0"/>
+              <a:t> = stats;</a:t>
+            </a:r>
+          </a:p>
+          <a:p>
+            <a:pPr marL="0" indent="0">
+              <a:buNone/>
+            </a:pPr>
+            <a:r>
+              <a:rPr lang="en-US" dirty="0"/>
+              <a:t>            });</a:t>
+            </a:r>
+          </a:p>
+          <a:p>
+            <a:pPr marL="0" indent="0">
+              <a:buNone/>
+            </a:pPr>
+            <a:r>
+              <a:rPr lang="en-US" dirty="0"/>
+              <a:t>        }, 2000);</a:t>
+            </a:r>
+          </a:p>
+        </p:txBody>
+      </p:sp>
+    </p:spTree>
+    <p:extLst>
+      <p:ext uri="{BB962C8B-B14F-4D97-AF65-F5344CB8AC3E}">
+        <p14:creationId xmlns:p14="http://schemas.microsoft.com/office/powerpoint/2010/main" val="3580184565"/>
+      </p:ext>
+    </p:extLst>
+  </p:cSld>
+  <p:clrMapOvr>
+    <a:masterClrMapping/>
+  </p:clrMapOvr>
+</p:sld>
+</file>
+
+<file path=ppt/slides/slide15.xml><?xml version="1.0" encoding="utf-8"?>
+<p:sld xmlns:a="http://schemas.openxmlformats.org/drawingml/2006/main" xmlns:r="http://schemas.openxmlformats.org/officeDocument/2006/relationships" xmlns:p="http://schemas.openxmlformats.org/presentationml/2006/main">
+  <p:cSld>
+    <p:spTree>
+      <p:nvGrpSpPr>
+        <p:cNvPr id="1" name=""/>
+        <p:cNvGrpSpPr/>
+        <p:nvPr/>
+      </p:nvGrpSpPr>
+      <p:grpSpPr>
+        <a:xfrm>
+          <a:off x="0" y="0"/>
+          <a:ext cx="0" cy="0"/>
+          <a:chOff x="0" y="0"/>
+          <a:chExt cx="0" cy="0"/>
+        </a:xfrm>
+      </p:grpSpPr>
+      <p:sp>
+        <p:nvSpPr>
+          <p:cNvPr id="2" name="Title 1"/>
+          <p:cNvSpPr>
+            <a:spLocks noGrp="1"/>
+          </p:cNvSpPr>
+          <p:nvPr>
+            <p:ph type="title"/>
+          </p:nvPr>
+        </p:nvSpPr>
+        <p:spPr/>
+        <p:txBody>
+          <a:bodyPr/>
+          <a:lstStyle/>
+          <a:p>
+            <a:r>
+              <a:rPr lang="en-US" dirty="0"/>
+              <a:t>Video Quality Improvement</a:t>
+            </a:r>
+          </a:p>
+        </p:txBody>
+      </p:sp>
+      <p:sp>
+        <p:nvSpPr>
+          <p:cNvPr id="3" name="Content Placeholder 2"/>
+          <p:cNvSpPr>
+            <a:spLocks noGrp="1"/>
+          </p:cNvSpPr>
+          <p:nvPr>
+            <p:ph idx="1"/>
+          </p:nvPr>
+        </p:nvSpPr>
+        <p:spPr/>
+        <p:txBody>
+          <a:bodyPr/>
+          <a:lstStyle/>
+          <a:p>
+            <a:pPr marL="0" indent="0">
+              <a:buNone/>
+            </a:pPr>
+            <a:r>
+              <a:rPr lang="en-US" dirty="0"/>
+              <a:t>By capturing </a:t>
+            </a:r>
+            <a:r>
+              <a:rPr lang="en-US" dirty="0" err="1"/>
+              <a:t>videoDisabled</a:t>
+            </a:r>
+            <a:r>
+              <a:rPr lang="en-US" dirty="0"/>
+              <a:t> event on subscriber, we can quickly re-</a:t>
+            </a:r>
+            <a:r>
+              <a:rPr lang="en-US" dirty="0" err="1"/>
+              <a:t>eanble</a:t>
+            </a:r>
+            <a:r>
+              <a:rPr lang="en-US" dirty="0"/>
+              <a:t> the video. </a:t>
+            </a:r>
+          </a:p>
+          <a:p>
+            <a:pPr marL="0" indent="0">
+              <a:buNone/>
+            </a:pPr>
+            <a:r>
+              <a:rPr lang="en-US" dirty="0" err="1"/>
+              <a:t>Opentok</a:t>
+            </a:r>
+            <a:r>
+              <a:rPr lang="en-US" dirty="0"/>
+              <a:t> disables video when serious package loss is detected. But in reality, this happens mostly during short network interruption. When the network is back, video should be resumed.</a:t>
+            </a:r>
+          </a:p>
+        </p:txBody>
+      </p:sp>
+    </p:spTree>
+    <p:extLst>
+      <p:ext uri="{BB962C8B-B14F-4D97-AF65-F5344CB8AC3E}">
+        <p14:creationId xmlns:p14="http://schemas.microsoft.com/office/powerpoint/2010/main" val="618299902"/>
+      </p:ext>
+    </p:extLst>
+  </p:cSld>
+  <p:clrMapOvr>
+    <a:masterClrMapping/>
+  </p:clrMapOvr>
+</p:sld>
+</file>
+
+<file path=ppt/slides/slide16.xml><?xml version="1.0" encoding="utf-8"?>
+<p:sld xmlns:a="http://schemas.openxmlformats.org/drawingml/2006/main" xmlns:r="http://schemas.openxmlformats.org/officeDocument/2006/relationships" xmlns:p="http://schemas.openxmlformats.org/presentationml/2006/main">
+  <p:cSld>
+    <p:spTree>
+      <p:nvGrpSpPr>
+        <p:cNvPr id="1" name=""/>
+        <p:cNvGrpSpPr/>
+        <p:nvPr/>
+      </p:nvGrpSpPr>
+      <p:grpSpPr>
+        <a:xfrm>
+          <a:off x="0" y="0"/>
+          <a:ext cx="0" cy="0"/>
+          <a:chOff x="0" y="0"/>
+          <a:chExt cx="0" cy="0"/>
+        </a:xfrm>
+      </p:grpSpPr>
+      <p:sp>
+        <p:nvSpPr>
+          <p:cNvPr id="2" name="Title 1"/>
+          <p:cNvSpPr>
+            <a:spLocks noGrp="1"/>
+          </p:cNvSpPr>
+          <p:nvPr>
+            <p:ph type="title"/>
+          </p:nvPr>
+        </p:nvSpPr>
+        <p:spPr/>
+        <p:txBody>
+          <a:bodyPr>
+            <a:normAutofit fontScale="90000"/>
+          </a:bodyPr>
+          <a:lstStyle/>
+          <a:p>
+            <a:r>
+              <a:rPr lang="en-US" dirty="0"/>
               <a:t>Future Video Quality Improvements</a:t>
             </a:r>
-            <a:endParaRPr lang="en-US" dirty="0"/>
           </a:p>
         </p:txBody>
       </p:sp>
@@ -4614,39 +4788,38 @@
               <a:buNone/>
             </a:pPr>
             <a:r>
-              <a:rPr lang="en-US" dirty="0" smtClean="0"/>
+              <a:rPr lang="en-US" dirty="0"/>
               <a:t>More refined video quality control.</a:t>
             </a:r>
           </a:p>
           <a:p>
             <a:pPr lvl="1"/>
             <a:r>
-              <a:rPr lang="en-US" dirty="0" smtClean="0"/>
+              <a:rPr lang="en-US" dirty="0"/>
               <a:t>We will have to disable </a:t>
             </a:r>
             <a:r>
-              <a:rPr lang="en-US" dirty="0" err="1" smtClean="0"/>
+              <a:rPr lang="en-US" dirty="0" err="1"/>
               <a:t>opentok’s</a:t>
             </a:r>
             <a:r>
-              <a:rPr lang="en-US" dirty="0" smtClean="0"/>
+              <a:rPr lang="en-US" dirty="0"/>
               <a:t> default video quality control.</a:t>
             </a:r>
           </a:p>
           <a:p>
             <a:pPr lvl="1"/>
             <a:r>
-              <a:rPr lang="en-US" dirty="0" smtClean="0"/>
+              <a:rPr lang="en-US" dirty="0"/>
               <a:t>Proactively adjust frame rate, disable/enable video, raise/lower resolution.</a:t>
             </a:r>
           </a:p>
           <a:p>
             <a:pPr lvl="1"/>
             <a:r>
-              <a:rPr lang="en-US" dirty="0" smtClean="0"/>
+              <a:rPr lang="en-US" dirty="0"/>
               <a:t>Give one channel preference over the other. For example we may want the doctor to see the patient more. We could stop clinician from publishing stream when network is slow.</a:t>
             </a:r>
-            <a:endParaRPr lang="en-US" dirty="0"/>
           </a:p>
         </p:txBody>
       </p:sp>
@@ -4696,14 +4869,13 @@
           <a:lstStyle/>
           <a:p>
             <a:r>
-              <a:rPr lang="en-US" dirty="0" err="1" smtClean="0"/>
+              <a:rPr lang="en-US" dirty="0" err="1"/>
               <a:t>OpenTok</a:t>
             </a:r>
             <a:r>
-              <a:rPr lang="en-US" dirty="0" smtClean="0"/>
+              <a:rPr lang="en-US" dirty="0"/>
               <a:t> Basics I</a:t>
             </a:r>
-            <a:endParaRPr lang="en-US" dirty="0"/>
           </a:p>
         </p:txBody>
       </p:sp>
@@ -4725,37 +4897,37 @@
           <a:lstStyle/>
           <a:p>
             <a:r>
-              <a:rPr lang="en-US" dirty="0" smtClean="0"/>
+              <a:rPr lang="en-US" dirty="0"/>
               <a:t>A session connection is created by a client that connect to a particular session. All clients connected to the same session can “see” each other, thus have video/audio conversations.</a:t>
             </a:r>
           </a:p>
           <a:p>
             <a:r>
-              <a:rPr lang="en-US" dirty="0" smtClean="0"/>
+              <a:rPr lang="en-US" dirty="0"/>
               <a:t>Call </a:t>
             </a:r>
             <a:r>
-              <a:rPr lang="en-US" dirty="0" err="1" smtClean="0"/>
+              <a:rPr lang="en-US" dirty="0" err="1"/>
               <a:t>OpenTok</a:t>
             </a:r>
             <a:r>
-              <a:rPr lang="en-US" dirty="0" smtClean="0"/>
+              <a:rPr lang="en-US" dirty="0"/>
               <a:t> new session API to create a </a:t>
             </a:r>
             <a:r>
-              <a:rPr lang="en-US" dirty="0" err="1" smtClean="0"/>
+              <a:rPr lang="en-US" dirty="0" err="1"/>
               <a:t>sessionId</a:t>
             </a:r>
             <a:r>
-              <a:rPr lang="en-US" dirty="0" smtClean="0"/>
+              <a:rPr lang="en-US" dirty="0"/>
               <a:t> and two session tokens. A </a:t>
             </a:r>
             <a:r>
-              <a:rPr lang="en-US" dirty="0" err="1" smtClean="0"/>
+              <a:rPr lang="en-US" dirty="0" err="1"/>
               <a:t>sessionId</a:t>
             </a:r>
             <a:r>
-              <a:rPr lang="en-US" dirty="0" smtClean="0"/>
+              <a:rPr lang="en-US" dirty="0"/>
               <a:t> identifies a session with a timeout of 24 hours. A token identifies a participating party.</a:t>
             </a:r>
           </a:p>
@@ -4807,14 +4979,13 @@
           <a:lstStyle/>
           <a:p>
             <a:r>
-              <a:rPr lang="en-US" dirty="0" err="1" smtClean="0"/>
+              <a:rPr lang="en-US" dirty="0" err="1"/>
               <a:t>OpenTok</a:t>
             </a:r>
             <a:r>
-              <a:rPr lang="en-US" dirty="0" smtClean="0"/>
+              <a:rPr lang="en-US" dirty="0"/>
               <a:t> Basics II</a:t>
             </a:r>
-            <a:endParaRPr lang="en-US" dirty="0"/>
           </a:p>
         </p:txBody>
       </p:sp>
@@ -4836,26 +5007,21 @@
           <a:lstStyle/>
           <a:p>
             <a:r>
-              <a:rPr lang="en-US" dirty="0" smtClean="0"/>
+              <a:rPr lang="en-US" dirty="0"/>
               <a:t>Clients communicate by publishing and subscribing to streams.</a:t>
             </a:r>
           </a:p>
           <a:p>
             <a:r>
-              <a:rPr lang="en-US" dirty="0" smtClean="0"/>
+              <a:rPr lang="en-US" dirty="0"/>
               <a:t>Publishing requires a session connection, but it does not require network. Publishing creates a publisher. A publisher object gets destroyed when a session connection is gone or when unpublished.</a:t>
             </a:r>
           </a:p>
           <a:p>
             <a:r>
-              <a:rPr lang="en-US" dirty="0" smtClean="0"/>
-              <a:t>Subscribing requires a </a:t>
-            </a:r>
-            <a:r>
-              <a:rPr lang="en-US" dirty="0" smtClean="0"/>
-              <a:t>session connection and a foreign stream. A subscriber object gets destroyed when session connection is gone or the underling stream is destroyed.</a:t>
-            </a:r>
-            <a:endParaRPr lang="en-US" dirty="0" smtClean="0"/>
+              <a:rPr lang="en-US" dirty="0"/>
+              <a:t>Subscribing requires a session connection and a foreign stream. A subscriber object gets destroyed when session connection is gone or the underling stream is destroyed.</a:t>
+            </a:r>
           </a:p>
           <a:p>
             <a:endParaRPr lang="en-US" dirty="0"/>
@@ -4908,10 +5074,9 @@
           <a:lstStyle/>
           <a:p>
             <a:r>
-              <a:rPr lang="en-US" dirty="0" smtClean="0"/>
+              <a:rPr lang="en-US" dirty="0"/>
               <a:t>Sequence of Events - Connect</a:t>
             </a:r>
-            <a:endParaRPr lang="en-US" dirty="0"/>
           </a:p>
         </p:txBody>
       </p:sp>
@@ -4990,10 +5155,9 @@
           <a:lstStyle/>
           <a:p>
             <a:r>
-              <a:rPr lang="en-US" dirty="0" smtClean="0"/>
+              <a:rPr lang="en-US" dirty="0"/>
               <a:t>Sequence of Events – Pub &amp; Sub</a:t>
             </a:r>
-            <a:endParaRPr lang="en-US" dirty="0"/>
           </a:p>
         </p:txBody>
       </p:sp>
@@ -5072,10 +5236,9 @@
           <a:lstStyle/>
           <a:p>
             <a:r>
-              <a:rPr lang="en-US" dirty="0" smtClean="0"/>
+              <a:rPr lang="en-US" dirty="0"/>
               <a:t>Potential Sources of Problem</a:t>
             </a:r>
-            <a:endParaRPr lang="en-US" dirty="0"/>
           </a:p>
         </p:txBody>
       </p:sp>
@@ -5097,29 +5260,29 @@
           <a:lstStyle/>
           <a:p>
             <a:r>
-              <a:rPr lang="en-US" dirty="0" smtClean="0"/>
+              <a:rPr lang="en-US" dirty="0"/>
               <a:t>Publish could cause one or more </a:t>
             </a:r>
             <a:r>
-              <a:rPr lang="en-US" dirty="0" err="1" smtClean="0"/>
+              <a:rPr lang="en-US" dirty="0" err="1"/>
               <a:t>streamCreated</a:t>
             </a:r>
             <a:r>
-              <a:rPr lang="en-US" dirty="0" smtClean="0"/>
+              <a:rPr lang="en-US" dirty="0"/>
               <a:t> events (I’ve see 2, 3 or 4 of them).</a:t>
             </a:r>
           </a:p>
           <a:p>
             <a:r>
-              <a:rPr lang="en-US" dirty="0" smtClean="0"/>
+              <a:rPr lang="en-US" dirty="0"/>
               <a:t>When network is disrupted, </a:t>
             </a:r>
             <a:r>
-              <a:rPr lang="en-US" dirty="0" err="1" smtClean="0"/>
+              <a:rPr lang="en-US" dirty="0" err="1"/>
               <a:t>openTok</a:t>
             </a:r>
             <a:r>
-              <a:rPr lang="en-US" dirty="0" smtClean="0"/>
+              <a:rPr lang="en-US" dirty="0"/>
               <a:t> will try to re-establish the connection once, then it will disconnect.</a:t>
             </a:r>
           </a:p>
@@ -5135,61 +5298,48 @@
             </a:r>
             <a:r>
               <a:rPr lang="en-US" dirty="0"/>
-              <a:t> event for the first one </a:t>
-            </a:r>
-            <a:r>
-              <a:rPr lang="en-US" dirty="0" smtClean="0"/>
-              <a:t>yet</a:t>
-            </a:r>
-            <a:r>
-              <a:rPr lang="en-US" dirty="0"/>
-              <a:t> </a:t>
-            </a:r>
-            <a:r>
-              <a:rPr lang="en-US" dirty="0" smtClean="0"/>
-              <a:t>(timing issue).</a:t>
-            </a:r>
-          </a:p>
-          <a:p>
-            <a:r>
-              <a:rPr lang="en-US" dirty="0" smtClean="0"/>
+              <a:t> event for the first one yet (timing issue).</a:t>
+            </a:r>
+          </a:p>
+          <a:p>
+            <a:r>
+              <a:rPr lang="en-US" dirty="0"/>
               <a:t>Video could be disabled under certain situations (packet lass, after reconnection), it can take minutes for </a:t>
             </a:r>
             <a:r>
-              <a:rPr lang="en-US" dirty="0" err="1" smtClean="0"/>
+              <a:rPr lang="en-US" dirty="0" err="1"/>
               <a:t>opentok</a:t>
             </a:r>
             <a:r>
-              <a:rPr lang="en-US" dirty="0" smtClean="0"/>
+              <a:rPr lang="en-US" dirty="0"/>
               <a:t> to re-enable it.</a:t>
             </a:r>
           </a:p>
           <a:p>
             <a:r>
-              <a:rPr lang="en-US" dirty="0" smtClean="0"/>
+              <a:rPr lang="en-US" dirty="0"/>
               <a:t>Documentation does not reflect the actual code. For example, </a:t>
             </a:r>
             <a:r>
-              <a:rPr lang="en-US" dirty="0" err="1" smtClean="0"/>
+              <a:rPr lang="en-US" dirty="0" err="1"/>
               <a:t>session.currentState</a:t>
             </a:r>
             <a:r>
-              <a:rPr lang="en-US" dirty="0" smtClean="0"/>
+              <a:rPr lang="en-US" dirty="0"/>
               <a:t> is not in doc.</a:t>
             </a:r>
           </a:p>
           <a:p>
             <a:r>
-              <a:rPr lang="en-US" dirty="0" smtClean="0"/>
+              <a:rPr lang="en-US" dirty="0"/>
               <a:t>Inadequate dynamic video/audio adjustments.</a:t>
             </a:r>
           </a:p>
           <a:p>
             <a:r>
-              <a:rPr lang="en-US" dirty="0" smtClean="0"/>
+              <a:rPr lang="en-US" dirty="0"/>
               <a:t>On Firefox TURNS is not yet supported.</a:t>
             </a:r>
-            <a:endParaRPr lang="en-US" dirty="0"/>
           </a:p>
         </p:txBody>
       </p:sp>
@@ -5239,11 +5389,11 @@
           <a:lstStyle/>
           <a:p>
             <a:r>
-              <a:rPr lang="en-US" dirty="0" smtClean="0"/>
+              <a:rPr lang="en-US" dirty="0"/>
               <a:t>Potential Sources of Problem - </a:t>
             </a:r>
             <a:r>
-              <a:rPr lang="en-US" dirty="0" err="1" smtClean="0"/>
+              <a:rPr lang="en-US" dirty="0" err="1"/>
               <a:t>cont</a:t>
             </a:r>
             <a:endParaRPr lang="en-US" dirty="0"/>
@@ -5267,19 +5417,11 @@
           <a:p>
             <a:pPr lvl="0"/>
             <a:r>
-              <a:rPr lang="en-US" dirty="0" smtClean="0"/>
-              <a:t>Timing issues. For example, </a:t>
-            </a:r>
-            <a:r>
-              <a:rPr lang="en-US" dirty="0"/>
-              <a:t>Connection timeout: </a:t>
-            </a:r>
-            <a:r>
-              <a:rPr lang="en-US" dirty="0" smtClean="0"/>
-              <a:t>60s, </a:t>
-            </a:r>
-            <a:r>
-              <a:rPr lang="en-US" dirty="0" err="1" smtClean="0"/>
+              <a:rPr lang="en-US" dirty="0"/>
+              <a:t>Timing issues. For example, Connection timeout: 60s, </a:t>
+            </a:r>
+            <a:r>
+              <a:rPr lang="en-US" dirty="0" err="1"/>
               <a:t>streamDestroyed</a:t>
             </a:r>
             <a:r>
@@ -5295,21 +5437,20 @@
               <a:t>, then about 105s for </a:t>
             </a:r>
             <a:r>
-              <a:rPr lang="en-US" dirty="0" err="1" smtClean="0"/>
+              <a:rPr lang="en-US" dirty="0" err="1"/>
               <a:t>connectionDestroyed</a:t>
             </a:r>
             <a:r>
-              <a:rPr lang="en-US" dirty="0" smtClean="0"/>
+              <a:rPr lang="en-US" dirty="0"/>
               <a:t>.</a:t>
             </a:r>
           </a:p>
           <a:p>
             <a:pPr lvl="0"/>
             <a:r>
-              <a:rPr lang="en-US" dirty="0" smtClean="0"/>
+              <a:rPr lang="en-US" dirty="0"/>
               <a:t>A stream could be created before the old one is removed. This can cause new subscription to fail (with error 12).</a:t>
             </a:r>
-            <a:endParaRPr lang="en-US" dirty="0"/>
           </a:p>
           <a:p>
             <a:endParaRPr lang="en-US" dirty="0"/>
@@ -5362,10 +5503,9 @@
           <a:lstStyle/>
           <a:p>
             <a:r>
-              <a:rPr lang="en-US" dirty="0" smtClean="0"/>
+              <a:rPr lang="en-US" dirty="0"/>
               <a:t>Potential Customer Problems</a:t>
             </a:r>
-            <a:endParaRPr lang="en-US" dirty="0"/>
           </a:p>
         </p:txBody>
       </p:sp>
@@ -5387,58 +5527,57 @@
           <a:lstStyle/>
           <a:p>
             <a:r>
-              <a:rPr lang="en-US" dirty="0" smtClean="0"/>
+              <a:rPr lang="en-US" dirty="0"/>
               <a:t>Connectivity problems. With short network interruption </a:t>
             </a:r>
             <a:r>
-              <a:rPr lang="en-US" dirty="0" err="1" smtClean="0"/>
+              <a:rPr lang="en-US" dirty="0" err="1"/>
               <a:t>opentok</a:t>
             </a:r>
             <a:r>
-              <a:rPr lang="en-US" dirty="0" smtClean="0"/>
+              <a:rPr lang="en-US" dirty="0"/>
               <a:t> can re-establish connection under certain situation. With interruption of more than 1 min </a:t>
             </a:r>
             <a:r>
-              <a:rPr lang="en-US" dirty="0" err="1" smtClean="0"/>
+              <a:rPr lang="en-US" dirty="0" err="1"/>
               <a:t>opentok</a:t>
             </a:r>
             <a:r>
-              <a:rPr lang="en-US" dirty="0" smtClean="0"/>
+              <a:rPr lang="en-US" dirty="0"/>
               <a:t> will not re-establish connection.</a:t>
             </a:r>
           </a:p>
           <a:p>
             <a:r>
-              <a:rPr lang="en-US" dirty="0" smtClean="0"/>
+              <a:rPr lang="en-US" dirty="0"/>
               <a:t>Video quality problems:</a:t>
             </a:r>
           </a:p>
           <a:p>
             <a:pPr lvl="1"/>
             <a:r>
-              <a:rPr lang="en-US" dirty="0" err="1" smtClean="0"/>
+              <a:rPr lang="en-US" dirty="0" err="1"/>
               <a:t>Opentok</a:t>
             </a:r>
             <a:r>
-              <a:rPr lang="en-US" dirty="0" smtClean="0"/>
+              <a:rPr lang="en-US" dirty="0"/>
               <a:t> can disable video for longer time than necessary.</a:t>
             </a:r>
           </a:p>
           <a:p>
             <a:pPr lvl="1"/>
             <a:r>
-              <a:rPr lang="en-US" dirty="0" smtClean="0"/>
+              <a:rPr lang="en-US" dirty="0"/>
               <a:t>Frame rate and </a:t>
             </a:r>
             <a:r>
-              <a:rPr lang="en-US" dirty="0" err="1" smtClean="0"/>
+              <a:rPr lang="en-US" dirty="0" err="1"/>
               <a:t>resulotion</a:t>
             </a:r>
             <a:r>
-              <a:rPr lang="en-US" dirty="0" smtClean="0"/>
+              <a:rPr lang="en-US" dirty="0"/>
               <a:t> dynamic adjustments less than optimal.</a:t>
             </a:r>
-            <a:endParaRPr lang="en-US" dirty="0"/>
           </a:p>
         </p:txBody>
       </p:sp>
@@ -5488,78 +5627,45 @@
           <a:lstStyle/>
           <a:p>
             <a:r>
-              <a:rPr lang="en-US" dirty="0" smtClean="0"/>
-              <a:t>Connectivity Issues</a:t>
-            </a:r>
-            <a:endParaRPr lang="en-US" dirty="0"/>
-          </a:p>
-        </p:txBody>
-      </p:sp>
-      <p:sp>
-        <p:nvSpPr>
-          <p:cNvPr id="3" name="Content Placeholder 2"/>
-          <p:cNvSpPr>
-            <a:spLocks noGrp="1"/>
-          </p:cNvSpPr>
+              <a:rPr lang="en-US" dirty="0"/>
+              <a:t>When Video is Disabled</a:t>
+            </a:r>
+          </a:p>
+        </p:txBody>
+      </p:sp>
+      <p:pic>
+        <p:nvPicPr>
+          <p:cNvPr id="4" name="Content Placeholder 3"/>
+          <p:cNvPicPr>
+            <a:picLocks noGrp="1" noChangeAspect="1"/>
+          </p:cNvPicPr>
           <p:nvPr>
             <p:ph idx="1"/>
           </p:nvPr>
-        </p:nvSpPr>
-        <p:spPr/>
-        <p:txBody>
-          <a:bodyPr>
-            <a:normAutofit lnSpcReduction="10000"/>
-          </a:bodyPr>
-          <a:lstStyle/>
-          <a:p>
-            <a:r>
-              <a:rPr lang="en-US" dirty="0" smtClean="0"/>
-              <a:t>With short interruptions, </a:t>
-            </a:r>
-            <a:r>
-              <a:rPr lang="en-US" dirty="0" err="1" smtClean="0"/>
-              <a:t>opentok</a:t>
-            </a:r>
-            <a:r>
-              <a:rPr lang="en-US" dirty="0" smtClean="0"/>
-              <a:t> might or might not be able to recovery (depending on the network – same or different).</a:t>
-            </a:r>
-          </a:p>
-          <a:p>
-            <a:r>
-              <a:rPr lang="en-US" dirty="0" smtClean="0"/>
-              <a:t>With longer interruptions (&gt;1m) </a:t>
-            </a:r>
-            <a:r>
-              <a:rPr lang="en-US" dirty="0" err="1" smtClean="0"/>
-              <a:t>opentok</a:t>
-            </a:r>
-            <a:r>
-              <a:rPr lang="en-US" dirty="0" smtClean="0"/>
-              <a:t> will not recovery.</a:t>
-            </a:r>
-          </a:p>
-          <a:p>
-            <a:r>
-              <a:rPr lang="en-US" dirty="0" smtClean="0"/>
-              <a:t>Currently we do not handle recovery beyond what </a:t>
-            </a:r>
-            <a:r>
-              <a:rPr lang="en-US" dirty="0" err="1" smtClean="0"/>
-              <a:t>opentok</a:t>
-            </a:r>
-            <a:r>
-              <a:rPr lang="en-US" dirty="0" smtClean="0"/>
-              <a:t> does. Which means with any network interruption, customer will most likely lose video/audio stream.</a:t>
-            </a:r>
-            <a:endParaRPr lang="en-US" dirty="0"/>
-          </a:p>
-        </p:txBody>
-      </p:sp>
+        </p:nvPicPr>
+        <p:blipFill>
+          <a:blip r:embed="rId2">
+            <a:extLst>
+              <a:ext uri="{28A0092B-C50C-407E-A947-70E740481C1C}">
+                <a14:useLocalDpi xmlns:a14="http://schemas.microsoft.com/office/drawing/2010/main" val="0"/>
+              </a:ext>
+            </a:extLst>
+          </a:blip>
+          <a:stretch>
+            <a:fillRect/>
+          </a:stretch>
+        </p:blipFill>
+        <p:spPr>
+          <a:xfrm>
+            <a:off x="457200" y="2215084"/>
+            <a:ext cx="8229600" cy="3296194"/>
+          </a:xfrm>
+        </p:spPr>
+      </p:pic>
     </p:spTree>
     <p:extLst>
       <p:ext uri="{BB962C8B-B14F-4D97-AF65-F5344CB8AC3E}">
-        <p14:creationId xmlns:p14="http://schemas.microsoft.com/office/powerpoint/2010/main" val="1099422992"/>
+        <p14:creationId xmlns:p14="http://schemas.microsoft.com/office/powerpoint/2010/main" val="1658299070"/>
       </p:ext>
     </p:extLst>
   </p:cSld>

--- a/opentokvideofix/OpenTok Issues and Solutions.pptx
+++ b/opentokvideofix/OpenTok Issues and Solutions.pptx
@@ -317,7 +317,7 @@
           <a:p>
             <a:fld id="{D8E3FDB8-C0C7-4287-B5B6-B6843C4FDA16}" type="datetimeFigureOut">
               <a:rPr lang="en-US" smtClean="0"/>
-              <a:t>1/16/2017</a:t>
+              <a:t>1/17/2017</a:t>
             </a:fld>
             <a:endParaRPr lang="en-US"/>
           </a:p>
@@ -485,7 +485,7 @@
           <a:p>
             <a:fld id="{D8E3FDB8-C0C7-4287-B5B6-B6843C4FDA16}" type="datetimeFigureOut">
               <a:rPr lang="en-US" smtClean="0"/>
-              <a:t>1/16/2017</a:t>
+              <a:t>1/17/2017</a:t>
             </a:fld>
             <a:endParaRPr lang="en-US"/>
           </a:p>
@@ -663,7 +663,7 @@
           <a:p>
             <a:fld id="{D8E3FDB8-C0C7-4287-B5B6-B6843C4FDA16}" type="datetimeFigureOut">
               <a:rPr lang="en-US" smtClean="0"/>
-              <a:t>1/16/2017</a:t>
+              <a:t>1/17/2017</a:t>
             </a:fld>
             <a:endParaRPr lang="en-US"/>
           </a:p>
@@ -831,7 +831,7 @@
           <a:p>
             <a:fld id="{D8E3FDB8-C0C7-4287-B5B6-B6843C4FDA16}" type="datetimeFigureOut">
               <a:rPr lang="en-US" smtClean="0"/>
-              <a:t>1/16/2017</a:t>
+              <a:t>1/17/2017</a:t>
             </a:fld>
             <a:endParaRPr lang="en-US"/>
           </a:p>
@@ -1076,7 +1076,7 @@
           <a:p>
             <a:fld id="{D8E3FDB8-C0C7-4287-B5B6-B6843C4FDA16}" type="datetimeFigureOut">
               <a:rPr lang="en-US" smtClean="0"/>
-              <a:t>1/16/2017</a:t>
+              <a:t>1/17/2017</a:t>
             </a:fld>
             <a:endParaRPr lang="en-US"/>
           </a:p>
@@ -1361,7 +1361,7 @@
           <a:p>
             <a:fld id="{D8E3FDB8-C0C7-4287-B5B6-B6843C4FDA16}" type="datetimeFigureOut">
               <a:rPr lang="en-US" smtClean="0"/>
-              <a:t>1/16/2017</a:t>
+              <a:t>1/17/2017</a:t>
             </a:fld>
             <a:endParaRPr lang="en-US"/>
           </a:p>
@@ -1780,7 +1780,7 @@
           <a:p>
             <a:fld id="{D8E3FDB8-C0C7-4287-B5B6-B6843C4FDA16}" type="datetimeFigureOut">
               <a:rPr lang="en-US" smtClean="0"/>
-              <a:t>1/16/2017</a:t>
+              <a:t>1/17/2017</a:t>
             </a:fld>
             <a:endParaRPr lang="en-US"/>
           </a:p>
@@ -1897,7 +1897,7 @@
           <a:p>
             <a:fld id="{D8E3FDB8-C0C7-4287-B5B6-B6843C4FDA16}" type="datetimeFigureOut">
               <a:rPr lang="en-US" smtClean="0"/>
-              <a:t>1/16/2017</a:t>
+              <a:t>1/17/2017</a:t>
             </a:fld>
             <a:endParaRPr lang="en-US"/>
           </a:p>
@@ -1992,7 +1992,7 @@
           <a:p>
             <a:fld id="{D8E3FDB8-C0C7-4287-B5B6-B6843C4FDA16}" type="datetimeFigureOut">
               <a:rPr lang="en-US" smtClean="0"/>
-              <a:t>1/16/2017</a:t>
+              <a:t>1/17/2017</a:t>
             </a:fld>
             <a:endParaRPr lang="en-US"/>
           </a:p>
@@ -2267,7 +2267,7 @@
           <a:p>
             <a:fld id="{D8E3FDB8-C0C7-4287-B5B6-B6843C4FDA16}" type="datetimeFigureOut">
               <a:rPr lang="en-US" smtClean="0"/>
-              <a:t>1/16/2017</a:t>
+              <a:t>1/17/2017</a:t>
             </a:fld>
             <a:endParaRPr lang="en-US"/>
           </a:p>
@@ -2519,7 +2519,7 @@
           <a:p>
             <a:fld id="{D8E3FDB8-C0C7-4287-B5B6-B6843C4FDA16}" type="datetimeFigureOut">
               <a:rPr lang="en-US" smtClean="0"/>
-              <a:t>1/16/2017</a:t>
+              <a:t>1/17/2017</a:t>
             </a:fld>
             <a:endParaRPr lang="en-US"/>
           </a:p>
@@ -2730,7 +2730,7 @@
           <a:p>
             <a:fld id="{D8E3FDB8-C0C7-4287-B5B6-B6843C4FDA16}" type="datetimeFigureOut">
               <a:rPr lang="en-US" smtClean="0"/>
-              <a:t>1/16/2017</a:t>
+              <a:t>1/17/2017</a:t>
             </a:fld>
             <a:endParaRPr lang="en-US"/>
           </a:p>
@@ -3123,12 +3123,8 @@
           <a:lstStyle/>
           <a:p>
             <a:r>
-              <a:rPr lang="en-US" sz="4000" dirty="0" err="1"/>
-              <a:t>OpenTok</a:t>
-            </a:r>
-            <a:r>
               <a:rPr lang="en-US" sz="4000" dirty="0"/>
-              <a:t> Video Issues and Solutions</a:t>
+              <a:t>OpenTok Video Issues and Solutions</a:t>
             </a:r>
           </a:p>
         </p:txBody>
@@ -3307,43 +3303,19 @@
           <a:p>
             <a:r>
               <a:rPr lang="en-US" dirty="0"/>
-              <a:t>With short interruptions, </a:t>
-            </a:r>
-            <a:r>
-              <a:rPr lang="en-US" dirty="0" err="1"/>
-              <a:t>opentok</a:t>
-            </a:r>
-            <a:r>
-              <a:rPr lang="en-US" dirty="0"/>
-              <a:t> might or might not be able to recovery (depending on the network – same or different).</a:t>
-            </a:r>
-          </a:p>
-          <a:p>
-            <a:r>
-              <a:rPr lang="en-US" dirty="0"/>
-              <a:t>With longer interruptions (&gt;1m) </a:t>
-            </a:r>
-            <a:r>
-              <a:rPr lang="en-US" dirty="0" err="1"/>
-              <a:t>opentok</a:t>
-            </a:r>
-            <a:r>
-              <a:rPr lang="en-US" dirty="0"/>
-              <a:t> will not recovery.</a:t>
-            </a:r>
-          </a:p>
-          <a:p>
-            <a:r>
-              <a:rPr lang="en-US" dirty="0"/>
-              <a:t>Currently we do not handle recovery beyond what </a:t>
-            </a:r>
-            <a:r>
-              <a:rPr lang="en-US" dirty="0" err="1"/>
-              <a:t>opentok</a:t>
-            </a:r>
-            <a:r>
-              <a:rPr lang="en-US" dirty="0"/>
-              <a:t> does. Which means with any network interruption, customer will most likely lose video/audio stream.</a:t>
+              <a:t>With short interruptions, openTok might or might not be able to recover (depending on the network – same or different).</a:t>
+            </a:r>
+          </a:p>
+          <a:p>
+            <a:r>
+              <a:rPr lang="en-US" dirty="0"/>
+              <a:t>With longer interruptions (&gt;1m) openTok will not recover(by design).</a:t>
+            </a:r>
+          </a:p>
+          <a:p>
+            <a:r>
+              <a:rPr lang="en-US" dirty="0"/>
+              <a:t>Currently we do not handle recovery beyond what openTok does. Which means with any network interruption, customer will most likely lose video/audio stream.</a:t>
             </a:r>
           </a:p>
         </p:txBody>
@@ -3413,13 +3385,13 @@
         <p:spPr/>
         <p:txBody>
           <a:bodyPr>
-            <a:normAutofit fontScale="85000" lnSpcReduction="10000"/>
+            <a:normAutofit fontScale="85000" lnSpcReduction="20000"/>
           </a:bodyPr>
           <a:lstStyle/>
           <a:p>
             <a:r>
               <a:rPr lang="en-US" dirty="0"/>
-              <a:t>Initially we’ve tried to rely on the events to recover from interruption. The strategy proves to be unreliable (may work 70% of the time) because: </a:t>
+              <a:t>Initially we’ve tried to rely on the events to recover from interruption. The strategy proves to be unreliable (may work 50-70% of the time) because: </a:t>
             </a:r>
           </a:p>
           <a:p>
@@ -3433,13 +3405,8 @@
             <a:pPr lvl="1"/>
             <a:r>
               <a:rPr lang="en-US" dirty="0"/>
-              <a:t>Might create multiple publishers and/</a:t>
-            </a:r>
-            <a:r>
-              <a:rPr lang="en-US"/>
-              <a:t>or subscribers.</a:t>
-            </a:r>
-            <a:endParaRPr lang="en-US" dirty="0"/>
+              <a:t>Might create multiple publishers and/or subscribers.</a:t>
+            </a:r>
           </a:p>
           <a:p>
             <a:pPr lvl="1"/>
@@ -3451,21 +3418,13 @@
           <a:p>
             <a:r>
               <a:rPr lang="en-US" dirty="0"/>
-              <a:t>A monitoring strategy is implemented. After thorough testing, it is proven to be faster and more effective.</a:t>
-            </a:r>
-          </a:p>
-          <a:p>
-            <a:r>
-              <a:rPr lang="en-US" dirty="0"/>
-              <a:t>Take advantage of the signaling support from </a:t>
-            </a:r>
-            <a:r>
-              <a:rPr lang="en-US" dirty="0" err="1"/>
-              <a:t>opentok</a:t>
-            </a:r>
-            <a:r>
-              <a:rPr lang="en-US" dirty="0"/>
-              <a:t> for effective monitoring of network connection.</a:t>
+              <a:t>A monitoring strategy is implemented. After thorough testing, it is proven to be faster and more effective. Reliability is more than 95%.</a:t>
+            </a:r>
+          </a:p>
+          <a:p>
+            <a:r>
+              <a:rPr lang="en-US" dirty="0"/>
+              <a:t>Take advantage of the signaling support from openTok for effective monitoring of network connection.</a:t>
             </a:r>
           </a:p>
         </p:txBody>
@@ -4681,36 +4640,16 @@
             </a:pPr>
             <a:r>
               <a:rPr lang="en-US" dirty="0"/>
-              <a:t>By capturing </a:t>
-            </a:r>
-            <a:r>
-              <a:rPr lang="en-US" dirty="0" err="1"/>
-              <a:t>videoDisabled</a:t>
-            </a:r>
-            <a:r>
-              <a:rPr lang="en-US" dirty="0"/>
-              <a:t> event on subscriber, we can quickly re-</a:t>
-            </a:r>
-            <a:r>
-              <a:rPr lang="en-US" dirty="0" err="1"/>
-              <a:t>eanble</a:t>
-            </a:r>
-            <a:r>
-              <a:rPr lang="en-US" dirty="0"/>
-              <a:t> the video. </a:t>
-            </a:r>
-          </a:p>
-          <a:p>
-            <a:pPr marL="0" indent="0">
-              <a:buNone/>
-            </a:pPr>
-            <a:r>
-              <a:rPr lang="en-US" dirty="0" err="1"/>
-              <a:t>Opentok</a:t>
-            </a:r>
-            <a:r>
-              <a:rPr lang="en-US" dirty="0"/>
-              <a:t> disables video when serious package loss is detected. But in reality, this happens mostly during short network interruption. When the network is back, video should be resumed.</a:t>
+              <a:t>By capturing videoDisabled event on subscriber, we can quickly re-enable the video. </a:t>
+            </a:r>
+          </a:p>
+          <a:p>
+            <a:pPr marL="0" indent="0">
+              <a:buNone/>
+            </a:pPr>
+            <a:r>
+              <a:rPr lang="en-US" dirty="0"/>
+              <a:t>OpenTok disables video when serious package loss is detected. But in reality, this happens mostly during short network interruption. When the network is back, video should be resumed.</a:t>
             </a:r>
           </a:p>
         </p:txBody>
@@ -4796,15 +4735,7 @@
             <a:pPr lvl="1"/>
             <a:r>
               <a:rPr lang="en-US" dirty="0"/>
-              <a:t>We will have to disable </a:t>
-            </a:r>
-            <a:r>
-              <a:rPr lang="en-US" dirty="0" err="1"/>
-              <a:t>opentok’s</a:t>
-            </a:r>
-            <a:r>
-              <a:rPr lang="en-US" dirty="0"/>
-              <a:t> default video quality control.</a:t>
+              <a:t>We will have to disable openTok’s default video quality control.</a:t>
             </a:r>
           </a:p>
           <a:p>
@@ -4869,12 +4800,8 @@
           <a:lstStyle/>
           <a:p>
             <a:r>
-              <a:rPr lang="en-US" dirty="0" err="1"/>
-              <a:t>OpenTok</a:t>
-            </a:r>
-            <a:r>
-              <a:rPr lang="en-US" dirty="0"/>
-              <a:t> Basics I</a:t>
+              <a:rPr lang="en-US" dirty="0"/>
+              <a:t>OpenTok Basics I</a:t>
             </a:r>
           </a:p>
         </p:txBody>
@@ -4892,27 +4819,19 @@
         <p:spPr/>
         <p:txBody>
           <a:bodyPr>
-            <a:normAutofit/>
+            <a:normAutofit lnSpcReduction="10000"/>
           </a:bodyPr>
           <a:lstStyle/>
           <a:p>
             <a:r>
               <a:rPr lang="en-US" dirty="0"/>
-              <a:t>A session connection is created by a client that connect to a particular session. All clients connected to the same session can “see” each other, thus have video/audio conversations.</a:t>
-            </a:r>
-          </a:p>
-          <a:p>
-            <a:r>
-              <a:rPr lang="en-US" dirty="0"/>
-              <a:t>Call </a:t>
-            </a:r>
-            <a:r>
-              <a:rPr lang="en-US" dirty="0" err="1"/>
-              <a:t>OpenTok</a:t>
-            </a:r>
-            <a:r>
-              <a:rPr lang="en-US" dirty="0"/>
-              <a:t> new session API to create a </a:t>
+              <a:t>A session connection is created by a client that connect to a particular session. All clients connected to the same session can “see” each other, thus can have video/audio conversations.</a:t>
+            </a:r>
+          </a:p>
+          <a:p>
+            <a:r>
+              <a:rPr lang="en-US" dirty="0"/>
+              <a:t>Call OpenTok new session API to create a </a:t>
             </a:r>
             <a:r>
               <a:rPr lang="en-US" dirty="0" err="1"/>
@@ -4979,12 +4898,8 @@
           <a:lstStyle/>
           <a:p>
             <a:r>
-              <a:rPr lang="en-US" dirty="0" err="1"/>
-              <a:t>OpenTok</a:t>
-            </a:r>
-            <a:r>
-              <a:rPr lang="en-US" dirty="0"/>
-              <a:t> Basics II</a:t>
+              <a:rPr lang="en-US" dirty="0"/>
+              <a:t>OpenTok Basics II</a:t>
             </a:r>
           </a:p>
         </p:txBody>
@@ -5014,7 +4929,19 @@
           <a:p>
             <a:r>
               <a:rPr lang="en-US" dirty="0"/>
-              <a:t>Publishing requires a session connection, but it does not require network. Publishing creates a publisher. A publisher object gets destroyed when a session connection is gone or when unpublished.</a:t>
+              <a:t>Publishing requires a session connection, </a:t>
+            </a:r>
+            <a:r>
+              <a:rPr lang="en-US" dirty="0">
+                <a:highlight>
+                  <a:srgbClr val="FFFF00"/>
+                </a:highlight>
+              </a:rPr>
+              <a:t>but it does not require network</a:t>
+            </a:r>
+            <a:r>
+              <a:rPr lang="en-US" dirty="0"/>
+              <a:t>. Publishing creates a publisher. A publisher object gets destroyed when a session connection is gone or when unpublished.</a:t>
             </a:r>
           </a:p>
           <a:p>
@@ -5082,7 +5009,7 @@
       </p:sp>
       <p:pic>
         <p:nvPicPr>
-          <p:cNvPr id="6" name="Content Placeholder 5"/>
+          <p:cNvPr id="4" name="Content Placeholder 3"/>
           <p:cNvPicPr>
             <a:picLocks noGrp="1" noChangeAspect="1"/>
           </p:cNvPicPr>
@@ -5104,8 +5031,8 @@
         </p:blipFill>
         <p:spPr>
           <a:xfrm>
-            <a:off x="820060" y="1600200"/>
-            <a:ext cx="7503880" cy="4525963"/>
+            <a:off x="992767" y="1600200"/>
+            <a:ext cx="7158465" cy="4525963"/>
           </a:xfrm>
         </p:spPr>
       </p:pic>
@@ -5261,58 +5188,54 @@
           <a:p>
             <a:r>
               <a:rPr lang="en-US" dirty="0"/>
-              <a:t>Publish could cause one or more </a:t>
-            </a:r>
-            <a:r>
-              <a:rPr lang="en-US" dirty="0" err="1"/>
+              <a:t>Publish could cause </a:t>
+            </a:r>
+            <a:r>
+              <a:rPr lang="en-US" dirty="0">
+                <a:highlight>
+                  <a:srgbClr val="FFFF00"/>
+                </a:highlight>
+              </a:rPr>
+              <a:t>one or more </a:t>
+            </a:r>
+            <a:r>
+              <a:rPr lang="en-US" dirty="0" err="1">
+                <a:highlight>
+                  <a:srgbClr val="FFFF00"/>
+                </a:highlight>
+              </a:rPr>
               <a:t>streamCreated</a:t>
             </a:r>
             <a:r>
-              <a:rPr lang="en-US" dirty="0"/>
-              <a:t> events (I’ve see 2, 3 or 4 of them).</a:t>
-            </a:r>
-          </a:p>
-          <a:p>
-            <a:r>
-              <a:rPr lang="en-US" dirty="0"/>
-              <a:t>When network is disrupted, </a:t>
-            </a:r>
-            <a:r>
-              <a:rPr lang="en-US" dirty="0" err="1"/>
-              <a:t>openTok</a:t>
-            </a:r>
-            <a:r>
-              <a:rPr lang="en-US" dirty="0"/>
-              <a:t> will try to re-establish the connection once, then it will disconnect.</a:t>
+              <a:rPr lang="en-US" dirty="0">
+                <a:highlight>
+                  <a:srgbClr val="FFFF00"/>
+                </a:highlight>
+              </a:rPr>
+              <a:t> events </a:t>
+            </a:r>
+            <a:r>
+              <a:rPr lang="en-US" dirty="0"/>
+              <a:t>(I’ve see 2, 3 or 4 of them).</a:t>
+            </a:r>
+          </a:p>
+          <a:p>
+            <a:r>
+              <a:rPr lang="en-US" dirty="0"/>
+              <a:t>When network is disrupted, openTok will try to re-establish the connection once, then it will disconnect. The timeout is about 60 s.</a:t>
             </a:r>
           </a:p>
           <a:p>
             <a:pPr lvl="0"/>
             <a:r>
               <a:rPr lang="en-US" dirty="0"/>
-              <a:t>When a new connection is created, we will have a new id. But the other side might not get </a:t>
-            </a:r>
-            <a:r>
-              <a:rPr lang="en-US" dirty="0" err="1"/>
-              <a:t>connectionDestroyed</a:t>
-            </a:r>
-            <a:r>
-              <a:rPr lang="en-US" dirty="0"/>
-              <a:t> event for the first one yet (timing issue).</a:t>
-            </a:r>
-          </a:p>
-          <a:p>
-            <a:r>
-              <a:rPr lang="en-US" dirty="0"/>
-              <a:t>Video could be disabled under certain situations (packet lass, after reconnection), it can take minutes for </a:t>
-            </a:r>
-            <a:r>
-              <a:rPr lang="en-US" dirty="0" err="1"/>
-              <a:t>opentok</a:t>
-            </a:r>
-            <a:r>
-              <a:rPr lang="en-US" dirty="0"/>
-              <a:t> to re-enable it.</a:t>
+              <a:t>When a new connection is created, we will have a new id. But the other side might not get connectionDestroyed event for the first one yet (timing issue).</a:t>
+            </a:r>
+          </a:p>
+          <a:p>
+            <a:r>
+              <a:rPr lang="en-US" dirty="0"/>
+              <a:t>Video could be disabled under certain situations (packet loss, after reconnection), it can take minutes for openTok to re-enable it.</a:t>
             </a:r>
           </a:p>
           <a:p>
@@ -5418,31 +5341,7 @@
             <a:pPr lvl="0"/>
             <a:r>
               <a:rPr lang="en-US" dirty="0"/>
-              <a:t>Timing issues. For example, Connection timeout: 60s, </a:t>
-            </a:r>
-            <a:r>
-              <a:rPr lang="en-US" dirty="0" err="1"/>
-              <a:t>streamDestroyed</a:t>
-            </a:r>
-            <a:r>
-              <a:rPr lang="en-US" dirty="0"/>
-              <a:t>, 65s for self </a:t>
-            </a:r>
-            <a:r>
-              <a:rPr lang="en-US" dirty="0" err="1"/>
-              <a:t>sessionDisconnected</a:t>
-            </a:r>
-            <a:r>
-              <a:rPr lang="en-US" dirty="0"/>
-              <a:t>, then about 105s for </a:t>
-            </a:r>
-            <a:r>
-              <a:rPr lang="en-US" dirty="0" err="1"/>
-              <a:t>connectionDestroyed</a:t>
-            </a:r>
-            <a:r>
-              <a:rPr lang="en-US" dirty="0"/>
-              <a:t>.</a:t>
+              <a:t>Timing issues. For example, Connection timeout: 60s, streamDestroyed, 65s for self sessionDisconnected, then about 105s for connectionDestroyed.</a:t>
             </a:r>
           </a:p>
           <a:p>
@@ -5528,23 +5427,7 @@
           <a:p>
             <a:r>
               <a:rPr lang="en-US" dirty="0"/>
-              <a:t>Connectivity problems. With short network interruption </a:t>
-            </a:r>
-            <a:r>
-              <a:rPr lang="en-US" dirty="0" err="1"/>
-              <a:t>opentok</a:t>
-            </a:r>
-            <a:r>
-              <a:rPr lang="en-US" dirty="0"/>
-              <a:t> can re-establish connection under certain situation. With interruption of more than 1 min </a:t>
-            </a:r>
-            <a:r>
-              <a:rPr lang="en-US" dirty="0" err="1"/>
-              <a:t>opentok</a:t>
-            </a:r>
-            <a:r>
-              <a:rPr lang="en-US" dirty="0"/>
-              <a:t> will not re-establish connection.</a:t>
+              <a:t>Connectivity problems. With short network interruption openTok can re-establish connection under certain situation (not 100%). With interruption of more than 1 m openTok will not re-establish connection.</a:t>
             </a:r>
           </a:p>
           <a:p>
@@ -5556,27 +5439,15 @@
           <a:p>
             <a:pPr lvl="1"/>
             <a:r>
-              <a:rPr lang="en-US" dirty="0" err="1"/>
-              <a:t>Opentok</a:t>
-            </a:r>
-            <a:r>
-              <a:rPr lang="en-US" dirty="0"/>
-              <a:t> can disable video for longer time than necessary.</a:t>
+              <a:rPr lang="en-US" dirty="0"/>
+              <a:t>OpenTok can disable video for longer time than necessary.</a:t>
             </a:r>
           </a:p>
           <a:p>
             <a:pPr lvl="1"/>
             <a:r>
               <a:rPr lang="en-US" dirty="0"/>
-              <a:t>Frame rate and </a:t>
-            </a:r>
-            <a:r>
-              <a:rPr lang="en-US" dirty="0" err="1"/>
-              <a:t>resulotion</a:t>
-            </a:r>
-            <a:r>
-              <a:rPr lang="en-US" dirty="0"/>
-              <a:t> dynamic adjustments less than optimal.</a:t>
+              <a:t>Frame rate and resolution dynamic adjustments less than optimal.</a:t>
             </a:r>
           </a:p>
         </p:txBody>

--- a/opentokvideofix/OpenTok Issues and Solutions.pptx
+++ b/opentokvideofix/OpenTok Issues and Solutions.pptx
@@ -3123,7 +3123,7 @@
           <a:lstStyle/>
           <a:p>
             <a:r>
-              <a:rPr lang="en-US" sz="4000" dirty="0"/>
+              <a:rPr lang="en-US" dirty="0"/>
               <a:t>OpenTok Video Issues and Solutions</a:t>
             </a:r>
           </a:p>
@@ -3146,7 +3146,7 @@
           <a:p>
             <a:r>
               <a:rPr lang="en-US" dirty="0"/>
-              <a:t>Prototype implementation</a:t>
+              <a:t>With prototype implementation</a:t>
             </a:r>
           </a:p>
         </p:txBody>

--- a/opentokvideofix/OpenTok Issues and Solutions.pptx
+++ b/opentokvideofix/OpenTok Issues and Solutions.pptx
@@ -17,10 +17,11 @@
     <p:sldId id="271" r:id="rId11"/>
     <p:sldId id="263" r:id="rId12"/>
     <p:sldId id="264" r:id="rId13"/>
-    <p:sldId id="265" r:id="rId14"/>
-    <p:sldId id="266" r:id="rId15"/>
-    <p:sldId id="267" r:id="rId16"/>
-    <p:sldId id="268" r:id="rId17"/>
+    <p:sldId id="272" r:id="rId14"/>
+    <p:sldId id="265" r:id="rId15"/>
+    <p:sldId id="266" r:id="rId16"/>
+    <p:sldId id="267" r:id="rId17"/>
+    <p:sldId id="268" r:id="rId18"/>
   </p:sldIdLst>
   <p:sldSz cx="9144000" cy="6858000" type="screen4x3"/>
   <p:notesSz cx="6858000" cy="9144000"/>
@@ -317,7 +318,7 @@
           <a:p>
             <a:fld id="{D8E3FDB8-C0C7-4287-B5B6-B6843C4FDA16}" type="datetimeFigureOut">
               <a:rPr lang="en-US" smtClean="0"/>
-              <a:t>1/17/2017</a:t>
+              <a:t>3/13/2017</a:t>
             </a:fld>
             <a:endParaRPr lang="en-US"/>
           </a:p>
@@ -485,7 +486,7 @@
           <a:p>
             <a:fld id="{D8E3FDB8-C0C7-4287-B5B6-B6843C4FDA16}" type="datetimeFigureOut">
               <a:rPr lang="en-US" smtClean="0"/>
-              <a:t>1/17/2017</a:t>
+              <a:t>3/13/2017</a:t>
             </a:fld>
             <a:endParaRPr lang="en-US"/>
           </a:p>
@@ -663,7 +664,7 @@
           <a:p>
             <a:fld id="{D8E3FDB8-C0C7-4287-B5B6-B6843C4FDA16}" type="datetimeFigureOut">
               <a:rPr lang="en-US" smtClean="0"/>
-              <a:t>1/17/2017</a:t>
+              <a:t>3/13/2017</a:t>
             </a:fld>
             <a:endParaRPr lang="en-US"/>
           </a:p>
@@ -831,7 +832,7 @@
           <a:p>
             <a:fld id="{D8E3FDB8-C0C7-4287-B5B6-B6843C4FDA16}" type="datetimeFigureOut">
               <a:rPr lang="en-US" smtClean="0"/>
-              <a:t>1/17/2017</a:t>
+              <a:t>3/13/2017</a:t>
             </a:fld>
             <a:endParaRPr lang="en-US"/>
           </a:p>
@@ -1076,7 +1077,7 @@
           <a:p>
             <a:fld id="{D8E3FDB8-C0C7-4287-B5B6-B6843C4FDA16}" type="datetimeFigureOut">
               <a:rPr lang="en-US" smtClean="0"/>
-              <a:t>1/17/2017</a:t>
+              <a:t>3/13/2017</a:t>
             </a:fld>
             <a:endParaRPr lang="en-US"/>
           </a:p>
@@ -1361,7 +1362,7 @@
           <a:p>
             <a:fld id="{D8E3FDB8-C0C7-4287-B5B6-B6843C4FDA16}" type="datetimeFigureOut">
               <a:rPr lang="en-US" smtClean="0"/>
-              <a:t>1/17/2017</a:t>
+              <a:t>3/13/2017</a:t>
             </a:fld>
             <a:endParaRPr lang="en-US"/>
           </a:p>
@@ -1780,7 +1781,7 @@
           <a:p>
             <a:fld id="{D8E3FDB8-C0C7-4287-B5B6-B6843C4FDA16}" type="datetimeFigureOut">
               <a:rPr lang="en-US" smtClean="0"/>
-              <a:t>1/17/2017</a:t>
+              <a:t>3/13/2017</a:t>
             </a:fld>
             <a:endParaRPr lang="en-US"/>
           </a:p>
@@ -1897,7 +1898,7 @@
           <a:p>
             <a:fld id="{D8E3FDB8-C0C7-4287-B5B6-B6843C4FDA16}" type="datetimeFigureOut">
               <a:rPr lang="en-US" smtClean="0"/>
-              <a:t>1/17/2017</a:t>
+              <a:t>3/13/2017</a:t>
             </a:fld>
             <a:endParaRPr lang="en-US"/>
           </a:p>
@@ -1992,7 +1993,7 @@
           <a:p>
             <a:fld id="{D8E3FDB8-C0C7-4287-B5B6-B6843C4FDA16}" type="datetimeFigureOut">
               <a:rPr lang="en-US" smtClean="0"/>
-              <a:t>1/17/2017</a:t>
+              <a:t>3/13/2017</a:t>
             </a:fld>
             <a:endParaRPr lang="en-US"/>
           </a:p>
@@ -2267,7 +2268,7 @@
           <a:p>
             <a:fld id="{D8E3FDB8-C0C7-4287-B5B6-B6843C4FDA16}" type="datetimeFigureOut">
               <a:rPr lang="en-US" smtClean="0"/>
-              <a:t>1/17/2017</a:t>
+              <a:t>3/13/2017</a:t>
             </a:fld>
             <a:endParaRPr lang="en-US"/>
           </a:p>
@@ -2519,7 +2520,7 @@
           <a:p>
             <a:fld id="{D8E3FDB8-C0C7-4287-B5B6-B6843C4FDA16}" type="datetimeFigureOut">
               <a:rPr lang="en-US" smtClean="0"/>
-              <a:t>1/17/2017</a:t>
+              <a:t>3/13/2017</a:t>
             </a:fld>
             <a:endParaRPr lang="en-US"/>
           </a:p>
@@ -2730,7 +2731,7 @@
           <a:p>
             <a:fld id="{D8E3FDB8-C0C7-4287-B5B6-B6843C4FDA16}" type="datetimeFigureOut">
               <a:rPr lang="en-US" smtClean="0"/>
-              <a:t>1/17/2017</a:t>
+              <a:t>3/13/2017</a:t>
             </a:fld>
             <a:endParaRPr lang="en-US"/>
           </a:p>
@@ -3471,452 +3472,69 @@
         </p:nvSpPr>
         <p:spPr/>
         <p:txBody>
+          <a:bodyPr/>
+          <a:lstStyle/>
+          <a:p>
+            <a:r>
+              <a:rPr lang="en-US" dirty="0"/>
+              <a:t>More problems</a:t>
+            </a:r>
+          </a:p>
+        </p:txBody>
+      </p:sp>
+      <p:sp>
+        <p:nvSpPr>
+          <p:cNvPr id="3" name="Content Placeholder 2"/>
+          <p:cNvSpPr>
+            <a:spLocks noGrp="1"/>
+          </p:cNvSpPr>
+          <p:nvPr>
+            <p:ph idx="1"/>
+          </p:nvPr>
+        </p:nvSpPr>
+        <p:spPr/>
+        <p:txBody>
           <a:bodyPr>
-            <a:normAutofit/>
+            <a:normAutofit fontScale="77500" lnSpcReduction="20000"/>
           </a:bodyPr>
           <a:lstStyle/>
           <a:p>
             <a:r>
               <a:rPr lang="en-US" dirty="0"/>
-              <a:t>Connectivity Solution – </a:t>
-            </a:r>
-            <a:r>
-              <a:rPr lang="en-US" sz="3100" dirty="0"/>
-              <a:t>code snippet</a:t>
-            </a:r>
-          </a:p>
-        </p:txBody>
-      </p:sp>
-      <p:sp>
-        <p:nvSpPr>
-          <p:cNvPr id="3" name="Content Placeholder 2"/>
-          <p:cNvSpPr>
-            <a:spLocks noGrp="1"/>
-          </p:cNvSpPr>
-          <p:nvPr>
-            <p:ph idx="1"/>
-          </p:nvPr>
-        </p:nvSpPr>
-        <p:spPr/>
-        <p:txBody>
-          <a:bodyPr>
-            <a:noAutofit/>
-          </a:bodyPr>
-          <a:lstStyle/>
-          <a:p>
-            <a:pPr marL="0" indent="0">
-              <a:buNone/>
-            </a:pPr>
-            <a:r>
-              <a:rPr lang="en-US" sz="800" dirty="0"/>
-              <a:t> </a:t>
-            </a:r>
-            <a:r>
-              <a:rPr lang="en-US" sz="800" dirty="0" err="1"/>
-              <a:t>var</a:t>
-            </a:r>
-            <a:r>
-              <a:rPr lang="en-US" sz="800" dirty="0"/>
-              <a:t> </a:t>
-            </a:r>
-            <a:r>
-              <a:rPr lang="en-US" sz="800" dirty="0" err="1"/>
-              <a:t>prevStats</a:t>
-            </a:r>
-            <a:r>
-              <a:rPr lang="en-US" sz="800" dirty="0"/>
-              <a:t>;</a:t>
-            </a:r>
-          </a:p>
-          <a:p>
-            <a:pPr marL="0" indent="0">
-              <a:buNone/>
-            </a:pPr>
-            <a:r>
-              <a:rPr lang="en-US" sz="800" dirty="0"/>
-              <a:t>        </a:t>
-            </a:r>
-            <a:r>
-              <a:rPr lang="en-US" sz="800" dirty="0" err="1"/>
-              <a:t>var</a:t>
-            </a:r>
-            <a:r>
-              <a:rPr lang="en-US" sz="800" dirty="0"/>
-              <a:t> </a:t>
-            </a:r>
-            <a:r>
-              <a:rPr lang="en-US" sz="800" dirty="0" err="1"/>
-              <a:t>intervalId</a:t>
-            </a:r>
-            <a:r>
-              <a:rPr lang="en-US" sz="800" dirty="0"/>
-              <a:t> = </a:t>
-            </a:r>
-            <a:r>
-              <a:rPr lang="en-US" sz="800" dirty="0" err="1"/>
-              <a:t>window.setInterval</a:t>
-            </a:r>
-            <a:r>
-              <a:rPr lang="en-US" sz="800" dirty="0"/>
-              <a:t>(function () {</a:t>
-            </a:r>
-          </a:p>
-          <a:p>
-            <a:pPr marL="0" indent="0">
-              <a:buNone/>
-            </a:pPr>
-            <a:r>
-              <a:rPr lang="en-US" sz="800" dirty="0"/>
-              <a:t>            </a:t>
-            </a:r>
-            <a:r>
-              <a:rPr lang="en-US" sz="800" dirty="0" err="1"/>
-              <a:t>var</a:t>
-            </a:r>
-            <a:r>
-              <a:rPr lang="en-US" sz="800" dirty="0"/>
-              <a:t> cur = new Date();</a:t>
-            </a:r>
-          </a:p>
-          <a:p>
-            <a:pPr marL="0" indent="0">
-              <a:buNone/>
-            </a:pPr>
-            <a:r>
-              <a:rPr lang="en-US" sz="800" dirty="0"/>
-              <a:t>            </a:t>
-            </a:r>
-            <a:r>
-              <a:rPr lang="en-US" sz="800" dirty="0" err="1"/>
-              <a:t>var</a:t>
-            </a:r>
-            <a:r>
-              <a:rPr lang="en-US" sz="800" dirty="0"/>
-              <a:t> connected = true;</a:t>
-            </a:r>
-          </a:p>
-          <a:p>
-            <a:pPr marL="0" indent="0">
-              <a:buNone/>
-            </a:pPr>
-            <a:r>
-              <a:rPr lang="en-US" sz="800" dirty="0"/>
-              <a:t>            if (cur - </a:t>
-            </a:r>
-            <a:r>
-              <a:rPr lang="en-US" sz="800" dirty="0" err="1"/>
-              <a:t>lastSignal</a:t>
-            </a:r>
-            <a:r>
-              <a:rPr lang="en-US" sz="800" dirty="0"/>
-              <a:t> &gt; 5000)</a:t>
-            </a:r>
-          </a:p>
-          <a:p>
-            <a:pPr marL="0" indent="0">
-              <a:buNone/>
-            </a:pPr>
-            <a:r>
-              <a:rPr lang="en-US" sz="800" dirty="0"/>
-              <a:t>            {</a:t>
-            </a:r>
-          </a:p>
-          <a:p>
-            <a:pPr marL="0" indent="0">
-              <a:buNone/>
-            </a:pPr>
-            <a:r>
-              <a:rPr lang="en-US" sz="800" dirty="0"/>
-              <a:t>                </a:t>
-            </a:r>
-            <a:r>
-              <a:rPr lang="en-US" sz="800" dirty="0" err="1"/>
-              <a:t>document.getElementById</a:t>
-            </a:r>
-            <a:r>
-              <a:rPr lang="en-US" sz="800" dirty="0"/>
-              <a:t>("</a:t>
-            </a:r>
-            <a:r>
-              <a:rPr lang="en-US" sz="800" dirty="0" err="1"/>
-              <a:t>id_network</a:t>
-            </a:r>
-            <a:r>
-              <a:rPr lang="en-US" sz="800" dirty="0"/>
-              <a:t>").</a:t>
-            </a:r>
-            <a:r>
-              <a:rPr lang="en-US" sz="800" dirty="0" err="1"/>
-              <a:t>innerHTML</a:t>
-            </a:r>
-            <a:r>
-              <a:rPr lang="en-US" sz="800" dirty="0"/>
-              <a:t> = "&lt;P&gt;Network is  lost with the other party.&lt;/P&gt;";</a:t>
-            </a:r>
-          </a:p>
-          <a:p>
-            <a:pPr marL="0" indent="0">
-              <a:buNone/>
-            </a:pPr>
-            <a:r>
-              <a:rPr lang="en-US" sz="800" dirty="0"/>
-              <a:t>                connected = false;</a:t>
-            </a:r>
-          </a:p>
-          <a:p>
-            <a:pPr marL="0" indent="0">
-              <a:buNone/>
-            </a:pPr>
-            <a:r>
-              <a:rPr lang="en-US" sz="800" dirty="0"/>
-              <a:t>            }</a:t>
-            </a:r>
-          </a:p>
-          <a:p>
-            <a:pPr marL="0" indent="0">
-              <a:buNone/>
-            </a:pPr>
-            <a:r>
-              <a:rPr lang="en-US" sz="800" dirty="0"/>
-              <a:t>            else</a:t>
-            </a:r>
-          </a:p>
-          <a:p>
-            <a:pPr marL="0" indent="0">
-              <a:buNone/>
-            </a:pPr>
-            <a:r>
-              <a:rPr lang="en-US" sz="800" dirty="0"/>
-              <a:t>                </a:t>
-            </a:r>
-            <a:r>
-              <a:rPr lang="en-US" sz="800" dirty="0" err="1"/>
-              <a:t>document.getElementById</a:t>
-            </a:r>
-            <a:r>
-              <a:rPr lang="en-US" sz="800" dirty="0"/>
-              <a:t>("</a:t>
-            </a:r>
-            <a:r>
-              <a:rPr lang="en-US" sz="800" dirty="0" err="1"/>
-              <a:t>id_network</a:t>
-            </a:r>
-            <a:r>
-              <a:rPr lang="en-US" sz="800" dirty="0"/>
-              <a:t>").</a:t>
-            </a:r>
-            <a:r>
-              <a:rPr lang="en-US" sz="800" dirty="0" err="1"/>
-              <a:t>innerHTML</a:t>
-            </a:r>
-            <a:r>
-              <a:rPr lang="en-US" sz="800" dirty="0"/>
-              <a:t> = "&lt;P&gt;Network is  up&lt;/P&gt;";</a:t>
-            </a:r>
-          </a:p>
-          <a:p>
-            <a:pPr marL="0" indent="0">
-              <a:buNone/>
-            </a:pPr>
-            <a:endParaRPr lang="en-US" sz="800" dirty="0"/>
-          </a:p>
-          <a:p>
-            <a:pPr marL="0" indent="0">
-              <a:buNone/>
-            </a:pPr>
-            <a:r>
-              <a:rPr lang="en-US" sz="800" dirty="0"/>
-              <a:t>            if (</a:t>
-            </a:r>
-            <a:r>
-              <a:rPr lang="en-US" sz="800" dirty="0" err="1"/>
-              <a:t>endSession</a:t>
-            </a:r>
-            <a:r>
-              <a:rPr lang="en-US" sz="800" dirty="0"/>
-              <a:t>) {</a:t>
-            </a:r>
-          </a:p>
-          <a:p>
-            <a:pPr marL="0" indent="0">
-              <a:buNone/>
-            </a:pPr>
-            <a:r>
-              <a:rPr lang="en-US" sz="800" dirty="0"/>
-              <a:t>                </a:t>
-            </a:r>
-            <a:r>
-              <a:rPr lang="en-US" sz="800" dirty="0" err="1"/>
-              <a:t>window.clearInterval</a:t>
-            </a:r>
-            <a:r>
-              <a:rPr lang="en-US" sz="800" dirty="0"/>
-              <a:t>(</a:t>
-            </a:r>
-            <a:r>
-              <a:rPr lang="en-US" sz="800" dirty="0" err="1"/>
-              <a:t>intervalId</a:t>
-            </a:r>
-            <a:r>
-              <a:rPr lang="en-US" sz="800" dirty="0"/>
-              <a:t>);</a:t>
-            </a:r>
-          </a:p>
-          <a:p>
-            <a:pPr marL="0" indent="0">
-              <a:buNone/>
-            </a:pPr>
-            <a:r>
-              <a:rPr lang="en-US" sz="800" dirty="0"/>
-              <a:t>                return;</a:t>
-            </a:r>
-          </a:p>
-          <a:p>
-            <a:pPr marL="0" indent="0">
-              <a:buNone/>
-            </a:pPr>
-            <a:r>
-              <a:rPr lang="en-US" sz="800" dirty="0"/>
-              <a:t>            }</a:t>
-            </a:r>
-          </a:p>
-          <a:p>
-            <a:pPr marL="0" indent="0">
-              <a:buNone/>
-            </a:pPr>
-            <a:endParaRPr lang="en-US" sz="800" dirty="0"/>
-          </a:p>
-          <a:p>
-            <a:pPr marL="0" indent="0">
-              <a:buNone/>
-            </a:pPr>
-            <a:r>
-              <a:rPr lang="en-US" sz="800" dirty="0"/>
-              <a:t>            if (session != null &amp;&amp; </a:t>
-            </a:r>
-            <a:r>
-              <a:rPr lang="en-US" sz="800" dirty="0" err="1"/>
-              <a:t>session.currentState</a:t>
-            </a:r>
-            <a:r>
-              <a:rPr lang="en-US" sz="800" dirty="0"/>
-              <a:t> == "connecting")</a:t>
-            </a:r>
-          </a:p>
-          <a:p>
-            <a:pPr marL="0" indent="0">
-              <a:buNone/>
-            </a:pPr>
-            <a:r>
-              <a:rPr lang="en-US" sz="800" dirty="0"/>
-              <a:t>            {</a:t>
-            </a:r>
-          </a:p>
-          <a:p>
-            <a:pPr marL="0" indent="0">
-              <a:buNone/>
-            </a:pPr>
-            <a:r>
-              <a:rPr lang="en-US" sz="800" dirty="0"/>
-              <a:t>                console.log("Interval - session is connecting", (new Date()).</a:t>
-            </a:r>
-            <a:r>
-              <a:rPr lang="en-US" sz="800" dirty="0" err="1"/>
-              <a:t>toTimeString</a:t>
-            </a:r>
-            <a:r>
-              <a:rPr lang="en-US" sz="800" dirty="0"/>
-              <a:t>());</a:t>
-            </a:r>
-          </a:p>
-          <a:p>
-            <a:pPr marL="0" indent="0">
-              <a:buNone/>
-            </a:pPr>
-            <a:r>
-              <a:rPr lang="en-US" sz="800" dirty="0"/>
-              <a:t>                return;</a:t>
-            </a:r>
-          </a:p>
-          <a:p>
-            <a:pPr marL="0" indent="0">
-              <a:buNone/>
-            </a:pPr>
-            <a:r>
-              <a:rPr lang="en-US" sz="800" dirty="0"/>
-              <a:t>            }</a:t>
-            </a:r>
-          </a:p>
-          <a:p>
-            <a:pPr marL="0" indent="0">
-              <a:buNone/>
-            </a:pPr>
-            <a:endParaRPr lang="en-US" sz="800" dirty="0"/>
-          </a:p>
-          <a:p>
-            <a:pPr marL="0" indent="0">
-              <a:buNone/>
-            </a:pPr>
-            <a:r>
-              <a:rPr lang="en-US" sz="800" dirty="0"/>
-              <a:t>            if (session == null || </a:t>
-            </a:r>
-            <a:r>
-              <a:rPr lang="en-US" sz="800" dirty="0" err="1"/>
-              <a:t>session.currentState</a:t>
-            </a:r>
-            <a:r>
-              <a:rPr lang="en-US" sz="800" dirty="0"/>
-              <a:t> == "disconnected") {</a:t>
-            </a:r>
-          </a:p>
-          <a:p>
-            <a:pPr marL="0" indent="0">
-              <a:buNone/>
-            </a:pPr>
-            <a:r>
-              <a:rPr lang="en-US" sz="800" dirty="0"/>
-              <a:t>                </a:t>
-            </a:r>
-            <a:r>
-              <a:rPr lang="en-US" sz="800" dirty="0" err="1"/>
-              <a:t>connect_session</a:t>
-            </a:r>
-            <a:r>
-              <a:rPr lang="en-US" sz="800" dirty="0"/>
-              <a:t>();</a:t>
-            </a:r>
-          </a:p>
-          <a:p>
-            <a:pPr marL="0" indent="0">
-              <a:buNone/>
-            </a:pPr>
-            <a:r>
-              <a:rPr lang="en-US" sz="800" dirty="0"/>
-              <a:t>                return;</a:t>
-            </a:r>
-          </a:p>
-          <a:p>
-            <a:pPr marL="0" indent="0">
-              <a:buNone/>
-            </a:pPr>
-            <a:r>
-              <a:rPr lang="en-US" sz="800" dirty="0"/>
-              <a:t>            }</a:t>
-            </a:r>
-          </a:p>
-          <a:p>
-            <a:pPr marL="0" indent="0">
-              <a:buNone/>
-            </a:pPr>
-            <a:endParaRPr lang="en-US" sz="800" dirty="0"/>
+              <a:t>The mystery for the connection from an unknown user appear to be a second connection from the same user using the same token (probably on the same machine). Apparently </a:t>
+            </a:r>
+            <a:r>
+              <a:rPr lang="en-US" dirty="0" err="1"/>
+              <a:t>opentok</a:t>
+            </a:r>
+            <a:r>
+              <a:rPr lang="en-US" dirty="0"/>
+              <a:t> is not handling that situation and yet not preventing that from happening. </a:t>
+            </a:r>
+          </a:p>
+          <a:p>
+            <a:r>
+              <a:rPr lang="en-US" dirty="0"/>
+              <a:t>If the patient and doctor logged in from the same machine, they will both be identified as user1.</a:t>
+            </a:r>
+          </a:p>
+          <a:p>
+            <a:r>
+              <a:rPr lang="en-US" dirty="0"/>
+              <a:t>When multiple users are identified as the same user, events might be messed up, for example when closing browser, no disconnect events are fired. Only when closing all of the browser, then a single publisher destroyed event is fired (reason disconnect), but no disconnect event </a:t>
+            </a:r>
+            <a:r>
+              <a:rPr lang="en-US"/>
+              <a:t>is detected.</a:t>
+            </a:r>
+            <a:endParaRPr lang="en-US" dirty="0"/>
           </a:p>
         </p:txBody>
       </p:sp>
     </p:spTree>
     <p:extLst>
       <p:ext uri="{BB962C8B-B14F-4D97-AF65-F5344CB8AC3E}">
-        <p14:creationId xmlns:p14="http://schemas.microsoft.com/office/powerpoint/2010/main" val="4193371431"/>
+        <p14:creationId xmlns:p14="http://schemas.microsoft.com/office/powerpoint/2010/main" val="271292379"/>
       </p:ext>
     </p:extLst>
   </p:cSld>
@@ -3956,7 +3574,7 @@
         <p:spPr/>
         <p:txBody>
           <a:bodyPr>
-            <a:normAutofit fontScale="90000"/>
+            <a:normAutofit/>
           </a:bodyPr>
           <a:lstStyle/>
           <a:p>
@@ -3965,14 +3583,9 @@
               <a:t>Connectivity Solution – </a:t>
             </a:r>
             <a:r>
-              <a:rPr lang="en-US" sz="3600" dirty="0"/>
-              <a:t>code snippet </a:t>
-            </a:r>
-            <a:r>
-              <a:rPr lang="en-US" sz="3600" dirty="0" err="1"/>
-              <a:t>cont</a:t>
-            </a:r>
-            <a:endParaRPr lang="en-US" sz="3600" dirty="0"/>
+              <a:rPr lang="en-US" sz="3100" dirty="0"/>
+              <a:t>code snippet</a:t>
+            </a:r>
           </a:p>
         </p:txBody>
       </p:sp>
@@ -3989,7 +3602,7 @@
         <p:spPr/>
         <p:txBody>
           <a:bodyPr>
-            <a:normAutofit fontScale="25000" lnSpcReduction="20000"/>
+            <a:noAutofit/>
           </a:bodyPr>
           <a:lstStyle/>
           <a:p>
@@ -3997,165 +3610,382 @@
               <a:buNone/>
             </a:pPr>
             <a:r>
-              <a:rPr lang="en-US" dirty="0"/>
+              <a:rPr lang="en-US" sz="800" dirty="0"/>
               <a:t> </a:t>
             </a:r>
             <a:r>
-              <a:rPr lang="en-US" dirty="0" err="1"/>
-              <a:t>session.signal</a:t>
-            </a:r>
-            <a:r>
-              <a:rPr lang="en-US" dirty="0"/>
+              <a:rPr lang="en-US" sz="800" dirty="0" err="1"/>
+              <a:t>var</a:t>
+            </a:r>
+            <a:r>
+              <a:rPr lang="en-US" sz="800" dirty="0"/>
+              <a:t> </a:t>
+            </a:r>
+            <a:r>
+              <a:rPr lang="en-US" sz="800" dirty="0" err="1"/>
+              <a:t>prevStats</a:t>
+            </a:r>
+            <a:r>
+              <a:rPr lang="en-US" sz="800" dirty="0"/>
+              <a:t>;</a:t>
+            </a:r>
+          </a:p>
+          <a:p>
+            <a:pPr marL="0" indent="0">
+              <a:buNone/>
+            </a:pPr>
+            <a:r>
+              <a:rPr lang="en-US" sz="800" dirty="0"/>
+              <a:t>        </a:t>
+            </a:r>
+            <a:r>
+              <a:rPr lang="en-US" sz="800" dirty="0" err="1"/>
+              <a:t>var</a:t>
+            </a:r>
+            <a:r>
+              <a:rPr lang="en-US" sz="800" dirty="0"/>
+              <a:t> </a:t>
+            </a:r>
+            <a:r>
+              <a:rPr lang="en-US" sz="800" dirty="0" err="1"/>
+              <a:t>intervalId</a:t>
+            </a:r>
+            <a:r>
+              <a:rPr lang="en-US" sz="800" dirty="0"/>
+              <a:t> = </a:t>
+            </a:r>
+            <a:r>
+              <a:rPr lang="en-US" sz="800" dirty="0" err="1"/>
+              <a:t>window.setInterval</a:t>
+            </a:r>
+            <a:r>
+              <a:rPr lang="en-US" sz="800" dirty="0"/>
+              <a:t>(function () {</a:t>
+            </a:r>
+          </a:p>
+          <a:p>
+            <a:pPr marL="0" indent="0">
+              <a:buNone/>
+            </a:pPr>
+            <a:r>
+              <a:rPr lang="en-US" sz="800" dirty="0"/>
+              <a:t>            </a:t>
+            </a:r>
+            <a:r>
+              <a:rPr lang="en-US" sz="800" dirty="0" err="1"/>
+              <a:t>var</a:t>
+            </a:r>
+            <a:r>
+              <a:rPr lang="en-US" sz="800" dirty="0"/>
+              <a:t> cur = new Date();</a:t>
+            </a:r>
+          </a:p>
+          <a:p>
+            <a:pPr marL="0" indent="0">
+              <a:buNone/>
+            </a:pPr>
+            <a:r>
+              <a:rPr lang="en-US" sz="800" dirty="0"/>
+              <a:t>            </a:t>
+            </a:r>
+            <a:r>
+              <a:rPr lang="en-US" sz="800" dirty="0" err="1"/>
+              <a:t>var</a:t>
+            </a:r>
+            <a:r>
+              <a:rPr lang="en-US" sz="800" dirty="0"/>
+              <a:t> connected = true;</a:t>
+            </a:r>
+          </a:p>
+          <a:p>
+            <a:pPr marL="0" indent="0">
+              <a:buNone/>
+            </a:pPr>
+            <a:r>
+              <a:rPr lang="en-US" sz="800" dirty="0"/>
+              <a:t>            if (cur - </a:t>
+            </a:r>
+            <a:r>
+              <a:rPr lang="en-US" sz="800" dirty="0" err="1"/>
+              <a:t>lastSignal</a:t>
+            </a:r>
+            <a:r>
+              <a:rPr lang="en-US" sz="800" dirty="0"/>
+              <a:t> &gt; 5000)</a:t>
+            </a:r>
+          </a:p>
+          <a:p>
+            <a:pPr marL="0" indent="0">
+              <a:buNone/>
+            </a:pPr>
+            <a:r>
+              <a:rPr lang="en-US" sz="800" dirty="0"/>
+              <a:t>            {</a:t>
+            </a:r>
+          </a:p>
+          <a:p>
+            <a:pPr marL="0" indent="0">
+              <a:buNone/>
+            </a:pPr>
+            <a:r>
+              <a:rPr lang="en-US" sz="800" dirty="0"/>
+              <a:t>                </a:t>
+            </a:r>
+            <a:r>
+              <a:rPr lang="en-US" sz="800" dirty="0" err="1"/>
+              <a:t>document.getElementById</a:t>
+            </a:r>
+            <a:r>
+              <a:rPr lang="en-US" sz="800" dirty="0"/>
+              <a:t>("</a:t>
+            </a:r>
+            <a:r>
+              <a:rPr lang="en-US" sz="800" dirty="0" err="1"/>
+              <a:t>id_network</a:t>
+            </a:r>
+            <a:r>
+              <a:rPr lang="en-US" sz="800" dirty="0"/>
+              <a:t>").</a:t>
+            </a:r>
+            <a:r>
+              <a:rPr lang="en-US" sz="800" dirty="0" err="1"/>
+              <a:t>innerHTML</a:t>
+            </a:r>
+            <a:r>
+              <a:rPr lang="en-US" sz="800" dirty="0"/>
+              <a:t> = "&lt;P&gt;Network is  lost with the other party.&lt;/P&gt;";</a:t>
+            </a:r>
+          </a:p>
+          <a:p>
+            <a:pPr marL="0" indent="0">
+              <a:buNone/>
+            </a:pPr>
+            <a:r>
+              <a:rPr lang="en-US" sz="800" dirty="0"/>
+              <a:t>                connected = false;</a:t>
+            </a:r>
+          </a:p>
+          <a:p>
+            <a:pPr marL="0" indent="0">
+              <a:buNone/>
+            </a:pPr>
+            <a:r>
+              <a:rPr lang="en-US" sz="800" dirty="0"/>
+              <a:t>            }</a:t>
+            </a:r>
+          </a:p>
+          <a:p>
+            <a:pPr marL="0" indent="0">
+              <a:buNone/>
+            </a:pPr>
+            <a:r>
+              <a:rPr lang="en-US" sz="800" dirty="0"/>
+              <a:t>            else</a:t>
+            </a:r>
+          </a:p>
+          <a:p>
+            <a:pPr marL="0" indent="0">
+              <a:buNone/>
+            </a:pPr>
+            <a:r>
+              <a:rPr lang="en-US" sz="800" dirty="0"/>
+              <a:t>                </a:t>
+            </a:r>
+            <a:r>
+              <a:rPr lang="en-US" sz="800" dirty="0" err="1"/>
+              <a:t>document.getElementById</a:t>
+            </a:r>
+            <a:r>
+              <a:rPr lang="en-US" sz="800" dirty="0"/>
+              <a:t>("</a:t>
+            </a:r>
+            <a:r>
+              <a:rPr lang="en-US" sz="800" dirty="0" err="1"/>
+              <a:t>id_network</a:t>
+            </a:r>
+            <a:r>
+              <a:rPr lang="en-US" sz="800" dirty="0"/>
+              <a:t>").</a:t>
+            </a:r>
+            <a:r>
+              <a:rPr lang="en-US" sz="800" dirty="0" err="1"/>
+              <a:t>innerHTML</a:t>
+            </a:r>
+            <a:r>
+              <a:rPr lang="en-US" sz="800" dirty="0"/>
+              <a:t> = "&lt;P&gt;Network is  up&lt;/P&gt;";</a:t>
+            </a:r>
+          </a:p>
+          <a:p>
+            <a:pPr marL="0" indent="0">
+              <a:buNone/>
+            </a:pPr>
+            <a:endParaRPr lang="en-US" sz="800" dirty="0"/>
+          </a:p>
+          <a:p>
+            <a:pPr marL="0" indent="0">
+              <a:buNone/>
+            </a:pPr>
+            <a:r>
+              <a:rPr lang="en-US" sz="800" dirty="0"/>
+              <a:t>            if (</a:t>
+            </a:r>
+            <a:r>
+              <a:rPr lang="en-US" sz="800" dirty="0" err="1"/>
+              <a:t>endSession</a:t>
+            </a:r>
+            <a:r>
+              <a:rPr lang="en-US" sz="800" dirty="0"/>
+              <a:t>) {</a:t>
+            </a:r>
+          </a:p>
+          <a:p>
+            <a:pPr marL="0" indent="0">
+              <a:buNone/>
+            </a:pPr>
+            <a:r>
+              <a:rPr lang="en-US" sz="800" dirty="0"/>
+              <a:t>                </a:t>
+            </a:r>
+            <a:r>
+              <a:rPr lang="en-US" sz="800" dirty="0" err="1"/>
+              <a:t>window.clearInterval</a:t>
+            </a:r>
+            <a:r>
+              <a:rPr lang="en-US" sz="800" dirty="0"/>
               <a:t>(</a:t>
             </a:r>
-          </a:p>
-          <a:p>
-            <a:pPr marL="0" indent="0">
-              <a:buNone/>
-            </a:pPr>
-            <a:r>
-              <a:rPr lang="en-US" dirty="0"/>
-              <a:t>                {</a:t>
-            </a:r>
-          </a:p>
-          <a:p>
-            <a:pPr marL="0" indent="0">
-              <a:buNone/>
-            </a:pPr>
-            <a:r>
-              <a:rPr lang="en-US" dirty="0"/>
-              <a:t>                    data: "hello",</a:t>
-            </a:r>
-          </a:p>
-          <a:p>
-            <a:pPr marL="0" indent="0">
-              <a:buNone/>
-            </a:pPr>
-            <a:r>
-              <a:rPr lang="en-US" dirty="0"/>
-              <a:t>                    type: “ping"</a:t>
-            </a:r>
-          </a:p>
-          <a:p>
-            <a:pPr marL="0" indent="0">
-              <a:buNone/>
-            </a:pPr>
-            <a:r>
-              <a:rPr lang="en-US" dirty="0"/>
-              <a:t>                },</a:t>
-            </a:r>
-          </a:p>
-          <a:p>
-            <a:pPr marL="0" indent="0">
-              <a:buNone/>
-            </a:pPr>
-            <a:r>
-              <a:rPr lang="en-US" dirty="0"/>
-              <a:t>                function (error) { });</a:t>
-            </a:r>
-          </a:p>
-          <a:p>
-            <a:pPr marL="0" indent="0">
-              <a:buNone/>
-            </a:pPr>
-            <a:endParaRPr lang="en-US" dirty="0"/>
-          </a:p>
-          <a:p>
-            <a:pPr marL="0" indent="0">
-              <a:buNone/>
-            </a:pPr>
-            <a:r>
-              <a:rPr lang="en-US" dirty="0"/>
-              <a:t>            </a:t>
-            </a:r>
-            <a:r>
-              <a:rPr lang="en-US" dirty="0" err="1"/>
-              <a:t>var</a:t>
-            </a:r>
-            <a:r>
-              <a:rPr lang="en-US" dirty="0"/>
-              <a:t> a = </a:t>
-            </a:r>
-            <a:r>
-              <a:rPr lang="en-US" dirty="0" err="1"/>
-              <a:t>document.getElementsByClassName</a:t>
-            </a:r>
-            <a:r>
-              <a:rPr lang="en-US" dirty="0"/>
-              <a:t>("</a:t>
-            </a:r>
-            <a:r>
-              <a:rPr lang="en-US" dirty="0" err="1"/>
-              <a:t>OT_mirrored</a:t>
-            </a:r>
-            <a:r>
-              <a:rPr lang="en-US" dirty="0"/>
-              <a:t> </a:t>
-            </a:r>
-            <a:r>
-              <a:rPr lang="en-US" dirty="0" err="1"/>
-              <a:t>OT_root</a:t>
-            </a:r>
-            <a:r>
-              <a:rPr lang="en-US" dirty="0"/>
-              <a:t> </a:t>
-            </a:r>
-            <a:r>
-              <a:rPr lang="en-US" dirty="0" err="1"/>
-              <a:t>OT_publisher</a:t>
-            </a:r>
-            <a:r>
-              <a:rPr lang="en-US" dirty="0"/>
-              <a:t> </a:t>
-            </a:r>
-            <a:r>
-              <a:rPr lang="en-US" dirty="0" err="1"/>
-              <a:t>OT_fit</a:t>
-            </a:r>
-            <a:r>
-              <a:rPr lang="en-US" dirty="0"/>
-              <a:t>-mode-cover");</a:t>
-            </a:r>
-          </a:p>
-          <a:p>
-            <a:pPr marL="0" indent="0">
-              <a:buNone/>
-            </a:pPr>
-            <a:r>
-              <a:rPr lang="en-US" dirty="0"/>
-              <a:t>            if (</a:t>
-            </a:r>
-            <a:r>
-              <a:rPr lang="en-US" dirty="0" err="1"/>
-              <a:t>a.length</a:t>
-            </a:r>
-            <a:r>
-              <a:rPr lang="en-US" dirty="0"/>
-              <a:t> == 0 || publisher == null || </a:t>
-            </a:r>
-            <a:r>
-              <a:rPr lang="en-US" dirty="0" err="1"/>
-              <a:t>publisher.session</a:t>
-            </a:r>
-            <a:r>
-              <a:rPr lang="en-US" dirty="0"/>
-              <a:t> == null) {</a:t>
-            </a:r>
-          </a:p>
-          <a:p>
-            <a:pPr marL="0" indent="0">
-              <a:buNone/>
-            </a:pPr>
-            <a:r>
-              <a:rPr lang="en-US" dirty="0"/>
+            <a:r>
+              <a:rPr lang="en-US" sz="800" dirty="0" err="1"/>
+              <a:t>intervalId</a:t>
+            </a:r>
+            <a:r>
+              <a:rPr lang="en-US" sz="800" dirty="0"/>
+              <a:t>);</a:t>
+            </a:r>
+          </a:p>
+          <a:p>
+            <a:pPr marL="0" indent="0">
+              <a:buNone/>
+            </a:pPr>
+            <a:r>
+              <a:rPr lang="en-US" sz="800" dirty="0"/>
+              <a:t>                return;</a:t>
+            </a:r>
+          </a:p>
+          <a:p>
+            <a:pPr marL="0" indent="0">
+              <a:buNone/>
+            </a:pPr>
+            <a:r>
+              <a:rPr lang="en-US" sz="800" dirty="0"/>
+              <a:t>            }</a:t>
+            </a:r>
+          </a:p>
+          <a:p>
+            <a:pPr marL="0" indent="0">
+              <a:buNone/>
+            </a:pPr>
+            <a:endParaRPr lang="en-US" sz="800" dirty="0"/>
+          </a:p>
+          <a:p>
+            <a:pPr marL="0" indent="0">
+              <a:buNone/>
+            </a:pPr>
+            <a:r>
+              <a:rPr lang="en-US" sz="800" dirty="0"/>
+              <a:t>            if (session != null &amp;&amp; </a:t>
+            </a:r>
+            <a:r>
+              <a:rPr lang="en-US" sz="800" dirty="0" err="1"/>
+              <a:t>session.currentState</a:t>
+            </a:r>
+            <a:r>
+              <a:rPr lang="en-US" sz="800" dirty="0"/>
+              <a:t> == "connecting")</a:t>
+            </a:r>
+          </a:p>
+          <a:p>
+            <a:pPr marL="0" indent="0">
+              <a:buNone/>
+            </a:pPr>
+            <a:r>
+              <a:rPr lang="en-US" sz="800" dirty="0"/>
+              <a:t>            {</a:t>
+            </a:r>
+          </a:p>
+          <a:p>
+            <a:pPr marL="0" indent="0">
+              <a:buNone/>
+            </a:pPr>
+            <a:r>
+              <a:rPr lang="en-US" sz="800" dirty="0"/>
+              <a:t>                console.log("Interval - session is connecting", (new Date()).</a:t>
+            </a:r>
+            <a:r>
+              <a:rPr lang="en-US" sz="800" dirty="0" err="1"/>
+              <a:t>toTimeString</a:t>
+            </a:r>
+            <a:r>
+              <a:rPr lang="en-US" sz="800" dirty="0"/>
+              <a:t>());</a:t>
+            </a:r>
+          </a:p>
+          <a:p>
+            <a:pPr marL="0" indent="0">
+              <a:buNone/>
+            </a:pPr>
+            <a:r>
+              <a:rPr lang="en-US" sz="800" dirty="0"/>
+              <a:t>                return;</a:t>
+            </a:r>
+          </a:p>
+          <a:p>
+            <a:pPr marL="0" indent="0">
+              <a:buNone/>
+            </a:pPr>
+            <a:r>
+              <a:rPr lang="en-US" sz="800" dirty="0"/>
+              <a:t>            }</a:t>
+            </a:r>
+          </a:p>
+          <a:p>
+            <a:pPr marL="0" indent="0">
+              <a:buNone/>
+            </a:pPr>
+            <a:endParaRPr lang="en-US" sz="800" dirty="0"/>
+          </a:p>
+          <a:p>
+            <a:pPr marL="0" indent="0">
+              <a:buNone/>
+            </a:pPr>
+            <a:r>
+              <a:rPr lang="en-US" sz="800" dirty="0"/>
+              <a:t>            if (session == null || </a:t>
+            </a:r>
+            <a:r>
+              <a:rPr lang="en-US" sz="800" dirty="0" err="1"/>
+              <a:t>session.currentState</a:t>
+            </a:r>
+            <a:r>
+              <a:rPr lang="en-US" sz="800" dirty="0"/>
+              <a:t> == "disconnected") {</a:t>
+            </a:r>
+          </a:p>
+          <a:p>
+            <a:pPr marL="0" indent="0">
+              <a:buNone/>
+            </a:pPr>
+            <a:r>
+              <a:rPr lang="en-US" sz="800" dirty="0"/>
               <a:t>                </a:t>
             </a:r>
             <a:r>
-              <a:rPr lang="en-US" dirty="0" err="1"/>
-              <a:t>doPub</a:t>
-            </a:r>
-            <a:r>
-              <a:rPr lang="en-US" dirty="0"/>
+              <a:rPr lang="en-US" sz="800" dirty="0" err="1"/>
+              <a:t>connect_session</a:t>
+            </a:r>
+            <a:r>
+              <a:rPr lang="en-US" sz="800" dirty="0"/>
               <a:t>();</a:t>
             </a:r>
           </a:p>
@@ -4164,7 +3994,7 @@
               <a:buNone/>
             </a:pPr>
             <a:r>
-              <a:rPr lang="en-US" dirty="0"/>
+              <a:rPr lang="en-US" sz="800" dirty="0"/>
               <a:t>                return;</a:t>
             </a:r>
           </a:p>
@@ -4173,7 +4003,7 @@
               <a:buNone/>
             </a:pPr>
             <a:r>
-              <a:rPr lang="en-US" dirty="0"/>
+              <a:rPr lang="en-US" sz="800" dirty="0"/>
               <a:t>            }</a:t>
             </a:r>
           </a:p>
@@ -4181,397 +4011,14 @@
             <a:pPr marL="0" indent="0">
               <a:buNone/>
             </a:pPr>
-            <a:endParaRPr lang="en-US" dirty="0"/>
-          </a:p>
-          <a:p>
-            <a:pPr marL="0" indent="0">
-              <a:buNone/>
-            </a:pPr>
-            <a:r>
-              <a:rPr lang="en-US" dirty="0"/>
-              <a:t>            x = </a:t>
-            </a:r>
-            <a:r>
-              <a:rPr lang="en-US" dirty="0" err="1"/>
-              <a:t>document.getElementsByClassName</a:t>
-            </a:r>
-            <a:r>
-              <a:rPr lang="en-US" dirty="0"/>
-              <a:t>("</a:t>
-            </a:r>
-            <a:r>
-              <a:rPr lang="en-US" dirty="0" err="1"/>
-              <a:t>OT_root</a:t>
-            </a:r>
-            <a:r>
-              <a:rPr lang="en-US" dirty="0"/>
-              <a:t> </a:t>
-            </a:r>
-            <a:r>
-              <a:rPr lang="en-US" dirty="0" err="1"/>
-              <a:t>OT_subscriber</a:t>
-            </a:r>
-            <a:r>
-              <a:rPr lang="en-US" dirty="0"/>
-              <a:t> </a:t>
-            </a:r>
-            <a:r>
-              <a:rPr lang="en-US" dirty="0" err="1"/>
-              <a:t>OT_fit</a:t>
-            </a:r>
-            <a:r>
-              <a:rPr lang="en-US" dirty="0"/>
-              <a:t>-mode-cover");</a:t>
-            </a:r>
-          </a:p>
-          <a:p>
-            <a:pPr marL="0" indent="0">
-              <a:buNone/>
-            </a:pPr>
-            <a:r>
-              <a:rPr lang="en-US" dirty="0"/>
-              <a:t>            if (</a:t>
-            </a:r>
-            <a:r>
-              <a:rPr lang="en-US" dirty="0" err="1"/>
-              <a:t>x.length</a:t>
-            </a:r>
-            <a:r>
-              <a:rPr lang="en-US" dirty="0"/>
-              <a:t> == 0 || subscriber == null || </a:t>
-            </a:r>
-            <a:r>
-              <a:rPr lang="en-US" dirty="0" err="1"/>
-              <a:t>subscriber.stream</a:t>
-            </a:r>
-            <a:r>
-              <a:rPr lang="en-US" dirty="0"/>
-              <a:t> == null) {</a:t>
-            </a:r>
-          </a:p>
-          <a:p>
-            <a:pPr marL="0" indent="0">
-              <a:buNone/>
-            </a:pPr>
-            <a:r>
-              <a:rPr lang="en-US" dirty="0"/>
-              <a:t>                if (connected)</a:t>
-            </a:r>
-          </a:p>
-          <a:p>
-            <a:pPr marL="0" indent="0">
-              <a:buNone/>
-            </a:pPr>
-            <a:r>
-              <a:rPr lang="en-US" dirty="0"/>
-              <a:t>                    </a:t>
-            </a:r>
-            <a:r>
-              <a:rPr lang="en-US" dirty="0" err="1"/>
-              <a:t>doSub</a:t>
-            </a:r>
-            <a:r>
-              <a:rPr lang="en-US" dirty="0"/>
-              <a:t>();</a:t>
-            </a:r>
-          </a:p>
-          <a:p>
-            <a:pPr marL="0" indent="0">
-              <a:buNone/>
-            </a:pPr>
-            <a:r>
-              <a:rPr lang="en-US" dirty="0"/>
-              <a:t>                return;</a:t>
-            </a:r>
-          </a:p>
-          <a:p>
-            <a:pPr marL="0" indent="0">
-              <a:buNone/>
-            </a:pPr>
-            <a:r>
-              <a:rPr lang="en-US" dirty="0"/>
-              <a:t>            }</a:t>
-            </a:r>
-          </a:p>
-          <a:p>
-            <a:pPr marL="0" indent="0">
-              <a:buNone/>
-            </a:pPr>
-            <a:endParaRPr lang="en-US" dirty="0"/>
-          </a:p>
-          <a:p>
-            <a:pPr marL="0" indent="0">
-              <a:buNone/>
-            </a:pPr>
-            <a:r>
-              <a:rPr lang="en-US" dirty="0"/>
-              <a:t>            </a:t>
-            </a:r>
-            <a:r>
-              <a:rPr lang="en-US" dirty="0" err="1"/>
-              <a:t>subscriber.getStats</a:t>
-            </a:r>
-            <a:r>
-              <a:rPr lang="en-US" dirty="0"/>
-              <a:t>(function (error, stats) {</a:t>
-            </a:r>
-          </a:p>
-          <a:p>
-            <a:pPr marL="0" indent="0">
-              <a:buNone/>
-            </a:pPr>
-            <a:r>
-              <a:rPr lang="en-US" dirty="0"/>
-              <a:t>                if (error)</a:t>
-            </a:r>
-          </a:p>
-          <a:p>
-            <a:pPr marL="0" indent="0">
-              <a:buNone/>
-            </a:pPr>
-            <a:r>
-              <a:rPr lang="en-US" dirty="0"/>
-              <a:t>                    </a:t>
-            </a:r>
-            <a:r>
-              <a:rPr lang="en-US" dirty="0" err="1"/>
-              <a:t>doSub</a:t>
-            </a:r>
-            <a:r>
-              <a:rPr lang="en-US" dirty="0"/>
-              <a:t>();</a:t>
-            </a:r>
-          </a:p>
-          <a:p>
-            <a:pPr marL="0" indent="0">
-              <a:buNone/>
-            </a:pPr>
-            <a:r>
-              <a:rPr lang="en-US" dirty="0"/>
-              <a:t>                else if (</a:t>
-            </a:r>
-            <a:r>
-              <a:rPr lang="en-US" dirty="0" err="1"/>
-              <a:t>prevStats</a:t>
-            </a:r>
-            <a:r>
-              <a:rPr lang="en-US" dirty="0"/>
-              <a:t> &amp;&amp; (</a:t>
-            </a:r>
-            <a:r>
-              <a:rPr lang="en-US" dirty="0" err="1"/>
-              <a:t>typeof</a:t>
-            </a:r>
-            <a:r>
-              <a:rPr lang="en-US" dirty="0"/>
-              <a:t> </a:t>
-            </a:r>
-            <a:r>
-              <a:rPr lang="en-US" dirty="0" err="1"/>
-              <a:t>stats.video</a:t>
-            </a:r>
-            <a:r>
-              <a:rPr lang="en-US" dirty="0"/>
-              <a:t> !== 'undefined')) {</a:t>
-            </a:r>
-          </a:p>
-          <a:p>
-            <a:pPr marL="0" indent="0">
-              <a:buNone/>
-            </a:pPr>
-            <a:r>
-              <a:rPr lang="en-US" dirty="0"/>
-              <a:t>                    </a:t>
-            </a:r>
-            <a:r>
-              <a:rPr lang="en-US" dirty="0" err="1"/>
-              <a:t>var</a:t>
-            </a:r>
-            <a:r>
-              <a:rPr lang="en-US" dirty="0"/>
-              <a:t> </a:t>
-            </a:r>
-            <a:r>
-              <a:rPr lang="en-US" dirty="0" err="1"/>
-              <a:t>videoBitRate</a:t>
-            </a:r>
-            <a:r>
-              <a:rPr lang="en-US" dirty="0"/>
-              <a:t> = 2 * (</a:t>
-            </a:r>
-            <a:r>
-              <a:rPr lang="en-US" dirty="0" err="1"/>
-              <a:t>stats.video.bytesReceived</a:t>
-            </a:r>
-            <a:r>
-              <a:rPr lang="en-US" dirty="0"/>
-              <a:t> - </a:t>
-            </a:r>
-            <a:r>
-              <a:rPr lang="en-US" dirty="0" err="1"/>
-              <a:t>prevStats.video.bytesReceived</a:t>
-            </a:r>
-            <a:r>
-              <a:rPr lang="en-US" dirty="0"/>
-              <a:t>);</a:t>
-            </a:r>
-          </a:p>
-          <a:p>
-            <a:pPr marL="0" indent="0">
-              <a:buNone/>
-            </a:pPr>
-            <a:r>
-              <a:rPr lang="en-US" dirty="0"/>
-              <a:t>                    </a:t>
-            </a:r>
-            <a:r>
-              <a:rPr lang="en-US" dirty="0" err="1"/>
-              <a:t>var</a:t>
-            </a:r>
-            <a:r>
-              <a:rPr lang="en-US" dirty="0"/>
-              <a:t> </a:t>
-            </a:r>
-            <a:r>
-              <a:rPr lang="en-US" dirty="0" err="1"/>
-              <a:t>audioBitRate</a:t>
-            </a:r>
-            <a:r>
-              <a:rPr lang="en-US" dirty="0"/>
-              <a:t> = 2 * (</a:t>
-            </a:r>
-            <a:r>
-              <a:rPr lang="en-US" dirty="0" err="1"/>
-              <a:t>stats.audio.bytesReceived</a:t>
-            </a:r>
-            <a:r>
-              <a:rPr lang="en-US" dirty="0"/>
-              <a:t> - </a:t>
-            </a:r>
-            <a:r>
-              <a:rPr lang="en-US" dirty="0" err="1"/>
-              <a:t>prevStats.audio.bytesReceived</a:t>
-            </a:r>
-            <a:r>
-              <a:rPr lang="en-US" dirty="0"/>
-              <a:t>);</a:t>
-            </a:r>
-          </a:p>
-          <a:p>
-            <a:pPr marL="0" indent="0">
-              <a:buNone/>
-            </a:pPr>
-            <a:r>
-              <a:rPr lang="en-US" dirty="0"/>
-              <a:t>                    </a:t>
-            </a:r>
-            <a:r>
-              <a:rPr lang="en-US" dirty="0" err="1"/>
-              <a:t>document.getElementById</a:t>
-            </a:r>
-            <a:r>
-              <a:rPr lang="en-US" dirty="0"/>
-              <a:t>("</a:t>
-            </a:r>
-            <a:r>
-              <a:rPr lang="en-US" dirty="0" err="1"/>
-              <a:t>id_status</a:t>
-            </a:r>
-            <a:r>
-              <a:rPr lang="en-US" dirty="0"/>
-              <a:t>").</a:t>
-            </a:r>
-            <a:r>
-              <a:rPr lang="en-US" dirty="0" err="1"/>
-              <a:t>innerHTML</a:t>
-            </a:r>
-            <a:r>
-              <a:rPr lang="en-US" dirty="0"/>
-              <a:t> = "&lt;P&gt;Video: ".</a:t>
-            </a:r>
-            <a:r>
-              <a:rPr lang="en-US" dirty="0" err="1"/>
-              <a:t>concat</a:t>
-            </a:r>
-            <a:r>
-              <a:rPr lang="en-US" dirty="0"/>
-              <a:t>(</a:t>
-            </a:r>
-            <a:r>
-              <a:rPr lang="en-US" dirty="0" err="1"/>
-              <a:t>videoBitRate.toString</a:t>
-            </a:r>
-            <a:r>
-              <a:rPr lang="en-US" dirty="0"/>
-              <a:t>(), ", Audio: ", </a:t>
-            </a:r>
-            <a:r>
-              <a:rPr lang="en-US" dirty="0" err="1"/>
-              <a:t>audioBitRate.toString</a:t>
-            </a:r>
-            <a:r>
-              <a:rPr lang="en-US" dirty="0"/>
-              <a:t>(), ", Frame/s: ", </a:t>
-            </a:r>
-            <a:r>
-              <a:rPr lang="en-US" dirty="0" err="1"/>
-              <a:t>stats.video.frameRate</a:t>
-            </a:r>
-            <a:r>
-              <a:rPr lang="en-US" dirty="0"/>
-              <a:t>, "&lt;/P&gt;");</a:t>
-            </a:r>
-          </a:p>
-          <a:p>
-            <a:pPr marL="0" indent="0">
-              <a:buNone/>
-            </a:pPr>
-            <a:r>
-              <a:rPr lang="en-US" dirty="0"/>
-              <a:t>                }</a:t>
-            </a:r>
-          </a:p>
-          <a:p>
-            <a:pPr marL="0" indent="0">
-              <a:buNone/>
-            </a:pPr>
-            <a:r>
-              <a:rPr lang="en-US" dirty="0"/>
-              <a:t>                </a:t>
-            </a:r>
-            <a:r>
-              <a:rPr lang="en-US" dirty="0" err="1"/>
-              <a:t>prevStats</a:t>
-            </a:r>
-            <a:r>
-              <a:rPr lang="en-US" dirty="0"/>
-              <a:t> = stats;</a:t>
-            </a:r>
-          </a:p>
-          <a:p>
-            <a:pPr marL="0" indent="0">
-              <a:buNone/>
-            </a:pPr>
-            <a:r>
-              <a:rPr lang="en-US" dirty="0"/>
-              <a:t>            });</a:t>
-            </a:r>
-          </a:p>
-          <a:p>
-            <a:pPr marL="0" indent="0">
-              <a:buNone/>
-            </a:pPr>
-            <a:r>
-              <a:rPr lang="en-US" dirty="0"/>
-              <a:t>        }, 2000);</a:t>
-            </a:r>
+            <a:endParaRPr lang="en-US" sz="800" dirty="0"/>
           </a:p>
         </p:txBody>
       </p:sp>
     </p:spTree>
     <p:extLst>
       <p:ext uri="{BB962C8B-B14F-4D97-AF65-F5344CB8AC3E}">
-        <p14:creationId xmlns:p14="http://schemas.microsoft.com/office/powerpoint/2010/main" val="3580184565"/>
+        <p14:creationId xmlns:p14="http://schemas.microsoft.com/office/powerpoint/2010/main" val="4193371431"/>
       </p:ext>
     </p:extLst>
   </p:cSld>
@@ -4610,6 +4057,661 @@
         </p:nvSpPr>
         <p:spPr/>
         <p:txBody>
+          <a:bodyPr>
+            <a:normAutofit fontScale="90000"/>
+          </a:bodyPr>
+          <a:lstStyle/>
+          <a:p>
+            <a:r>
+              <a:rPr lang="en-US" dirty="0"/>
+              <a:t>Connectivity Solution – </a:t>
+            </a:r>
+            <a:r>
+              <a:rPr lang="en-US" sz="3600" dirty="0"/>
+              <a:t>code snippet </a:t>
+            </a:r>
+            <a:r>
+              <a:rPr lang="en-US" sz="3600" dirty="0" err="1"/>
+              <a:t>cont</a:t>
+            </a:r>
+            <a:endParaRPr lang="en-US" sz="3600" dirty="0"/>
+          </a:p>
+        </p:txBody>
+      </p:sp>
+      <p:sp>
+        <p:nvSpPr>
+          <p:cNvPr id="3" name="Content Placeholder 2"/>
+          <p:cNvSpPr>
+            <a:spLocks noGrp="1"/>
+          </p:cNvSpPr>
+          <p:nvPr>
+            <p:ph idx="1"/>
+          </p:nvPr>
+        </p:nvSpPr>
+        <p:spPr/>
+        <p:txBody>
+          <a:bodyPr>
+            <a:normAutofit fontScale="25000" lnSpcReduction="20000"/>
+          </a:bodyPr>
+          <a:lstStyle/>
+          <a:p>
+            <a:pPr marL="0" indent="0">
+              <a:buNone/>
+            </a:pPr>
+            <a:r>
+              <a:rPr lang="en-US" dirty="0"/>
+              <a:t> </a:t>
+            </a:r>
+            <a:r>
+              <a:rPr lang="en-US" dirty="0" err="1"/>
+              <a:t>session.signal</a:t>
+            </a:r>
+            <a:r>
+              <a:rPr lang="en-US" dirty="0"/>
+              <a:t>(</a:t>
+            </a:r>
+          </a:p>
+          <a:p>
+            <a:pPr marL="0" indent="0">
+              <a:buNone/>
+            </a:pPr>
+            <a:r>
+              <a:rPr lang="en-US" dirty="0"/>
+              <a:t>                {</a:t>
+            </a:r>
+          </a:p>
+          <a:p>
+            <a:pPr marL="0" indent="0">
+              <a:buNone/>
+            </a:pPr>
+            <a:r>
+              <a:rPr lang="en-US" dirty="0"/>
+              <a:t>                    data: "hello",</a:t>
+            </a:r>
+          </a:p>
+          <a:p>
+            <a:pPr marL="0" indent="0">
+              <a:buNone/>
+            </a:pPr>
+            <a:r>
+              <a:rPr lang="en-US" dirty="0"/>
+              <a:t>                    type: “ping"</a:t>
+            </a:r>
+          </a:p>
+          <a:p>
+            <a:pPr marL="0" indent="0">
+              <a:buNone/>
+            </a:pPr>
+            <a:r>
+              <a:rPr lang="en-US" dirty="0"/>
+              <a:t>                },</a:t>
+            </a:r>
+          </a:p>
+          <a:p>
+            <a:pPr marL="0" indent="0">
+              <a:buNone/>
+            </a:pPr>
+            <a:r>
+              <a:rPr lang="en-US" dirty="0"/>
+              <a:t>                function (error) { });</a:t>
+            </a:r>
+          </a:p>
+          <a:p>
+            <a:pPr marL="0" indent="0">
+              <a:buNone/>
+            </a:pPr>
+            <a:endParaRPr lang="en-US" dirty="0"/>
+          </a:p>
+          <a:p>
+            <a:pPr marL="0" indent="0">
+              <a:buNone/>
+            </a:pPr>
+            <a:r>
+              <a:rPr lang="en-US" dirty="0"/>
+              <a:t>            </a:t>
+            </a:r>
+            <a:r>
+              <a:rPr lang="en-US" dirty="0" err="1"/>
+              <a:t>var</a:t>
+            </a:r>
+            <a:r>
+              <a:rPr lang="en-US" dirty="0"/>
+              <a:t> a = </a:t>
+            </a:r>
+            <a:r>
+              <a:rPr lang="en-US" dirty="0" err="1"/>
+              <a:t>document.getElementsByClassName</a:t>
+            </a:r>
+            <a:r>
+              <a:rPr lang="en-US" dirty="0"/>
+              <a:t>("</a:t>
+            </a:r>
+            <a:r>
+              <a:rPr lang="en-US" dirty="0" err="1"/>
+              <a:t>OT_mirrored</a:t>
+            </a:r>
+            <a:r>
+              <a:rPr lang="en-US" dirty="0"/>
+              <a:t> </a:t>
+            </a:r>
+            <a:r>
+              <a:rPr lang="en-US" dirty="0" err="1"/>
+              <a:t>OT_root</a:t>
+            </a:r>
+            <a:r>
+              <a:rPr lang="en-US" dirty="0"/>
+              <a:t> </a:t>
+            </a:r>
+            <a:r>
+              <a:rPr lang="en-US" dirty="0" err="1"/>
+              <a:t>OT_publisher</a:t>
+            </a:r>
+            <a:r>
+              <a:rPr lang="en-US" dirty="0"/>
+              <a:t> </a:t>
+            </a:r>
+            <a:r>
+              <a:rPr lang="en-US" dirty="0" err="1"/>
+              <a:t>OT_fit</a:t>
+            </a:r>
+            <a:r>
+              <a:rPr lang="en-US" dirty="0"/>
+              <a:t>-mode-cover");</a:t>
+            </a:r>
+          </a:p>
+          <a:p>
+            <a:pPr marL="0" indent="0">
+              <a:buNone/>
+            </a:pPr>
+            <a:r>
+              <a:rPr lang="en-US" dirty="0"/>
+              <a:t>            if (</a:t>
+            </a:r>
+            <a:r>
+              <a:rPr lang="en-US" dirty="0" err="1"/>
+              <a:t>a.length</a:t>
+            </a:r>
+            <a:r>
+              <a:rPr lang="en-US" dirty="0"/>
+              <a:t> == 0 || publisher == null || </a:t>
+            </a:r>
+            <a:r>
+              <a:rPr lang="en-US" dirty="0" err="1"/>
+              <a:t>publisher.session</a:t>
+            </a:r>
+            <a:r>
+              <a:rPr lang="en-US" dirty="0"/>
+              <a:t> == null) {</a:t>
+            </a:r>
+          </a:p>
+          <a:p>
+            <a:pPr marL="0" indent="0">
+              <a:buNone/>
+            </a:pPr>
+            <a:r>
+              <a:rPr lang="en-US" dirty="0"/>
+              <a:t>                </a:t>
+            </a:r>
+            <a:r>
+              <a:rPr lang="en-US" dirty="0" err="1"/>
+              <a:t>doPub</a:t>
+            </a:r>
+            <a:r>
+              <a:rPr lang="en-US" dirty="0"/>
+              <a:t>();</a:t>
+            </a:r>
+          </a:p>
+          <a:p>
+            <a:pPr marL="0" indent="0">
+              <a:buNone/>
+            </a:pPr>
+            <a:r>
+              <a:rPr lang="en-US" dirty="0"/>
+              <a:t>                return;</a:t>
+            </a:r>
+          </a:p>
+          <a:p>
+            <a:pPr marL="0" indent="0">
+              <a:buNone/>
+            </a:pPr>
+            <a:r>
+              <a:rPr lang="en-US" dirty="0"/>
+              <a:t>            }</a:t>
+            </a:r>
+          </a:p>
+          <a:p>
+            <a:pPr marL="0" indent="0">
+              <a:buNone/>
+            </a:pPr>
+            <a:endParaRPr lang="en-US" dirty="0"/>
+          </a:p>
+          <a:p>
+            <a:pPr marL="0" indent="0">
+              <a:buNone/>
+            </a:pPr>
+            <a:r>
+              <a:rPr lang="en-US" dirty="0"/>
+              <a:t>            x = </a:t>
+            </a:r>
+            <a:r>
+              <a:rPr lang="en-US" dirty="0" err="1"/>
+              <a:t>document.getElementsByClassName</a:t>
+            </a:r>
+            <a:r>
+              <a:rPr lang="en-US" dirty="0"/>
+              <a:t>("</a:t>
+            </a:r>
+            <a:r>
+              <a:rPr lang="en-US" dirty="0" err="1"/>
+              <a:t>OT_root</a:t>
+            </a:r>
+            <a:r>
+              <a:rPr lang="en-US" dirty="0"/>
+              <a:t> </a:t>
+            </a:r>
+            <a:r>
+              <a:rPr lang="en-US" dirty="0" err="1"/>
+              <a:t>OT_subscriber</a:t>
+            </a:r>
+            <a:r>
+              <a:rPr lang="en-US" dirty="0"/>
+              <a:t> </a:t>
+            </a:r>
+            <a:r>
+              <a:rPr lang="en-US" dirty="0" err="1"/>
+              <a:t>OT_fit</a:t>
+            </a:r>
+            <a:r>
+              <a:rPr lang="en-US" dirty="0"/>
+              <a:t>-mode-cover");</a:t>
+            </a:r>
+          </a:p>
+          <a:p>
+            <a:pPr marL="0" indent="0">
+              <a:buNone/>
+            </a:pPr>
+            <a:r>
+              <a:rPr lang="en-US" dirty="0"/>
+              <a:t>            if (</a:t>
+            </a:r>
+            <a:r>
+              <a:rPr lang="en-US" dirty="0" err="1"/>
+              <a:t>x.length</a:t>
+            </a:r>
+            <a:r>
+              <a:rPr lang="en-US" dirty="0"/>
+              <a:t> == 0 || subscriber == null || </a:t>
+            </a:r>
+            <a:r>
+              <a:rPr lang="en-US" dirty="0" err="1"/>
+              <a:t>subscriber.stream</a:t>
+            </a:r>
+            <a:r>
+              <a:rPr lang="en-US" dirty="0"/>
+              <a:t> == null) {</a:t>
+            </a:r>
+          </a:p>
+          <a:p>
+            <a:pPr marL="0" indent="0">
+              <a:buNone/>
+            </a:pPr>
+            <a:r>
+              <a:rPr lang="en-US" dirty="0"/>
+              <a:t>                if (connected)</a:t>
+            </a:r>
+          </a:p>
+          <a:p>
+            <a:pPr marL="0" indent="0">
+              <a:buNone/>
+            </a:pPr>
+            <a:r>
+              <a:rPr lang="en-US" dirty="0"/>
+              <a:t>                    </a:t>
+            </a:r>
+            <a:r>
+              <a:rPr lang="en-US" dirty="0" err="1"/>
+              <a:t>doSub</a:t>
+            </a:r>
+            <a:r>
+              <a:rPr lang="en-US" dirty="0"/>
+              <a:t>();</a:t>
+            </a:r>
+          </a:p>
+          <a:p>
+            <a:pPr marL="0" indent="0">
+              <a:buNone/>
+            </a:pPr>
+            <a:r>
+              <a:rPr lang="en-US" dirty="0"/>
+              <a:t>                return;</a:t>
+            </a:r>
+          </a:p>
+          <a:p>
+            <a:pPr marL="0" indent="0">
+              <a:buNone/>
+            </a:pPr>
+            <a:r>
+              <a:rPr lang="en-US" dirty="0"/>
+              <a:t>            }</a:t>
+            </a:r>
+          </a:p>
+          <a:p>
+            <a:pPr marL="0" indent="0">
+              <a:buNone/>
+            </a:pPr>
+            <a:endParaRPr lang="en-US" dirty="0"/>
+          </a:p>
+          <a:p>
+            <a:pPr marL="0" indent="0">
+              <a:buNone/>
+            </a:pPr>
+            <a:r>
+              <a:rPr lang="en-US" dirty="0"/>
+              <a:t>            </a:t>
+            </a:r>
+            <a:r>
+              <a:rPr lang="en-US" dirty="0" err="1"/>
+              <a:t>subscriber.getStats</a:t>
+            </a:r>
+            <a:r>
+              <a:rPr lang="en-US" dirty="0"/>
+              <a:t>(function (error, stats) {</a:t>
+            </a:r>
+          </a:p>
+          <a:p>
+            <a:pPr marL="0" indent="0">
+              <a:buNone/>
+            </a:pPr>
+            <a:r>
+              <a:rPr lang="en-US" dirty="0"/>
+              <a:t>                if (error)</a:t>
+            </a:r>
+          </a:p>
+          <a:p>
+            <a:pPr marL="0" indent="0">
+              <a:buNone/>
+            </a:pPr>
+            <a:r>
+              <a:rPr lang="en-US" dirty="0"/>
+              <a:t>                    </a:t>
+            </a:r>
+            <a:r>
+              <a:rPr lang="en-US" dirty="0" err="1"/>
+              <a:t>doSub</a:t>
+            </a:r>
+            <a:r>
+              <a:rPr lang="en-US" dirty="0"/>
+              <a:t>();</a:t>
+            </a:r>
+          </a:p>
+          <a:p>
+            <a:pPr marL="0" indent="0">
+              <a:buNone/>
+            </a:pPr>
+            <a:r>
+              <a:rPr lang="en-US" dirty="0"/>
+              <a:t>                else if (</a:t>
+            </a:r>
+            <a:r>
+              <a:rPr lang="en-US" dirty="0" err="1"/>
+              <a:t>prevStats</a:t>
+            </a:r>
+            <a:r>
+              <a:rPr lang="en-US" dirty="0"/>
+              <a:t> &amp;&amp; (</a:t>
+            </a:r>
+            <a:r>
+              <a:rPr lang="en-US" dirty="0" err="1"/>
+              <a:t>typeof</a:t>
+            </a:r>
+            <a:r>
+              <a:rPr lang="en-US" dirty="0"/>
+              <a:t> </a:t>
+            </a:r>
+            <a:r>
+              <a:rPr lang="en-US" dirty="0" err="1"/>
+              <a:t>stats.video</a:t>
+            </a:r>
+            <a:r>
+              <a:rPr lang="en-US" dirty="0"/>
+              <a:t> !== 'undefined')) {</a:t>
+            </a:r>
+          </a:p>
+          <a:p>
+            <a:pPr marL="0" indent="0">
+              <a:buNone/>
+            </a:pPr>
+            <a:r>
+              <a:rPr lang="en-US" dirty="0"/>
+              <a:t>                    </a:t>
+            </a:r>
+            <a:r>
+              <a:rPr lang="en-US" dirty="0" err="1"/>
+              <a:t>var</a:t>
+            </a:r>
+            <a:r>
+              <a:rPr lang="en-US" dirty="0"/>
+              <a:t> </a:t>
+            </a:r>
+            <a:r>
+              <a:rPr lang="en-US" dirty="0" err="1"/>
+              <a:t>videoBitRate</a:t>
+            </a:r>
+            <a:r>
+              <a:rPr lang="en-US" dirty="0"/>
+              <a:t> = 2 * (</a:t>
+            </a:r>
+            <a:r>
+              <a:rPr lang="en-US" dirty="0" err="1"/>
+              <a:t>stats.video.bytesReceived</a:t>
+            </a:r>
+            <a:r>
+              <a:rPr lang="en-US" dirty="0"/>
+              <a:t> - </a:t>
+            </a:r>
+            <a:r>
+              <a:rPr lang="en-US" dirty="0" err="1"/>
+              <a:t>prevStats.video.bytesReceived</a:t>
+            </a:r>
+            <a:r>
+              <a:rPr lang="en-US" dirty="0"/>
+              <a:t>);</a:t>
+            </a:r>
+          </a:p>
+          <a:p>
+            <a:pPr marL="0" indent="0">
+              <a:buNone/>
+            </a:pPr>
+            <a:r>
+              <a:rPr lang="en-US" dirty="0"/>
+              <a:t>                    </a:t>
+            </a:r>
+            <a:r>
+              <a:rPr lang="en-US" dirty="0" err="1"/>
+              <a:t>var</a:t>
+            </a:r>
+            <a:r>
+              <a:rPr lang="en-US" dirty="0"/>
+              <a:t> </a:t>
+            </a:r>
+            <a:r>
+              <a:rPr lang="en-US" dirty="0" err="1"/>
+              <a:t>audioBitRate</a:t>
+            </a:r>
+            <a:r>
+              <a:rPr lang="en-US" dirty="0"/>
+              <a:t> = 2 * (</a:t>
+            </a:r>
+            <a:r>
+              <a:rPr lang="en-US" dirty="0" err="1"/>
+              <a:t>stats.audio.bytesReceived</a:t>
+            </a:r>
+            <a:r>
+              <a:rPr lang="en-US" dirty="0"/>
+              <a:t> - </a:t>
+            </a:r>
+            <a:r>
+              <a:rPr lang="en-US" dirty="0" err="1"/>
+              <a:t>prevStats.audio.bytesReceived</a:t>
+            </a:r>
+            <a:r>
+              <a:rPr lang="en-US" dirty="0"/>
+              <a:t>);</a:t>
+            </a:r>
+          </a:p>
+          <a:p>
+            <a:pPr marL="0" indent="0">
+              <a:buNone/>
+            </a:pPr>
+            <a:r>
+              <a:rPr lang="en-US" dirty="0"/>
+              <a:t>                    </a:t>
+            </a:r>
+            <a:r>
+              <a:rPr lang="en-US" dirty="0" err="1"/>
+              <a:t>document.getElementById</a:t>
+            </a:r>
+            <a:r>
+              <a:rPr lang="en-US" dirty="0"/>
+              <a:t>("</a:t>
+            </a:r>
+            <a:r>
+              <a:rPr lang="en-US" dirty="0" err="1"/>
+              <a:t>id_status</a:t>
+            </a:r>
+            <a:r>
+              <a:rPr lang="en-US" dirty="0"/>
+              <a:t>").</a:t>
+            </a:r>
+            <a:r>
+              <a:rPr lang="en-US" dirty="0" err="1"/>
+              <a:t>innerHTML</a:t>
+            </a:r>
+            <a:r>
+              <a:rPr lang="en-US" dirty="0"/>
+              <a:t> = "&lt;P&gt;Video: ".</a:t>
+            </a:r>
+            <a:r>
+              <a:rPr lang="en-US" dirty="0" err="1"/>
+              <a:t>concat</a:t>
+            </a:r>
+            <a:r>
+              <a:rPr lang="en-US" dirty="0"/>
+              <a:t>(</a:t>
+            </a:r>
+            <a:r>
+              <a:rPr lang="en-US" dirty="0" err="1"/>
+              <a:t>videoBitRate.toString</a:t>
+            </a:r>
+            <a:r>
+              <a:rPr lang="en-US" dirty="0"/>
+              <a:t>(), ", Audio: ", </a:t>
+            </a:r>
+            <a:r>
+              <a:rPr lang="en-US" dirty="0" err="1"/>
+              <a:t>audioBitRate.toString</a:t>
+            </a:r>
+            <a:r>
+              <a:rPr lang="en-US" dirty="0"/>
+              <a:t>(), ", Frame/s: ", </a:t>
+            </a:r>
+            <a:r>
+              <a:rPr lang="en-US" dirty="0" err="1"/>
+              <a:t>stats.video.frameRate</a:t>
+            </a:r>
+            <a:r>
+              <a:rPr lang="en-US" dirty="0"/>
+              <a:t>, "&lt;/P&gt;");</a:t>
+            </a:r>
+          </a:p>
+          <a:p>
+            <a:pPr marL="0" indent="0">
+              <a:buNone/>
+            </a:pPr>
+            <a:r>
+              <a:rPr lang="en-US" dirty="0"/>
+              <a:t>                }</a:t>
+            </a:r>
+          </a:p>
+          <a:p>
+            <a:pPr marL="0" indent="0">
+              <a:buNone/>
+            </a:pPr>
+            <a:r>
+              <a:rPr lang="en-US" dirty="0"/>
+              <a:t>                </a:t>
+            </a:r>
+            <a:r>
+              <a:rPr lang="en-US" dirty="0" err="1"/>
+              <a:t>prevStats</a:t>
+            </a:r>
+            <a:r>
+              <a:rPr lang="en-US" dirty="0"/>
+              <a:t> = stats;</a:t>
+            </a:r>
+          </a:p>
+          <a:p>
+            <a:pPr marL="0" indent="0">
+              <a:buNone/>
+            </a:pPr>
+            <a:r>
+              <a:rPr lang="en-US" dirty="0"/>
+              <a:t>            });</a:t>
+            </a:r>
+          </a:p>
+          <a:p>
+            <a:pPr marL="0" indent="0">
+              <a:buNone/>
+            </a:pPr>
+            <a:r>
+              <a:rPr lang="en-US" dirty="0"/>
+              <a:t>        }, 2000);</a:t>
+            </a:r>
+          </a:p>
+        </p:txBody>
+      </p:sp>
+    </p:spTree>
+    <p:extLst>
+      <p:ext uri="{BB962C8B-B14F-4D97-AF65-F5344CB8AC3E}">
+        <p14:creationId xmlns:p14="http://schemas.microsoft.com/office/powerpoint/2010/main" val="3580184565"/>
+      </p:ext>
+    </p:extLst>
+  </p:cSld>
+  <p:clrMapOvr>
+    <a:masterClrMapping/>
+  </p:clrMapOvr>
+</p:sld>
+</file>
+
+<file path=ppt/slides/slide16.xml><?xml version="1.0" encoding="utf-8"?>
+<p:sld xmlns:a="http://schemas.openxmlformats.org/drawingml/2006/main" xmlns:r="http://schemas.openxmlformats.org/officeDocument/2006/relationships" xmlns:p="http://schemas.openxmlformats.org/presentationml/2006/main">
+  <p:cSld>
+    <p:spTree>
+      <p:nvGrpSpPr>
+        <p:cNvPr id="1" name=""/>
+        <p:cNvGrpSpPr/>
+        <p:nvPr/>
+      </p:nvGrpSpPr>
+      <p:grpSpPr>
+        <a:xfrm>
+          <a:off x="0" y="0"/>
+          <a:ext cx="0" cy="0"/>
+          <a:chOff x="0" y="0"/>
+          <a:chExt cx="0" cy="0"/>
+        </a:xfrm>
+      </p:grpSpPr>
+      <p:sp>
+        <p:nvSpPr>
+          <p:cNvPr id="2" name="Title 1"/>
+          <p:cNvSpPr>
+            <a:spLocks noGrp="1"/>
+          </p:cNvSpPr>
+          <p:nvPr>
+            <p:ph type="title"/>
+          </p:nvPr>
+        </p:nvSpPr>
+        <p:spPr/>
+        <p:txBody>
           <a:bodyPr/>
           <a:lstStyle/>
           <a:p>
@@ -4667,7 +4769,7 @@
 </p:sld>
 </file>
 
-<file path=ppt/slides/slide16.xml><?xml version="1.0" encoding="utf-8"?>
+<file path=ppt/slides/slide17.xml><?xml version="1.0" encoding="utf-8"?>
 <p:sld xmlns:a="http://schemas.openxmlformats.org/drawingml/2006/main" xmlns:r="http://schemas.openxmlformats.org/officeDocument/2006/relationships" xmlns:p="http://schemas.openxmlformats.org/presentationml/2006/main">
   <p:cSld>
     <p:spTree>
